--- a/doc/PresentationYourQuiz.pptx
+++ b/doc/PresentationYourQuiz.pptx
@@ -5,7 +5,7 @@
     <p:sldMasterId id="2147483682" r:id="rId1"/>
   </p:sldMasterIdLst>
   <p:notesMasterIdLst>
-    <p:notesMasterId r:id="rId17"/>
+    <p:notesMasterId r:id="rId18"/>
   </p:notesMasterIdLst>
   <p:sldIdLst>
     <p:sldId id="256" r:id="rId2"/>
@@ -14,15 +14,16 @@
     <p:sldId id="260" r:id="rId5"/>
     <p:sldId id="261" r:id="rId6"/>
     <p:sldId id="262" r:id="rId7"/>
-    <p:sldId id="258" r:id="rId8"/>
-    <p:sldId id="263" r:id="rId9"/>
-    <p:sldId id="264" r:id="rId10"/>
-    <p:sldId id="265" r:id="rId11"/>
-    <p:sldId id="266" r:id="rId12"/>
-    <p:sldId id="267" r:id="rId13"/>
-    <p:sldId id="268" r:id="rId14"/>
-    <p:sldId id="269" r:id="rId15"/>
-    <p:sldId id="270" r:id="rId16"/>
+    <p:sldId id="271" r:id="rId8"/>
+    <p:sldId id="258" r:id="rId9"/>
+    <p:sldId id="263" r:id="rId10"/>
+    <p:sldId id="264" r:id="rId11"/>
+    <p:sldId id="265" r:id="rId12"/>
+    <p:sldId id="266" r:id="rId13"/>
+    <p:sldId id="267" r:id="rId14"/>
+    <p:sldId id="268" r:id="rId15"/>
+    <p:sldId id="269" r:id="rId16"/>
+    <p:sldId id="270" r:id="rId17"/>
   </p:sldIdLst>
   <p:sldSz cx="12192000" cy="6858000"/>
   <p:notesSz cx="6858000" cy="9144000"/>
@@ -121,6 +122,11 @@
       </a:defRPr>
     </a:lvl9pPr>
   </p:defaultTextStyle>
+  <p:extLst>
+    <p:ext uri="{EFAFB233-063F-42B5-8137-9DF3F51BA10A}">
+      <p15:sldGuideLst xmlns:p15="http://schemas.microsoft.com/office/powerpoint/2012/main"/>
+    </p:ext>
+  </p:extLst>
 </p:presentation>
 </file>
 
@@ -568,7 +574,7 @@
           <a:effectLst/>
           <a:extLst>
             <a:ext uri="{91240B29-F687-4f45-9708-019B960494DF}">
-              <a14:hiddenLine xmlns:a14="http://schemas.microsoft.com/office/drawing/2010/main" xmlns="" w="9525">
+              <a14:hiddenLine xmlns="" xmlns:a14="http://schemas.microsoft.com/office/drawing/2010/main" w="9525">
                 <a:solidFill>
                   <a:srgbClr val="000000"/>
                 </a:solidFill>
@@ -2094,7 +2100,7 @@
           <a:ln/>
           <a:extLst>
             <a:ext uri="{91240B29-F687-4f45-9708-019B960494DF}">
-              <a14:hiddenLine xmlns:a14="http://schemas.microsoft.com/office/drawing/2010/main" xmlns="" w="9525">
+              <a14:hiddenLine xmlns="" xmlns:a14="http://schemas.microsoft.com/office/drawing/2010/main" w="9525">
                 <a:solidFill>
                   <a:srgbClr val="000000"/>
                 </a:solidFill>
@@ -2370,7 +2376,7 @@
           <a:ln/>
           <a:extLst>
             <a:ext uri="{91240B29-F687-4f45-9708-019B960494DF}">
-              <a14:hiddenLine xmlns:a14="http://schemas.microsoft.com/office/drawing/2010/main" xmlns="" w="9525">
+              <a14:hiddenLine xmlns="" xmlns:a14="http://schemas.microsoft.com/office/drawing/2010/main" w="9525">
                 <a:solidFill>
                   <a:srgbClr val="000000"/>
                 </a:solidFill>
@@ -2654,7 +2660,7 @@
           <a:ln/>
           <a:extLst>
             <a:ext uri="{91240B29-F687-4f45-9708-019B960494DF}">
-              <a14:hiddenLine xmlns:a14="http://schemas.microsoft.com/office/drawing/2010/main" xmlns="" w="9525">
+              <a14:hiddenLine xmlns="" xmlns:a14="http://schemas.microsoft.com/office/drawing/2010/main" w="9525">
                 <a:solidFill>
                   <a:srgbClr val="000000"/>
                 </a:solidFill>
@@ -3282,7 +3288,7 @@
           <a:ln/>
           <a:extLst>
             <a:ext uri="{91240B29-F687-4f45-9708-019B960494DF}">
-              <a14:hiddenLine xmlns:a14="http://schemas.microsoft.com/office/drawing/2010/main" xmlns="" w="9525">
+              <a14:hiddenLine xmlns="" xmlns:a14="http://schemas.microsoft.com/office/drawing/2010/main" w="9525">
                 <a:solidFill>
                   <a:srgbClr val="000000"/>
                 </a:solidFill>
@@ -3622,7 +3628,7 @@
           <a:ln/>
           <a:extLst>
             <a:ext uri="{91240B29-F687-4f45-9708-019B960494DF}">
-              <a14:hiddenLine xmlns:a14="http://schemas.microsoft.com/office/drawing/2010/main" xmlns="" w="9525">
+              <a14:hiddenLine xmlns="" xmlns:a14="http://schemas.microsoft.com/office/drawing/2010/main" w="9525">
                 <a:solidFill>
                   <a:srgbClr val="000000"/>
                 </a:solidFill>
@@ -4100,7 +4106,7 @@
           <a:ln/>
           <a:extLst>
             <a:ext uri="{91240B29-F687-4f45-9708-019B960494DF}">
-              <a14:hiddenLine xmlns:a14="http://schemas.microsoft.com/office/drawing/2010/main" xmlns="" w="9525">
+              <a14:hiddenLine xmlns="" xmlns:a14="http://schemas.microsoft.com/office/drawing/2010/main" w="9525">
                 <a:solidFill>
                   <a:srgbClr val="000000"/>
                 </a:solidFill>
@@ -4531,7 +4537,7 @@
           <a:ln/>
           <a:extLst>
             <a:ext uri="{91240B29-F687-4f45-9708-019B960494DF}">
-              <a14:hiddenLine xmlns:a14="http://schemas.microsoft.com/office/drawing/2010/main" xmlns="" w="9525">
+              <a14:hiddenLine xmlns="" xmlns:a14="http://schemas.microsoft.com/office/drawing/2010/main" w="9525">
                 <a:solidFill>
                   <a:srgbClr val="000000"/>
                 </a:solidFill>
@@ -6228,7 +6234,7 @@
           <a:p>
             <a:r>
               <a:rPr lang="fr-FR" dirty="0"/>
-              <a:t>Pratiques agiles</a:t>
+              <a:t>Itérations</a:t>
             </a:r>
           </a:p>
         </p:txBody>
@@ -6263,7 +6269,7 @@
           <p:cNvPr id="2" name="Espace réservé du numéro de diapositive 1">
             <a:extLst>
               <a:ext uri="{FF2B5EF4-FFF2-40B4-BE49-F238E27FC236}">
-                <a16:creationId xmlns:a16="http://schemas.microsoft.com/office/drawing/2014/main" id="{A0713679-7028-0643-8E7F-14E80414BF71}"/>
+                <a16:creationId xmlns:a16="http://schemas.microsoft.com/office/drawing/2014/main" id="{2F5085DE-E66B-3B48-A977-0B852BA93BDF}"/>
               </a:ext>
             </a:extLst>
           </p:cNvPr>
@@ -6291,7 +6297,7 @@
     </p:spTree>
     <p:extLst>
       <p:ext uri="{BB962C8B-B14F-4D97-AF65-F5344CB8AC3E}">
-        <p14:creationId xmlns:p14="http://schemas.microsoft.com/office/powerpoint/2010/main" val="317237798"/>
+        <p14:creationId xmlns:p14="http://schemas.microsoft.com/office/powerpoint/2010/main" val="742252080"/>
       </p:ext>
     </p:extLst>
   </p:cSld>
@@ -6320,10 +6326,10 @@
       </p:grpSpPr>
       <p:sp>
         <p:nvSpPr>
-          <p:cNvPr id="2" name="Titre 1">
+          <p:cNvPr id="6" name="Titre 5">
             <a:extLst>
               <a:ext uri="{FF2B5EF4-FFF2-40B4-BE49-F238E27FC236}">
-                <a16:creationId xmlns:a16="http://schemas.microsoft.com/office/drawing/2014/main" id="{A7318695-14A5-2D48-9786-EDC034AB0938}"/>
+                <a16:creationId xmlns:a16="http://schemas.microsoft.com/office/drawing/2014/main" id="{DAAFE559-640E-FA42-B49D-1FC1C98CFB32}"/>
               </a:ext>
             </a:extLst>
           </p:cNvPr>
@@ -6341,17 +6347,17 @@
           <a:p>
             <a:r>
               <a:rPr lang="fr-FR" dirty="0"/>
-              <a:t>Outils</a:t>
-            </a:r>
-          </a:p>
-        </p:txBody>
-      </p:sp>
-      <p:sp>
-        <p:nvSpPr>
-          <p:cNvPr id="3" name="Espace réservé du contenu 2">
+              <a:t>Pratiques agiles</a:t>
+            </a:r>
+          </a:p>
+        </p:txBody>
+      </p:sp>
+      <p:sp>
+        <p:nvSpPr>
+          <p:cNvPr id="7" name="Espace réservé du contenu 6">
             <a:extLst>
               <a:ext uri="{FF2B5EF4-FFF2-40B4-BE49-F238E27FC236}">
-                <a16:creationId xmlns:a16="http://schemas.microsoft.com/office/drawing/2014/main" id="{557C1EDA-A6BB-2744-8D01-D5FA3158D2F8}"/>
+                <a16:creationId xmlns:a16="http://schemas.microsoft.com/office/drawing/2014/main" id="{B4FA7B2B-8F73-6A4A-A06B-69505A243BF9}"/>
               </a:ext>
             </a:extLst>
           </p:cNvPr>
@@ -6367,33 +6373,16 @@
           <a:bodyPr/>
           <a:lstStyle/>
           <a:p>
-            <a:r>
-              <a:rPr lang="fr-FR" dirty="0"/>
-              <a:t>Git</a:t>
-            </a:r>
-          </a:p>
-          <a:p>
-            <a:pPr lvl="1"/>
-            <a:r>
-              <a:rPr lang="fr-FR" dirty="0"/>
-              <a:t>GITHEPIA</a:t>
-            </a:r>
-          </a:p>
-          <a:p>
-            <a:r>
-              <a:rPr lang="fr-FR" dirty="0" err="1"/>
-              <a:t>Canban</a:t>
-            </a:r>
-            <a:endParaRPr lang="fr-FR" dirty="0"/>
-          </a:p>
-        </p:txBody>
-      </p:sp>
-      <p:sp>
-        <p:nvSpPr>
-          <p:cNvPr id="4" name="Espace réservé du numéro de diapositive 3">
+            <a:endParaRPr lang="fr-FR"/>
+          </a:p>
+        </p:txBody>
+      </p:sp>
+      <p:sp>
+        <p:nvSpPr>
+          <p:cNvPr id="2" name="Espace réservé du numéro de diapositive 1">
             <a:extLst>
               <a:ext uri="{FF2B5EF4-FFF2-40B4-BE49-F238E27FC236}">
-                <a16:creationId xmlns:a16="http://schemas.microsoft.com/office/drawing/2014/main" id="{23C5EA02-36BF-EC4D-945E-7CF28B8B3195}"/>
+                <a16:creationId xmlns:a16="http://schemas.microsoft.com/office/drawing/2014/main" id="{A0713679-7028-0643-8E7F-14E80414BF71}"/>
               </a:ext>
             </a:extLst>
           </p:cNvPr>
@@ -6421,7 +6410,7 @@
     </p:spTree>
     <p:extLst>
       <p:ext uri="{BB962C8B-B14F-4D97-AF65-F5344CB8AC3E}">
-        <p14:creationId xmlns:p14="http://schemas.microsoft.com/office/powerpoint/2010/main" val="897296187"/>
+        <p14:creationId xmlns:p14="http://schemas.microsoft.com/office/powerpoint/2010/main" val="317237798"/>
       </p:ext>
     </p:extLst>
   </p:cSld>
@@ -6453,7 +6442,7 @@
           <p:cNvPr id="2" name="Titre 1">
             <a:extLst>
               <a:ext uri="{FF2B5EF4-FFF2-40B4-BE49-F238E27FC236}">
-                <a16:creationId xmlns:a16="http://schemas.microsoft.com/office/drawing/2014/main" id="{29D60976-3BC7-AD42-ABBC-8980A4E88DE0}"/>
+                <a16:creationId xmlns:a16="http://schemas.microsoft.com/office/drawing/2014/main" id="{A7318695-14A5-2D48-9786-EDC034AB0938}"/>
               </a:ext>
             </a:extLst>
           </p:cNvPr>
@@ -6471,7 +6460,7 @@
           <a:p>
             <a:r>
               <a:rPr lang="fr-FR" dirty="0"/>
-              <a:t>Contributions des membres</a:t>
+              <a:t>Outils</a:t>
             </a:r>
           </a:p>
         </p:txBody>
@@ -6481,7 +6470,7 @@
           <p:cNvPr id="3" name="Espace réservé du contenu 2">
             <a:extLst>
               <a:ext uri="{FF2B5EF4-FFF2-40B4-BE49-F238E27FC236}">
-                <a16:creationId xmlns:a16="http://schemas.microsoft.com/office/drawing/2014/main" id="{CFE9BA86-B3FC-0845-A033-F4527D894AA1}"/>
+                <a16:creationId xmlns:a16="http://schemas.microsoft.com/office/drawing/2014/main" id="{557C1EDA-A6BB-2744-8D01-D5FA3158D2F8}"/>
               </a:ext>
             </a:extLst>
           </p:cNvPr>
@@ -6497,7 +6486,24 @@
           <a:bodyPr/>
           <a:lstStyle/>
           <a:p>
-            <a:endParaRPr lang="fr-FR"/>
+            <a:r>
+              <a:rPr lang="fr-FR" dirty="0"/>
+              <a:t>Git</a:t>
+            </a:r>
+          </a:p>
+          <a:p>
+            <a:pPr lvl="1"/>
+            <a:r>
+              <a:rPr lang="fr-FR" dirty="0"/>
+              <a:t>GITHEPIA</a:t>
+            </a:r>
+          </a:p>
+          <a:p>
+            <a:r>
+              <a:rPr lang="fr-FR" dirty="0" err="1"/>
+              <a:t>Canban</a:t>
+            </a:r>
+            <a:endParaRPr lang="fr-FR" dirty="0"/>
           </a:p>
         </p:txBody>
       </p:sp>
@@ -6506,7 +6512,7 @@
           <p:cNvPr id="4" name="Espace réservé du numéro de diapositive 3">
             <a:extLst>
               <a:ext uri="{FF2B5EF4-FFF2-40B4-BE49-F238E27FC236}">
-                <a16:creationId xmlns:a16="http://schemas.microsoft.com/office/drawing/2014/main" id="{2D3556F6-2739-364D-B382-10F370E5BC7B}"/>
+                <a16:creationId xmlns:a16="http://schemas.microsoft.com/office/drawing/2014/main" id="{23C5EA02-36BF-EC4D-945E-7CF28B8B3195}"/>
               </a:ext>
             </a:extLst>
           </p:cNvPr>
@@ -6534,7 +6540,7 @@
     </p:spTree>
     <p:extLst>
       <p:ext uri="{BB962C8B-B14F-4D97-AF65-F5344CB8AC3E}">
-        <p14:creationId xmlns:p14="http://schemas.microsoft.com/office/powerpoint/2010/main" val="3118348846"/>
+        <p14:creationId xmlns:p14="http://schemas.microsoft.com/office/powerpoint/2010/main" val="897296187"/>
       </p:ext>
     </p:extLst>
   </p:cSld>
@@ -6566,7 +6572,7 @@
           <p:cNvPr id="2" name="Titre 1">
             <a:extLst>
               <a:ext uri="{FF2B5EF4-FFF2-40B4-BE49-F238E27FC236}">
-                <a16:creationId xmlns:a16="http://schemas.microsoft.com/office/drawing/2014/main" id="{073D906B-C675-204C-9BD2-7D78F36177CC}"/>
+                <a16:creationId xmlns:a16="http://schemas.microsoft.com/office/drawing/2014/main" id="{29D60976-3BC7-AD42-ABBC-8980A4E88DE0}"/>
               </a:ext>
             </a:extLst>
           </p:cNvPr>
@@ -6584,7 +6590,7 @@
           <a:p>
             <a:r>
               <a:rPr lang="fr-FR" dirty="0"/>
-              <a:t>Problèmes</a:t>
+              <a:t>Contributions des membres</a:t>
             </a:r>
           </a:p>
         </p:txBody>
@@ -6594,7 +6600,7 @@
           <p:cNvPr id="3" name="Espace réservé du contenu 2">
             <a:extLst>
               <a:ext uri="{FF2B5EF4-FFF2-40B4-BE49-F238E27FC236}">
-                <a16:creationId xmlns:a16="http://schemas.microsoft.com/office/drawing/2014/main" id="{2075122B-99F8-4045-817E-8C2CC40B3E22}"/>
+                <a16:creationId xmlns:a16="http://schemas.microsoft.com/office/drawing/2014/main" id="{CFE9BA86-B3FC-0845-A033-F4527D894AA1}"/>
               </a:ext>
             </a:extLst>
           </p:cNvPr>
@@ -6619,7 +6625,7 @@
           <p:cNvPr id="4" name="Espace réservé du numéro de diapositive 3">
             <a:extLst>
               <a:ext uri="{FF2B5EF4-FFF2-40B4-BE49-F238E27FC236}">
-                <a16:creationId xmlns:a16="http://schemas.microsoft.com/office/drawing/2014/main" id="{7A0B44B7-0FB7-4B4D-89C6-6D7841D2587D}"/>
+                <a16:creationId xmlns:a16="http://schemas.microsoft.com/office/drawing/2014/main" id="{2D3556F6-2739-364D-B382-10F370E5BC7B}"/>
               </a:ext>
             </a:extLst>
           </p:cNvPr>
@@ -6647,7 +6653,7 @@
     </p:spTree>
     <p:extLst>
       <p:ext uri="{BB962C8B-B14F-4D97-AF65-F5344CB8AC3E}">
-        <p14:creationId xmlns:p14="http://schemas.microsoft.com/office/powerpoint/2010/main" val="3541706277"/>
+        <p14:creationId xmlns:p14="http://schemas.microsoft.com/office/powerpoint/2010/main" val="3118348846"/>
       </p:ext>
     </p:extLst>
   </p:cSld>
@@ -6676,10 +6682,10 @@
       </p:grpSpPr>
       <p:sp>
         <p:nvSpPr>
-          <p:cNvPr id="6" name="Titre 5">
+          <p:cNvPr id="2" name="Titre 1">
             <a:extLst>
               <a:ext uri="{FF2B5EF4-FFF2-40B4-BE49-F238E27FC236}">
-                <a16:creationId xmlns:a16="http://schemas.microsoft.com/office/drawing/2014/main" id="{29CE3E33-35FE-8349-9A02-54CE2FF6D987}"/>
+                <a16:creationId xmlns:a16="http://schemas.microsoft.com/office/drawing/2014/main" id="{073D906B-C675-204C-9BD2-7D78F36177CC}"/>
               </a:ext>
             </a:extLst>
           </p:cNvPr>
@@ -6697,17 +6703,17 @@
           <a:p>
             <a:r>
               <a:rPr lang="fr-FR" dirty="0"/>
-              <a:t>Démonstration</a:t>
-            </a:r>
-          </a:p>
-        </p:txBody>
-      </p:sp>
-      <p:sp>
-        <p:nvSpPr>
-          <p:cNvPr id="7" name="Espace réservé du texte 6">
+              <a:t>Problèmes</a:t>
+            </a:r>
+          </a:p>
+        </p:txBody>
+      </p:sp>
+      <p:sp>
+        <p:nvSpPr>
+          <p:cNvPr id="3" name="Espace réservé du contenu 2">
             <a:extLst>
               <a:ext uri="{FF2B5EF4-FFF2-40B4-BE49-F238E27FC236}">
-                <a16:creationId xmlns:a16="http://schemas.microsoft.com/office/drawing/2014/main" id="{CAEDB016-2893-A144-AF95-FB2C50428ECE}"/>
+                <a16:creationId xmlns:a16="http://schemas.microsoft.com/office/drawing/2014/main" id="{2075122B-99F8-4045-817E-8C2CC40B3E22}"/>
               </a:ext>
             </a:extLst>
           </p:cNvPr>
@@ -6715,7 +6721,7 @@
             <a:spLocks noGrp="1"/>
           </p:cNvSpPr>
           <p:nvPr>
-            <p:ph type="body" idx="1"/>
+            <p:ph idx="1"/>
           </p:nvPr>
         </p:nvSpPr>
         <p:spPr/>
@@ -6729,10 +6735,10 @@
       </p:sp>
       <p:sp>
         <p:nvSpPr>
-          <p:cNvPr id="8" name="Espace réservé du numéro de diapositive 7">
+          <p:cNvPr id="4" name="Espace réservé du numéro de diapositive 3">
             <a:extLst>
               <a:ext uri="{FF2B5EF4-FFF2-40B4-BE49-F238E27FC236}">
-                <a16:creationId xmlns:a16="http://schemas.microsoft.com/office/drawing/2014/main" id="{8656FEF7-9594-1545-8275-44C0F9F81EE8}"/>
+                <a16:creationId xmlns:a16="http://schemas.microsoft.com/office/drawing/2014/main" id="{7A0B44B7-0FB7-4B4D-89C6-6D7841D2587D}"/>
               </a:ext>
             </a:extLst>
           </p:cNvPr>
@@ -6760,7 +6766,7 @@
     </p:spTree>
     <p:extLst>
       <p:ext uri="{BB962C8B-B14F-4D97-AF65-F5344CB8AC3E}">
-        <p14:creationId xmlns:p14="http://schemas.microsoft.com/office/powerpoint/2010/main" val="1207396157"/>
+        <p14:creationId xmlns:p14="http://schemas.microsoft.com/office/powerpoint/2010/main" val="3541706277"/>
       </p:ext>
     </p:extLst>
   </p:cSld>
@@ -6789,6 +6795,119 @@
       </p:grpSpPr>
       <p:sp>
         <p:nvSpPr>
+          <p:cNvPr id="6" name="Titre 5">
+            <a:extLst>
+              <a:ext uri="{FF2B5EF4-FFF2-40B4-BE49-F238E27FC236}">
+                <a16:creationId xmlns:a16="http://schemas.microsoft.com/office/drawing/2014/main" id="{29CE3E33-35FE-8349-9A02-54CE2FF6D987}"/>
+              </a:ext>
+            </a:extLst>
+          </p:cNvPr>
+          <p:cNvSpPr>
+            <a:spLocks noGrp="1"/>
+          </p:cNvSpPr>
+          <p:nvPr>
+            <p:ph type="title"/>
+          </p:nvPr>
+        </p:nvSpPr>
+        <p:spPr/>
+        <p:txBody>
+          <a:bodyPr/>
+          <a:lstStyle/>
+          <a:p>
+            <a:r>
+              <a:rPr lang="fr-FR" dirty="0"/>
+              <a:t>Démonstration</a:t>
+            </a:r>
+          </a:p>
+        </p:txBody>
+      </p:sp>
+      <p:sp>
+        <p:nvSpPr>
+          <p:cNvPr id="7" name="Espace réservé du texte 6">
+            <a:extLst>
+              <a:ext uri="{FF2B5EF4-FFF2-40B4-BE49-F238E27FC236}">
+                <a16:creationId xmlns:a16="http://schemas.microsoft.com/office/drawing/2014/main" id="{CAEDB016-2893-A144-AF95-FB2C50428ECE}"/>
+              </a:ext>
+            </a:extLst>
+          </p:cNvPr>
+          <p:cNvSpPr>
+            <a:spLocks noGrp="1"/>
+          </p:cNvSpPr>
+          <p:nvPr>
+            <p:ph type="body" idx="1"/>
+          </p:nvPr>
+        </p:nvSpPr>
+        <p:spPr/>
+        <p:txBody>
+          <a:bodyPr/>
+          <a:lstStyle/>
+          <a:p>
+            <a:endParaRPr lang="fr-FR"/>
+          </a:p>
+        </p:txBody>
+      </p:sp>
+      <p:sp>
+        <p:nvSpPr>
+          <p:cNvPr id="8" name="Espace réservé du numéro de diapositive 7">
+            <a:extLst>
+              <a:ext uri="{FF2B5EF4-FFF2-40B4-BE49-F238E27FC236}">
+                <a16:creationId xmlns:a16="http://schemas.microsoft.com/office/drawing/2014/main" id="{8656FEF7-9594-1545-8275-44C0F9F81EE8}"/>
+              </a:ext>
+            </a:extLst>
+          </p:cNvPr>
+          <p:cNvSpPr>
+            <a:spLocks noGrp="1"/>
+          </p:cNvSpPr>
+          <p:nvPr>
+            <p:ph type="sldNum" sz="quarter" idx="12"/>
+          </p:nvPr>
+        </p:nvSpPr>
+        <p:spPr/>
+        <p:txBody>
+          <a:bodyPr/>
+          <a:lstStyle/>
+          <a:p>
+            <a:fld id="{D57F1E4F-1CFF-5643-939E-217C01CDF565}" type="slidenum">
+              <a:rPr lang="en-US" smtClean="0"/>
+              <a:pPr/>
+              <a:t>15</a:t>
+            </a:fld>
+            <a:endParaRPr lang="en-US" dirty="0"/>
+          </a:p>
+        </p:txBody>
+      </p:sp>
+    </p:spTree>
+    <p:extLst>
+      <p:ext uri="{BB962C8B-B14F-4D97-AF65-F5344CB8AC3E}">
+        <p14:creationId xmlns:p14="http://schemas.microsoft.com/office/powerpoint/2010/main" val="1207396157"/>
+      </p:ext>
+    </p:extLst>
+  </p:cSld>
+  <p:clrMapOvr>
+    <a:masterClrMapping/>
+  </p:clrMapOvr>
+</p:sld>
+</file>
+
+<file path=ppt/slides/slide16.xml><?xml version="1.0" encoding="utf-8"?>
+<p:sld xmlns:a="http://schemas.openxmlformats.org/drawingml/2006/main" xmlns:r="http://schemas.openxmlformats.org/officeDocument/2006/relationships" xmlns:p="http://schemas.openxmlformats.org/presentationml/2006/main">
+  <p:cSld>
+    <p:spTree>
+      <p:nvGrpSpPr>
+        <p:cNvPr id="1" name=""/>
+        <p:cNvGrpSpPr/>
+        <p:nvPr/>
+      </p:nvGrpSpPr>
+      <p:grpSpPr>
+        <a:xfrm>
+          <a:off x="0" y="0"/>
+          <a:ext cx="0" cy="0"/>
+          <a:chOff x="0" y="0"/>
+          <a:chExt cx="0" cy="0"/>
+        </a:xfrm>
+      </p:grpSpPr>
+      <p:sp>
+        <p:nvSpPr>
           <p:cNvPr id="2" name="Titre 1">
             <a:extLst>
               <a:ext uri="{FF2B5EF4-FFF2-40B4-BE49-F238E27FC236}">
@@ -6864,7 +6983,7 @@
             <a:fld id="{D57F1E4F-1CFF-5643-939E-217C01CDF565}" type="slidenum">
               <a:rPr lang="en-US" smtClean="0"/>
               <a:pPr/>
-              <a:t>15</a:t>
+              <a:t>16</a:t>
             </a:fld>
             <a:endParaRPr lang="en-US" dirty="0"/>
           </a:p>
@@ -7511,10 +7630,10 @@
       </p:grpSpPr>
       <p:sp>
         <p:nvSpPr>
-          <p:cNvPr id="4" name="Titre 3">
+          <p:cNvPr id="2" name="Titre 1">
             <a:extLst>
               <a:ext uri="{FF2B5EF4-FFF2-40B4-BE49-F238E27FC236}">
-                <a16:creationId xmlns:a16="http://schemas.microsoft.com/office/drawing/2014/main" id="{7FC5986D-674C-8947-A822-C620E2B89565}"/>
+                <a16:creationId xmlns:a16="http://schemas.microsoft.com/office/drawing/2014/main" id="{E08D7292-BF79-0147-917A-2FAE7F395262}"/>
               </a:ext>
             </a:extLst>
           </p:cNvPr>
@@ -7531,18 +7650,18 @@
           <a:lstStyle/>
           <a:p>
             <a:r>
-              <a:rPr lang="fr-FR" dirty="0"/>
-              <a:t>Méthodologie</a:t>
-            </a:r>
-          </a:p>
-        </p:txBody>
-      </p:sp>
-      <p:sp>
-        <p:nvSpPr>
-          <p:cNvPr id="5" name="Espace réservé du texte 4">
+              <a:rPr lang="fr-FR"/>
+              <a:t>Tests</a:t>
+            </a:r>
+          </a:p>
+        </p:txBody>
+      </p:sp>
+      <p:sp>
+        <p:nvSpPr>
+          <p:cNvPr id="3" name="Espace réservé du contenu 2">
             <a:extLst>
               <a:ext uri="{FF2B5EF4-FFF2-40B4-BE49-F238E27FC236}">
-                <a16:creationId xmlns:a16="http://schemas.microsoft.com/office/drawing/2014/main" id="{3847654A-B6D2-B740-B15C-BA1DF42ABB32}"/>
+                <a16:creationId xmlns:a16="http://schemas.microsoft.com/office/drawing/2014/main" id="{256EFD7A-1B83-614B-A170-67D7781D09F6}"/>
               </a:ext>
             </a:extLst>
           </p:cNvPr>
@@ -7550,7 +7669,7 @@
             <a:spLocks noGrp="1"/>
           </p:cNvSpPr>
           <p:nvPr>
-            <p:ph type="body" idx="1"/>
+            <p:ph idx="1"/>
           </p:nvPr>
         </p:nvSpPr>
         <p:spPr/>
@@ -7564,10 +7683,10 @@
       </p:sp>
       <p:sp>
         <p:nvSpPr>
-          <p:cNvPr id="6" name="Espace réservé du numéro de diapositive 5">
+          <p:cNvPr id="4" name="Espace réservé du numéro de diapositive 3">
             <a:extLst>
               <a:ext uri="{FF2B5EF4-FFF2-40B4-BE49-F238E27FC236}">
-                <a16:creationId xmlns:a16="http://schemas.microsoft.com/office/drawing/2014/main" id="{9FC0514E-CD4B-5441-992B-ED8772737E48}"/>
+                <a16:creationId xmlns:a16="http://schemas.microsoft.com/office/drawing/2014/main" id="{0B6CAE4A-B7E5-2C41-B750-0F1672650ED7}"/>
               </a:ext>
             </a:extLst>
           </p:cNvPr>
@@ -7595,7 +7714,7 @@
     </p:spTree>
     <p:extLst>
       <p:ext uri="{BB962C8B-B14F-4D97-AF65-F5344CB8AC3E}">
-        <p14:creationId xmlns:p14="http://schemas.microsoft.com/office/powerpoint/2010/main" val="1007424981"/>
+        <p14:creationId xmlns:p14="http://schemas.microsoft.com/office/powerpoint/2010/main" val="3767591342"/>
       </p:ext>
     </p:extLst>
   </p:cSld>
@@ -7624,10 +7743,10 @@
       </p:grpSpPr>
       <p:sp>
         <p:nvSpPr>
-          <p:cNvPr id="6" name="Titre 5">
+          <p:cNvPr id="4" name="Titre 3">
             <a:extLst>
               <a:ext uri="{FF2B5EF4-FFF2-40B4-BE49-F238E27FC236}">
-                <a16:creationId xmlns:a16="http://schemas.microsoft.com/office/drawing/2014/main" id="{DAAFE559-640E-FA42-B49D-1FC1C98CFB32}"/>
+                <a16:creationId xmlns:a16="http://schemas.microsoft.com/office/drawing/2014/main" id="{7FC5986D-674C-8947-A822-C620E2B89565}"/>
               </a:ext>
             </a:extLst>
           </p:cNvPr>
@@ -7644,19 +7763,18 @@
           <a:lstStyle/>
           <a:p>
             <a:r>
-              <a:rPr lang="fr-CH" dirty="0"/>
-              <a:t>Catalogues des besoins</a:t>
-            </a:r>
-            <a:endParaRPr lang="fr-FR" dirty="0"/>
-          </a:p>
-        </p:txBody>
-      </p:sp>
-      <p:sp>
-        <p:nvSpPr>
-          <p:cNvPr id="7" name="Espace réservé du contenu 6">
+              <a:rPr lang="fr-FR" dirty="0"/>
+              <a:t>Méthodologie</a:t>
+            </a:r>
+          </a:p>
+        </p:txBody>
+      </p:sp>
+      <p:sp>
+        <p:nvSpPr>
+          <p:cNvPr id="5" name="Espace réservé du texte 4">
             <a:extLst>
               <a:ext uri="{FF2B5EF4-FFF2-40B4-BE49-F238E27FC236}">
-                <a16:creationId xmlns:a16="http://schemas.microsoft.com/office/drawing/2014/main" id="{B4FA7B2B-8F73-6A4A-A06B-69505A243BF9}"/>
+                <a16:creationId xmlns:a16="http://schemas.microsoft.com/office/drawing/2014/main" id="{3847654A-B6D2-B740-B15C-BA1DF42ABB32}"/>
               </a:ext>
             </a:extLst>
           </p:cNvPr>
@@ -7664,24 +7782,24 @@
             <a:spLocks noGrp="1"/>
           </p:cNvSpPr>
           <p:nvPr>
-            <p:ph idx="1"/>
-          </p:nvPr>
-        </p:nvSpPr>
-        <p:spPr/>
-        <p:txBody>
-          <a:bodyPr/>
-          <a:lstStyle/>
-          <a:p>
-            <a:endParaRPr lang="fr-FR" dirty="0"/>
-          </a:p>
-        </p:txBody>
-      </p:sp>
-      <p:sp>
-        <p:nvSpPr>
-          <p:cNvPr id="8" name="Espace réservé du numéro de diapositive 7">
+            <p:ph type="body" idx="1"/>
+          </p:nvPr>
+        </p:nvSpPr>
+        <p:spPr/>
+        <p:txBody>
+          <a:bodyPr/>
+          <a:lstStyle/>
+          <a:p>
+            <a:endParaRPr lang="fr-FR"/>
+          </a:p>
+        </p:txBody>
+      </p:sp>
+      <p:sp>
+        <p:nvSpPr>
+          <p:cNvPr id="6" name="Espace réservé du numéro de diapositive 5">
             <a:extLst>
               <a:ext uri="{FF2B5EF4-FFF2-40B4-BE49-F238E27FC236}">
-                <a16:creationId xmlns:a16="http://schemas.microsoft.com/office/drawing/2014/main" id="{66164805-222A-474A-8C54-AD2CED31C3D2}"/>
+                <a16:creationId xmlns:a16="http://schemas.microsoft.com/office/drawing/2014/main" id="{9FC0514E-CD4B-5441-992B-ED8772737E48}"/>
               </a:ext>
             </a:extLst>
           </p:cNvPr>
@@ -7709,7 +7827,7 @@
     </p:spTree>
     <p:extLst>
       <p:ext uri="{BB962C8B-B14F-4D97-AF65-F5344CB8AC3E}">
-        <p14:creationId xmlns:p14="http://schemas.microsoft.com/office/powerpoint/2010/main" val="3806654098"/>
+        <p14:creationId xmlns:p14="http://schemas.microsoft.com/office/powerpoint/2010/main" val="1007424981"/>
       </p:ext>
     </p:extLst>
   </p:cSld>
@@ -7758,9 +7876,10 @@
           <a:lstStyle/>
           <a:p>
             <a:r>
-              <a:rPr lang="fr-FR" dirty="0"/>
-              <a:t>Itérations</a:t>
-            </a:r>
+              <a:rPr lang="fr-CH" dirty="0"/>
+              <a:t>Catalogues des besoins</a:t>
+            </a:r>
+            <a:endParaRPr lang="fr-FR" dirty="0"/>
           </a:p>
         </p:txBody>
       </p:sp>
@@ -7785,16 +7904,16 @@
           <a:bodyPr/>
           <a:lstStyle/>
           <a:p>
-            <a:endParaRPr lang="fr-FR"/>
-          </a:p>
-        </p:txBody>
-      </p:sp>
-      <p:sp>
-        <p:nvSpPr>
-          <p:cNvPr id="2" name="Espace réservé du numéro de diapositive 1">
+            <a:endParaRPr lang="fr-FR" dirty="0"/>
+          </a:p>
+        </p:txBody>
+      </p:sp>
+      <p:sp>
+        <p:nvSpPr>
+          <p:cNvPr id="8" name="Espace réservé du numéro de diapositive 7">
             <a:extLst>
               <a:ext uri="{FF2B5EF4-FFF2-40B4-BE49-F238E27FC236}">
-                <a16:creationId xmlns:a16="http://schemas.microsoft.com/office/drawing/2014/main" id="{2F5085DE-E66B-3B48-A977-0B852BA93BDF}"/>
+                <a16:creationId xmlns:a16="http://schemas.microsoft.com/office/drawing/2014/main" id="{66164805-222A-474A-8C54-AD2CED31C3D2}"/>
               </a:ext>
             </a:extLst>
           </p:cNvPr>
@@ -7822,7 +7941,7 @@
     </p:spTree>
     <p:extLst>
       <p:ext uri="{BB962C8B-B14F-4D97-AF65-F5344CB8AC3E}">
-        <p14:creationId xmlns:p14="http://schemas.microsoft.com/office/powerpoint/2010/main" val="742252080"/>
+        <p14:creationId xmlns:p14="http://schemas.microsoft.com/office/powerpoint/2010/main" val="3806654098"/>
       </p:ext>
     </p:extLst>
   </p:cSld>

--- a/doc/PresentationYourQuiz.pptx
+++ b/doc/PresentationYourQuiz.pptx
@@ -5,24 +5,25 @@
     <p:sldMasterId id="2147483682" r:id="rId1"/>
   </p:sldMasterIdLst>
   <p:notesMasterIdLst>
-    <p:notesMasterId r:id="rId17"/>
+    <p:notesMasterId r:id="rId18"/>
   </p:notesMasterIdLst>
   <p:sldIdLst>
     <p:sldId id="256" r:id="rId2"/>
     <p:sldId id="257" r:id="rId3"/>
     <p:sldId id="259" r:id="rId4"/>
-    <p:sldId id="260" r:id="rId5"/>
-    <p:sldId id="261" r:id="rId6"/>
-    <p:sldId id="262" r:id="rId7"/>
-    <p:sldId id="258" r:id="rId8"/>
-    <p:sldId id="263" r:id="rId9"/>
-    <p:sldId id="264" r:id="rId10"/>
-    <p:sldId id="265" r:id="rId11"/>
-    <p:sldId id="266" r:id="rId12"/>
-    <p:sldId id="267" r:id="rId13"/>
-    <p:sldId id="268" r:id="rId14"/>
-    <p:sldId id="269" r:id="rId15"/>
-    <p:sldId id="270" r:id="rId16"/>
+    <p:sldId id="271" r:id="rId5"/>
+    <p:sldId id="260" r:id="rId6"/>
+    <p:sldId id="261" r:id="rId7"/>
+    <p:sldId id="262" r:id="rId8"/>
+    <p:sldId id="258" r:id="rId9"/>
+    <p:sldId id="263" r:id="rId10"/>
+    <p:sldId id="264" r:id="rId11"/>
+    <p:sldId id="265" r:id="rId12"/>
+    <p:sldId id="266" r:id="rId13"/>
+    <p:sldId id="267" r:id="rId14"/>
+    <p:sldId id="268" r:id="rId15"/>
+    <p:sldId id="269" r:id="rId16"/>
+    <p:sldId id="270" r:id="rId17"/>
   </p:sldIdLst>
   <p:sldSz cx="12192000" cy="6858000"/>
   <p:notesSz cx="6858000" cy="9144000"/>
@@ -121,7 +122,16 @@
       </a:defRPr>
     </a:lvl9pPr>
   </p:defaultTextStyle>
+  <p:extLst>
+    <p:ext uri="{EFAFB233-063F-42B5-8137-9DF3F51BA10A}">
+      <p15:sldGuideLst xmlns:p15="http://schemas.microsoft.com/office/powerpoint/2012/main"/>
+    </p:ext>
+  </p:extLst>
 </p:presentation>
+</file>
+
+<file path=ppt/revisionInfo.xml><?xml version="1.0" encoding="utf-8"?>
+<p1510:revInfo xmlns:a="http://schemas.openxmlformats.org/drawingml/2006/main" xmlns:r="http://schemas.openxmlformats.org/officeDocument/2006/relationships" xmlns:p1510="http://schemas.microsoft.com/office/powerpoint/2015/10/main"/>
 </file>
 
 <file path=ppt/notesMasters/notesMaster1.xml><?xml version="1.0" encoding="utf-8"?>
@@ -568,7 +578,7 @@
           <a:effectLst/>
           <a:extLst>
             <a:ext uri="{91240B29-F687-4f45-9708-019B960494DF}">
-              <a14:hiddenLine xmlns:a14="http://schemas.microsoft.com/office/drawing/2010/main" xmlns="" w="9525">
+              <a14:hiddenLine xmlns="" xmlns:a14="http://schemas.microsoft.com/office/drawing/2010/main" w="9525">
                 <a:solidFill>
                   <a:srgbClr val="000000"/>
                 </a:solidFill>
@@ -760,7 +770,7 @@
           <a:p>
             <a:fld id="{1455D76D-FB2A-0B46-A2A1-888E48C192D1}" type="datetime1">
               <a:rPr lang="fr-CH" smtClean="0"/>
-              <a:t>18.04.18</a:t>
+              <a:t>18.04.2018</a:t>
             </a:fld>
             <a:endParaRPr lang="en-US" dirty="0"/>
           </a:p>
@@ -1079,7 +1089,7 @@
           <a:p>
             <a:fld id="{4FAE76F7-962A-9F48-A727-EA55A3023C91}" type="datetime1">
               <a:rPr lang="fr-CH" smtClean="0"/>
-              <a:t>18.04.18</a:t>
+              <a:t>18.04.2018</a:t>
             </a:fld>
             <a:endParaRPr lang="en-US" dirty="0"/>
           </a:p>
@@ -1568,7 +1578,7 @@
           <a:p>
             <a:fld id="{72AB5B2A-4D06-234D-AAFB-398BCCF6E6BB}" type="datetime1">
               <a:rPr lang="fr-CH" smtClean="0"/>
-              <a:t>18.04.18</a:t>
+              <a:t>18.04.2018</a:t>
             </a:fld>
             <a:endParaRPr lang="en-US" dirty="0"/>
           </a:p>
@@ -1938,7 +1948,7 @@
           <a:p>
             <a:fld id="{C7BC672D-5B88-3045-9871-F73F625DB239}" type="datetime1">
               <a:rPr lang="fr-CH" smtClean="0"/>
-              <a:t>18.04.18</a:t>
+              <a:t>18.04.2018</a:t>
             </a:fld>
             <a:endParaRPr lang="en-US" dirty="0"/>
           </a:p>
@@ -2094,7 +2104,7 @@
           <a:ln/>
           <a:extLst>
             <a:ext uri="{91240B29-F687-4f45-9708-019B960494DF}">
-              <a14:hiddenLine xmlns:a14="http://schemas.microsoft.com/office/drawing/2010/main" xmlns="" w="9525">
+              <a14:hiddenLine xmlns="" xmlns:a14="http://schemas.microsoft.com/office/drawing/2010/main" w="9525">
                 <a:solidFill>
                   <a:srgbClr val="000000"/>
                 </a:solidFill>
@@ -2212,7 +2222,7 @@
           <a:p>
             <a:fld id="{4DCF57ED-3D15-E54C-BE48-EFDC91B754BD}" type="datetime1">
               <a:rPr lang="fr-CH" smtClean="0"/>
-              <a:t>18.04.18</a:t>
+              <a:t>18.04.2018</a:t>
             </a:fld>
             <a:endParaRPr lang="en-US" dirty="0"/>
           </a:p>
@@ -2370,7 +2380,7 @@
           <a:ln/>
           <a:extLst>
             <a:ext uri="{91240B29-F687-4f45-9708-019B960494DF}">
-              <a14:hiddenLine xmlns:a14="http://schemas.microsoft.com/office/drawing/2010/main" xmlns="" w="9525">
+              <a14:hiddenLine xmlns="" xmlns:a14="http://schemas.microsoft.com/office/drawing/2010/main" w="9525">
                 <a:solidFill>
                   <a:srgbClr val="000000"/>
                 </a:solidFill>
@@ -2498,7 +2508,7 @@
           <a:p>
             <a:fld id="{767C7FD0-FF74-144D-B447-ED8085F5F2F4}" type="datetime1">
               <a:rPr lang="fr-CH" smtClean="0"/>
-              <a:t>18.04.18</a:t>
+              <a:t>18.04.2018</a:t>
             </a:fld>
             <a:endParaRPr lang="en-US" dirty="0"/>
           </a:p>
@@ -2654,7 +2664,7 @@
           <a:ln/>
           <a:extLst>
             <a:ext uri="{91240B29-F687-4f45-9708-019B960494DF}">
-              <a14:hiddenLine xmlns:a14="http://schemas.microsoft.com/office/drawing/2010/main" xmlns="" w="9525">
+              <a14:hiddenLine xmlns="" xmlns:a14="http://schemas.microsoft.com/office/drawing/2010/main" w="9525">
                 <a:solidFill>
                   <a:srgbClr val="000000"/>
                 </a:solidFill>
@@ -2782,7 +2792,7 @@
           <a:p>
             <a:fld id="{DB43630B-ABB7-8A40-B5C3-A3034F4E1849}" type="datetime1">
               <a:rPr lang="fr-CH" smtClean="0"/>
-              <a:t>18.04.18</a:t>
+              <a:t>18.04.2018</a:t>
             </a:fld>
             <a:endParaRPr lang="en-US" dirty="0"/>
           </a:p>
@@ -3126,7 +3136,7 @@
           <a:p>
             <a:fld id="{51FF6FCA-5D00-9B4B-87D4-61D6DF9BEB28}" type="datetime1">
               <a:rPr lang="fr-CH" smtClean="0"/>
-              <a:t>18.04.18</a:t>
+              <a:t>18.04.2018</a:t>
             </a:fld>
             <a:endParaRPr lang="en-US" dirty="0"/>
           </a:p>
@@ -3282,7 +3292,7 @@
           <a:ln/>
           <a:extLst>
             <a:ext uri="{91240B29-F687-4f45-9708-019B960494DF}">
-              <a14:hiddenLine xmlns:a14="http://schemas.microsoft.com/office/drawing/2010/main" xmlns="" w="9525">
+              <a14:hiddenLine xmlns="" xmlns:a14="http://schemas.microsoft.com/office/drawing/2010/main" w="9525">
                 <a:solidFill>
                   <a:srgbClr val="000000"/>
                 </a:solidFill>
@@ -3466,7 +3476,7 @@
           <a:p>
             <a:fld id="{2915151F-8AA9-804C-AC3B-871B456B9A5A}" type="datetime1">
               <a:rPr lang="fr-CH" smtClean="0"/>
-              <a:t>18.04.18</a:t>
+              <a:t>18.04.2018</a:t>
             </a:fld>
             <a:endParaRPr lang="en-US" dirty="0"/>
           </a:p>
@@ -3622,7 +3632,7 @@
           <a:ln/>
           <a:extLst>
             <a:ext uri="{91240B29-F687-4f45-9708-019B960494DF}">
-              <a14:hiddenLine xmlns:a14="http://schemas.microsoft.com/office/drawing/2010/main" xmlns="" w="9525">
+              <a14:hiddenLine xmlns="" xmlns:a14="http://schemas.microsoft.com/office/drawing/2010/main" w="9525">
                 <a:solidFill>
                   <a:srgbClr val="000000"/>
                 </a:solidFill>
@@ -3944,7 +3954,7 @@
           <a:p>
             <a:fld id="{94298259-8E19-CE43-9D3B-289DFEE4D9F8}" type="datetime1">
               <a:rPr lang="fr-CH" smtClean="0"/>
-              <a:t>18.04.18</a:t>
+              <a:t>18.04.2018</a:t>
             </a:fld>
             <a:endParaRPr lang="en-US" dirty="0"/>
           </a:p>
@@ -4100,7 +4110,7 @@
           <a:ln/>
           <a:extLst>
             <a:ext uri="{91240B29-F687-4f45-9708-019B960494DF}">
-              <a14:hiddenLine xmlns:a14="http://schemas.microsoft.com/office/drawing/2010/main" xmlns="" w="9525">
+              <a14:hiddenLine xmlns="" xmlns:a14="http://schemas.microsoft.com/office/drawing/2010/main" w="9525">
                 <a:solidFill>
                   <a:srgbClr val="000000"/>
                 </a:solidFill>
@@ -4166,7 +4176,7 @@
           <a:p>
             <a:fld id="{FF1ABA2C-2E0D-934F-B42F-A611886CE0E0}" type="datetime1">
               <a:rPr lang="fr-CH" smtClean="0"/>
-              <a:t>18.04.18</a:t>
+              <a:t>18.04.2018</a:t>
             </a:fld>
             <a:endParaRPr lang="en-US" dirty="0"/>
           </a:p>
@@ -4262,7 +4272,7 @@
           <a:p>
             <a:fld id="{2C76BCC3-8ABD-5740-8565-97505886A20A}" type="datetime1">
               <a:rPr lang="fr-CH" smtClean="0"/>
-              <a:t>18.04.18</a:t>
+              <a:t>18.04.2018</a:t>
             </a:fld>
             <a:endParaRPr lang="en-US" dirty="0"/>
           </a:p>
@@ -4531,7 +4541,7 @@
           <a:ln/>
           <a:extLst>
             <a:ext uri="{91240B29-F687-4f45-9708-019B960494DF}">
-              <a14:hiddenLine xmlns:a14="http://schemas.microsoft.com/office/drawing/2010/main" xmlns="" w="9525">
+              <a14:hiddenLine xmlns="" xmlns:a14="http://schemas.microsoft.com/office/drawing/2010/main" w="9525">
                 <a:solidFill>
                   <a:srgbClr val="000000"/>
                 </a:solidFill>
@@ -4730,7 +4740,7 @@
           <a:p>
             <a:fld id="{4F4CFC60-D031-4247-A341-6ABFFEE6D3D8}" type="datetime1">
               <a:rPr lang="fr-CH" smtClean="0"/>
-              <a:t>18.04.18</a:t>
+              <a:t>18.04.2018</a:t>
             </a:fld>
             <a:endParaRPr lang="en-US" dirty="0"/>
           </a:p>
@@ -5044,7 +5054,7 @@
           <a:p>
             <a:fld id="{75C31DC1-2565-8849-9FDF-806F5D81533A}" type="datetime1">
               <a:rPr lang="fr-CH" smtClean="0"/>
-              <a:t>18.04.18</a:t>
+              <a:t>18.04.2018</a:t>
             </a:fld>
             <a:endParaRPr lang="en-US" dirty="0"/>
           </a:p>
@@ -5315,7 +5325,7 @@
           <a:p>
             <a:fld id="{57B2C19E-9FF0-3F43-B988-D0422814DA79}" type="datetime1">
               <a:rPr lang="fr-CH" smtClean="0"/>
-              <a:t>18.04.18</a:t>
+              <a:t>18.04.2018</a:t>
             </a:fld>
             <a:endParaRPr lang="en-US" dirty="0"/>
           </a:p>
@@ -5831,7 +5841,7 @@
           <a:p>
             <a:r>
               <a:rPr lang="fr-CH" dirty="0"/>
-              <a:t>ABDENNADHER &amp; BOUCHET &amp; CONSTANT &amp; DENBY &amp; NUFER &amp; LIATTI</a:t>
+              <a:t>ABDENNADHER, BOUCHET, CONSTANT, DENBY, NUFER, LIATTI</a:t>
             </a:r>
           </a:p>
         </p:txBody>
@@ -6228,7 +6238,7 @@
           <a:p>
             <a:r>
               <a:rPr lang="fr-FR" dirty="0"/>
-              <a:t>Pratiques agiles</a:t>
+              <a:t>Itérations</a:t>
             </a:r>
           </a:p>
         </p:txBody>
@@ -6249,12 +6259,38 @@
             <p:ph idx="1"/>
           </p:nvPr>
         </p:nvSpPr>
-        <p:spPr/>
+        <p:spPr>
+          <a:xfrm>
+            <a:off x="818712" y="2222287"/>
+            <a:ext cx="4969346" cy="3636511"/>
+          </a:xfrm>
+        </p:spPr>
         <p:txBody>
           <a:bodyPr/>
           <a:lstStyle/>
           <a:p>
-            <a:endParaRPr lang="fr-FR"/>
+            <a:r>
+              <a:rPr lang="fr-FR" dirty="0"/>
+              <a:t>Sprint 1 </a:t>
+            </a:r>
+          </a:p>
+          <a:p>
+            <a:r>
+              <a:rPr lang="fr-FR" dirty="0"/>
+              <a:t>Sprint 2</a:t>
+            </a:r>
+          </a:p>
+          <a:p>
+            <a:r>
+              <a:rPr lang="fr-FR" dirty="0"/>
+              <a:t>Sprint 3</a:t>
+            </a:r>
+          </a:p>
+          <a:p>
+            <a:r>
+              <a:rPr lang="fr-FR" dirty="0"/>
+              <a:t>Sprint 4</a:t>
+            </a:r>
           </a:p>
         </p:txBody>
       </p:sp>
@@ -6263,7 +6299,7 @@
           <p:cNvPr id="2" name="Espace réservé du numéro de diapositive 1">
             <a:extLst>
               <a:ext uri="{FF2B5EF4-FFF2-40B4-BE49-F238E27FC236}">
-                <a16:creationId xmlns:a16="http://schemas.microsoft.com/office/drawing/2014/main" id="{A0713679-7028-0643-8E7F-14E80414BF71}"/>
+                <a16:creationId xmlns:a16="http://schemas.microsoft.com/office/drawing/2014/main" id="{2F5085DE-E66B-3B48-A977-0B852BA93BDF}"/>
               </a:ext>
             </a:extLst>
           </p:cNvPr>
@@ -6288,10 +6324,261 @@
           </a:p>
         </p:txBody>
       </p:sp>
+      <p:sp>
+        <p:nvSpPr>
+          <p:cNvPr id="5" name="Espace réservé du contenu 6">
+            <a:extLst>
+              <a:ext uri="{FF2B5EF4-FFF2-40B4-BE49-F238E27FC236}">
+                <a16:creationId xmlns:a16="http://schemas.microsoft.com/office/drawing/2014/main" id="{5D68091A-6F49-43AF-8F2D-A28974AB284C}"/>
+              </a:ext>
+            </a:extLst>
+          </p:cNvPr>
+          <p:cNvSpPr txBox="1">
+            <a:spLocks/>
+          </p:cNvSpPr>
+          <p:nvPr/>
+        </p:nvSpPr>
+        <p:spPr>
+          <a:xfrm>
+            <a:off x="7400192" y="2222287"/>
+            <a:ext cx="4969346" cy="3636511"/>
+          </a:xfrm>
+          <a:prstGeom prst="rect">
+            <a:avLst/>
+          </a:prstGeom>
+          <a:effectLst>
+            <a:outerShdw blurRad="50800" dir="14400000">
+              <a:srgbClr val="000000">
+                <a:alpha val="40000"/>
+              </a:srgbClr>
+            </a:outerShdw>
+          </a:effectLst>
+        </p:spPr>
+        <p:txBody>
+          <a:bodyPr vert="horz" lIns="91440" tIns="45720" rIns="91440" bIns="45720" rtlCol="0" anchor="ctr">
+            <a:normAutofit/>
+          </a:bodyPr>
+          <a:lstStyle>
+            <a:lvl1pPr marL="342900" indent="-342900" algn="l" defTabSz="457200" rtl="0" eaLnBrk="1" latinLnBrk="0" hangingPunct="1">
+              <a:spcBef>
+                <a:spcPct val="20000"/>
+              </a:spcBef>
+              <a:spcAft>
+                <a:spcPts val="600"/>
+              </a:spcAft>
+              <a:buClr>
+                <a:schemeClr val="accent1"/>
+              </a:buClr>
+              <a:buFont typeface="Wingdings 2" charset="2"/>
+              <a:buChar char=""/>
+              <a:defRPr sz="1800" kern="1200">
+                <a:solidFill>
+                  <a:schemeClr val="tx1"/>
+                </a:solidFill>
+                <a:latin typeface="+mn-lt"/>
+                <a:ea typeface="+mn-ea"/>
+                <a:cs typeface="+mn-cs"/>
+              </a:defRPr>
+            </a:lvl1pPr>
+            <a:lvl2pPr marL="742950" indent="-285750" algn="l" defTabSz="457200" rtl="0" eaLnBrk="1" latinLnBrk="0" hangingPunct="1">
+              <a:spcBef>
+                <a:spcPct val="20000"/>
+              </a:spcBef>
+              <a:spcAft>
+                <a:spcPts val="600"/>
+              </a:spcAft>
+              <a:buClr>
+                <a:schemeClr val="accent1"/>
+              </a:buClr>
+              <a:buFont typeface="Wingdings 2" charset="2"/>
+              <a:buChar char=""/>
+              <a:defRPr sz="1600" kern="1200">
+                <a:solidFill>
+                  <a:schemeClr val="tx1"/>
+                </a:solidFill>
+                <a:latin typeface="+mn-lt"/>
+                <a:ea typeface="+mn-ea"/>
+                <a:cs typeface="+mn-cs"/>
+              </a:defRPr>
+            </a:lvl2pPr>
+            <a:lvl3pPr marL="1143000" indent="-228600" algn="l" defTabSz="457200" rtl="0" eaLnBrk="1" latinLnBrk="0" hangingPunct="1">
+              <a:spcBef>
+                <a:spcPct val="20000"/>
+              </a:spcBef>
+              <a:spcAft>
+                <a:spcPts val="600"/>
+              </a:spcAft>
+              <a:buClr>
+                <a:schemeClr val="accent1"/>
+              </a:buClr>
+              <a:buFont typeface="Wingdings 2" charset="2"/>
+              <a:buChar char=""/>
+              <a:defRPr sz="1400" kern="1200">
+                <a:solidFill>
+                  <a:schemeClr val="tx1"/>
+                </a:solidFill>
+                <a:latin typeface="+mn-lt"/>
+                <a:ea typeface="+mn-ea"/>
+                <a:cs typeface="+mn-cs"/>
+              </a:defRPr>
+            </a:lvl3pPr>
+            <a:lvl4pPr marL="1600200" indent="-228600" algn="l" defTabSz="457200" rtl="0" eaLnBrk="1" latinLnBrk="0" hangingPunct="1">
+              <a:spcBef>
+                <a:spcPct val="20000"/>
+              </a:spcBef>
+              <a:spcAft>
+                <a:spcPts val="600"/>
+              </a:spcAft>
+              <a:buClr>
+                <a:schemeClr val="accent1"/>
+              </a:buClr>
+              <a:buFont typeface="Wingdings 2" charset="2"/>
+              <a:buChar char=""/>
+              <a:defRPr sz="1200" kern="1200">
+                <a:solidFill>
+                  <a:schemeClr val="tx1"/>
+                </a:solidFill>
+                <a:latin typeface="+mn-lt"/>
+                <a:ea typeface="+mn-ea"/>
+                <a:cs typeface="+mn-cs"/>
+              </a:defRPr>
+            </a:lvl4pPr>
+            <a:lvl5pPr marL="2057400" indent="-228600" algn="l" defTabSz="457200" rtl="0" eaLnBrk="1" latinLnBrk="0" hangingPunct="1">
+              <a:spcBef>
+                <a:spcPct val="20000"/>
+              </a:spcBef>
+              <a:spcAft>
+                <a:spcPts val="600"/>
+              </a:spcAft>
+              <a:buClr>
+                <a:schemeClr val="accent1"/>
+              </a:buClr>
+              <a:buFont typeface="Wingdings 2" charset="2"/>
+              <a:buChar char=""/>
+              <a:defRPr sz="1200" kern="1200">
+                <a:solidFill>
+                  <a:schemeClr val="tx1"/>
+                </a:solidFill>
+                <a:latin typeface="+mn-lt"/>
+                <a:ea typeface="+mn-ea"/>
+                <a:cs typeface="+mn-cs"/>
+              </a:defRPr>
+            </a:lvl5pPr>
+            <a:lvl6pPr marL="2400000" indent="-228600" algn="l" defTabSz="457200" rtl="0" eaLnBrk="1" latinLnBrk="0" hangingPunct="1">
+              <a:spcBef>
+                <a:spcPct val="20000"/>
+              </a:spcBef>
+              <a:spcAft>
+                <a:spcPts val="600"/>
+              </a:spcAft>
+              <a:buClr>
+                <a:schemeClr val="accent1"/>
+              </a:buClr>
+              <a:buFont typeface="Wingdings 2" charset="2"/>
+              <a:buChar char=""/>
+              <a:defRPr sz="1200" kern="1200">
+                <a:solidFill>
+                  <a:schemeClr val="tx1"/>
+                </a:solidFill>
+                <a:latin typeface="+mn-lt"/>
+                <a:ea typeface="+mn-ea"/>
+                <a:cs typeface="+mn-cs"/>
+              </a:defRPr>
+            </a:lvl6pPr>
+            <a:lvl7pPr marL="2800000" indent="-228600" algn="l" defTabSz="457200" rtl="0" eaLnBrk="1" latinLnBrk="0" hangingPunct="1">
+              <a:spcBef>
+                <a:spcPct val="20000"/>
+              </a:spcBef>
+              <a:spcAft>
+                <a:spcPts val="600"/>
+              </a:spcAft>
+              <a:buClr>
+                <a:schemeClr val="accent1"/>
+              </a:buClr>
+              <a:buFont typeface="Wingdings 2" charset="2"/>
+              <a:buChar char=""/>
+              <a:defRPr sz="1200" kern="1200">
+                <a:solidFill>
+                  <a:schemeClr val="tx1"/>
+                </a:solidFill>
+                <a:latin typeface="+mn-lt"/>
+                <a:ea typeface="+mn-ea"/>
+                <a:cs typeface="+mn-cs"/>
+              </a:defRPr>
+            </a:lvl7pPr>
+            <a:lvl8pPr marL="3200000" indent="-228600" algn="l" defTabSz="457200" rtl="0" eaLnBrk="1" latinLnBrk="0" hangingPunct="1">
+              <a:spcBef>
+                <a:spcPct val="20000"/>
+              </a:spcBef>
+              <a:spcAft>
+                <a:spcPts val="600"/>
+              </a:spcAft>
+              <a:buClr>
+                <a:schemeClr val="accent1"/>
+              </a:buClr>
+              <a:buFont typeface="Wingdings 2" charset="2"/>
+              <a:buChar char=""/>
+              <a:defRPr sz="1200" kern="1200">
+                <a:solidFill>
+                  <a:schemeClr val="tx1"/>
+                </a:solidFill>
+                <a:latin typeface="+mn-lt"/>
+                <a:ea typeface="+mn-ea"/>
+                <a:cs typeface="+mn-cs"/>
+              </a:defRPr>
+            </a:lvl8pPr>
+            <a:lvl9pPr marL="3600000" indent="-228600" algn="l" defTabSz="457200" rtl="0" eaLnBrk="1" latinLnBrk="0" hangingPunct="1">
+              <a:spcBef>
+                <a:spcPct val="20000"/>
+              </a:spcBef>
+              <a:spcAft>
+                <a:spcPts val="600"/>
+              </a:spcAft>
+              <a:buClr>
+                <a:schemeClr val="accent1"/>
+              </a:buClr>
+              <a:buFont typeface="Wingdings 2" charset="2"/>
+              <a:buChar char=""/>
+              <a:defRPr sz="1200" kern="1200">
+                <a:solidFill>
+                  <a:schemeClr val="tx1"/>
+                </a:solidFill>
+                <a:latin typeface="+mn-lt"/>
+                <a:ea typeface="+mn-ea"/>
+                <a:cs typeface="+mn-cs"/>
+              </a:defRPr>
+            </a:lvl9pPr>
+          </a:lstStyle>
+          <a:p>
+            <a:r>
+              <a:rPr lang="fr-FR" dirty="0"/>
+              <a:t>Sprint 5</a:t>
+            </a:r>
+          </a:p>
+          <a:p>
+            <a:r>
+              <a:rPr lang="fr-FR" dirty="0"/>
+              <a:t>Sprint 6</a:t>
+            </a:r>
+          </a:p>
+          <a:p>
+            <a:r>
+              <a:rPr lang="fr-FR" dirty="0"/>
+              <a:t>Sprint 7</a:t>
+            </a:r>
+          </a:p>
+          <a:p>
+            <a:r>
+              <a:rPr lang="fr-FR" dirty="0"/>
+              <a:t>Sprint 8</a:t>
+            </a:r>
+          </a:p>
+        </p:txBody>
+      </p:sp>
     </p:spTree>
     <p:extLst>
       <p:ext uri="{BB962C8B-B14F-4D97-AF65-F5344CB8AC3E}">
-        <p14:creationId xmlns:p14="http://schemas.microsoft.com/office/powerpoint/2010/main" val="317237798"/>
+        <p14:creationId xmlns:p14="http://schemas.microsoft.com/office/powerpoint/2010/main" val="742252080"/>
       </p:ext>
     </p:extLst>
   </p:cSld>
@@ -6320,10 +6607,10 @@
       </p:grpSpPr>
       <p:sp>
         <p:nvSpPr>
-          <p:cNvPr id="2" name="Titre 1">
+          <p:cNvPr id="6" name="Titre 5">
             <a:extLst>
               <a:ext uri="{FF2B5EF4-FFF2-40B4-BE49-F238E27FC236}">
-                <a16:creationId xmlns:a16="http://schemas.microsoft.com/office/drawing/2014/main" id="{A7318695-14A5-2D48-9786-EDC034AB0938}"/>
+                <a16:creationId xmlns:a16="http://schemas.microsoft.com/office/drawing/2014/main" id="{DAAFE559-640E-FA42-B49D-1FC1C98CFB32}"/>
               </a:ext>
             </a:extLst>
           </p:cNvPr>
@@ -6341,17 +6628,17 @@
           <a:p>
             <a:r>
               <a:rPr lang="fr-FR" dirty="0"/>
-              <a:t>Outils</a:t>
-            </a:r>
-          </a:p>
-        </p:txBody>
-      </p:sp>
-      <p:sp>
-        <p:nvSpPr>
-          <p:cNvPr id="3" name="Espace réservé du contenu 2">
+              <a:t>Pratiques agiles</a:t>
+            </a:r>
+          </a:p>
+        </p:txBody>
+      </p:sp>
+      <p:sp>
+        <p:nvSpPr>
+          <p:cNvPr id="7" name="Espace réservé du contenu 6">
             <a:extLst>
               <a:ext uri="{FF2B5EF4-FFF2-40B4-BE49-F238E27FC236}">
-                <a16:creationId xmlns:a16="http://schemas.microsoft.com/office/drawing/2014/main" id="{557C1EDA-A6BB-2744-8D01-D5FA3158D2F8}"/>
+                <a16:creationId xmlns:a16="http://schemas.microsoft.com/office/drawing/2014/main" id="{B4FA7B2B-8F73-6A4A-A06B-69505A243BF9}"/>
               </a:ext>
             </a:extLst>
           </p:cNvPr>
@@ -6364,36 +6651,33 @@
         </p:nvSpPr>
         <p:spPr/>
         <p:txBody>
-          <a:bodyPr/>
-          <a:lstStyle/>
-          <a:p>
-            <a:r>
-              <a:rPr lang="fr-FR" dirty="0"/>
-              <a:t>Git</a:t>
-            </a:r>
-          </a:p>
-          <a:p>
-            <a:pPr lvl="1"/>
-            <a:r>
-              <a:rPr lang="fr-FR" dirty="0"/>
-              <a:t>GITHEPIA</a:t>
-            </a:r>
-          </a:p>
-          <a:p>
-            <a:r>
-              <a:rPr lang="fr-FR" dirty="0" err="1"/>
-              <a:t>Canban</a:t>
-            </a:r>
-            <a:endParaRPr lang="fr-FR" dirty="0"/>
-          </a:p>
-        </p:txBody>
-      </p:sp>
-      <p:sp>
-        <p:nvSpPr>
-          <p:cNvPr id="4" name="Espace réservé du numéro de diapositive 3">
+          <a:bodyPr>
+            <a:normAutofit/>
+          </a:bodyPr>
+          <a:lstStyle/>
+          <a:p>
+            <a:r>
+              <a:rPr lang="fr-FR" sz="2400" dirty="0"/>
+              <a:t>Interactions plutôt que processus</a:t>
+            </a:r>
+          </a:p>
+          <a:p>
+            <a:endParaRPr lang="fr-FR" sz="2000" dirty="0"/>
+          </a:p>
+          <a:p>
+            <a:r>
+              <a:rPr lang="fr-FR" sz="2400" dirty="0"/>
+              <a:t>Acceptation du changement</a:t>
+            </a:r>
+          </a:p>
+        </p:txBody>
+      </p:sp>
+      <p:sp>
+        <p:nvSpPr>
+          <p:cNvPr id="2" name="Espace réservé du numéro de diapositive 1">
             <a:extLst>
               <a:ext uri="{FF2B5EF4-FFF2-40B4-BE49-F238E27FC236}">
-                <a16:creationId xmlns:a16="http://schemas.microsoft.com/office/drawing/2014/main" id="{23C5EA02-36BF-EC4D-945E-7CF28B8B3195}"/>
+                <a16:creationId xmlns:a16="http://schemas.microsoft.com/office/drawing/2014/main" id="{A0713679-7028-0643-8E7F-14E80414BF71}"/>
               </a:ext>
             </a:extLst>
           </p:cNvPr>
@@ -6421,7 +6705,7 @@
     </p:spTree>
     <p:extLst>
       <p:ext uri="{BB962C8B-B14F-4D97-AF65-F5344CB8AC3E}">
-        <p14:creationId xmlns:p14="http://schemas.microsoft.com/office/powerpoint/2010/main" val="897296187"/>
+        <p14:creationId xmlns:p14="http://schemas.microsoft.com/office/powerpoint/2010/main" val="317237798"/>
       </p:ext>
     </p:extLst>
   </p:cSld>
@@ -6453,7 +6737,7 @@
           <p:cNvPr id="2" name="Titre 1">
             <a:extLst>
               <a:ext uri="{FF2B5EF4-FFF2-40B4-BE49-F238E27FC236}">
-                <a16:creationId xmlns:a16="http://schemas.microsoft.com/office/drawing/2014/main" id="{29D60976-3BC7-AD42-ABBC-8980A4E88DE0}"/>
+                <a16:creationId xmlns:a16="http://schemas.microsoft.com/office/drawing/2014/main" id="{A7318695-14A5-2D48-9786-EDC034AB0938}"/>
               </a:ext>
             </a:extLst>
           </p:cNvPr>
@@ -6471,7 +6755,7 @@
           <a:p>
             <a:r>
               <a:rPr lang="fr-FR" dirty="0"/>
-              <a:t>Contributions des membres</a:t>
+              <a:t>Outils</a:t>
             </a:r>
           </a:p>
         </p:txBody>
@@ -6481,7 +6765,7 @@
           <p:cNvPr id="3" name="Espace réservé du contenu 2">
             <a:extLst>
               <a:ext uri="{FF2B5EF4-FFF2-40B4-BE49-F238E27FC236}">
-                <a16:creationId xmlns:a16="http://schemas.microsoft.com/office/drawing/2014/main" id="{CFE9BA86-B3FC-0845-A033-F4527D894AA1}"/>
+                <a16:creationId xmlns:a16="http://schemas.microsoft.com/office/drawing/2014/main" id="{557C1EDA-A6BB-2744-8D01-D5FA3158D2F8}"/>
               </a:ext>
             </a:extLst>
           </p:cNvPr>
@@ -6494,10 +6778,28 @@
         </p:nvSpPr>
         <p:spPr/>
         <p:txBody>
-          <a:bodyPr/>
-          <a:lstStyle/>
-          <a:p>
-            <a:endParaRPr lang="fr-FR"/>
+          <a:bodyPr>
+            <a:normAutofit/>
+          </a:bodyPr>
+          <a:lstStyle/>
+          <a:p>
+            <a:r>
+              <a:rPr lang="fr-FR" sz="2800" dirty="0"/>
+              <a:t>Git</a:t>
+            </a:r>
+          </a:p>
+          <a:p>
+            <a:pPr lvl="1"/>
+            <a:r>
+              <a:rPr lang="fr-FR" sz="2400" dirty="0"/>
+              <a:t>GITHEPIA</a:t>
+            </a:r>
+          </a:p>
+          <a:p>
+            <a:r>
+              <a:rPr lang="fr-FR" sz="2800" dirty="0"/>
+              <a:t>Kanban + principes « WIP » et « pull »</a:t>
+            </a:r>
           </a:p>
         </p:txBody>
       </p:sp>
@@ -6506,7 +6808,7 @@
           <p:cNvPr id="4" name="Espace réservé du numéro de diapositive 3">
             <a:extLst>
               <a:ext uri="{FF2B5EF4-FFF2-40B4-BE49-F238E27FC236}">
-                <a16:creationId xmlns:a16="http://schemas.microsoft.com/office/drawing/2014/main" id="{2D3556F6-2739-364D-B382-10F370E5BC7B}"/>
+                <a16:creationId xmlns:a16="http://schemas.microsoft.com/office/drawing/2014/main" id="{23C5EA02-36BF-EC4D-945E-7CF28B8B3195}"/>
               </a:ext>
             </a:extLst>
           </p:cNvPr>
@@ -6534,7 +6836,7 @@
     </p:spTree>
     <p:extLst>
       <p:ext uri="{BB962C8B-B14F-4D97-AF65-F5344CB8AC3E}">
-        <p14:creationId xmlns:p14="http://schemas.microsoft.com/office/powerpoint/2010/main" val="3118348846"/>
+        <p14:creationId xmlns:p14="http://schemas.microsoft.com/office/powerpoint/2010/main" val="897296187"/>
       </p:ext>
     </p:extLst>
   </p:cSld>
@@ -6566,7 +6868,7 @@
           <p:cNvPr id="2" name="Titre 1">
             <a:extLst>
               <a:ext uri="{FF2B5EF4-FFF2-40B4-BE49-F238E27FC236}">
-                <a16:creationId xmlns:a16="http://schemas.microsoft.com/office/drawing/2014/main" id="{073D906B-C675-204C-9BD2-7D78F36177CC}"/>
+                <a16:creationId xmlns:a16="http://schemas.microsoft.com/office/drawing/2014/main" id="{29D60976-3BC7-AD42-ABBC-8980A4E88DE0}"/>
               </a:ext>
             </a:extLst>
           </p:cNvPr>
@@ -6584,7 +6886,7 @@
           <a:p>
             <a:r>
               <a:rPr lang="fr-FR" dirty="0"/>
-              <a:t>Problèmes</a:t>
+              <a:t>Contributions des membres</a:t>
             </a:r>
           </a:p>
         </p:txBody>
@@ -6594,7 +6896,7 @@
           <p:cNvPr id="3" name="Espace réservé du contenu 2">
             <a:extLst>
               <a:ext uri="{FF2B5EF4-FFF2-40B4-BE49-F238E27FC236}">
-                <a16:creationId xmlns:a16="http://schemas.microsoft.com/office/drawing/2014/main" id="{2075122B-99F8-4045-817E-8C2CC40B3E22}"/>
+                <a16:creationId xmlns:a16="http://schemas.microsoft.com/office/drawing/2014/main" id="{CFE9BA86-B3FC-0845-A033-F4527D894AA1}"/>
               </a:ext>
             </a:extLst>
           </p:cNvPr>
@@ -6605,12 +6907,111 @@
             <p:ph idx="1"/>
           </p:nvPr>
         </p:nvSpPr>
-        <p:spPr/>
-        <p:txBody>
-          <a:bodyPr/>
-          <a:lstStyle/>
-          <a:p>
-            <a:endParaRPr lang="fr-FR"/>
+        <p:spPr>
+          <a:xfrm>
+            <a:off x="818712" y="2222287"/>
+            <a:ext cx="4516859" cy="4184200"/>
+          </a:xfrm>
+        </p:spPr>
+        <p:txBody>
+          <a:bodyPr>
+            <a:noAutofit/>
+          </a:bodyPr>
+          <a:lstStyle/>
+          <a:p>
+            <a:r>
+              <a:rPr lang="fr-FR" sz="2000" b="1" dirty="0"/>
+              <a:t>Android</a:t>
+            </a:r>
+            <a:r>
+              <a:rPr lang="fr-FR" sz="2000" dirty="0"/>
+              <a:t> : </a:t>
+            </a:r>
+            <a:br>
+              <a:rPr lang="fr-FR" sz="2000" dirty="0"/>
+            </a:br>
+            <a:r>
+              <a:rPr lang="fr-FR" sz="2000" dirty="0" err="1"/>
+              <a:t>Abdenhader</a:t>
+            </a:r>
+            <a:r>
+              <a:rPr lang="fr-FR" sz="2000" dirty="0"/>
+              <a:t>, Constant</a:t>
+            </a:r>
+          </a:p>
+          <a:p>
+            <a:endParaRPr lang="fr-FR" sz="2000" dirty="0"/>
+          </a:p>
+          <a:p>
+            <a:r>
+              <a:rPr lang="fr-FR" sz="2000" b="1" dirty="0"/>
+              <a:t>Mise en place serveur + </a:t>
+            </a:r>
+            <a:r>
+              <a:rPr lang="fr-FR" sz="2000" b="1" dirty="0" err="1"/>
+              <a:t>Nginx</a:t>
+            </a:r>
+            <a:r>
+              <a:rPr lang="fr-FR" sz="2000" dirty="0"/>
+              <a:t> : </a:t>
+            </a:r>
+            <a:br>
+              <a:rPr lang="fr-FR" sz="2000" dirty="0"/>
+            </a:br>
+            <a:r>
+              <a:rPr lang="fr-FR" sz="2000" dirty="0" err="1"/>
+              <a:t>Liatti</a:t>
+            </a:r>
+            <a:endParaRPr lang="fr-FR" sz="2000" dirty="0"/>
+          </a:p>
+          <a:p>
+            <a:endParaRPr lang="fr-FR" sz="2000" dirty="0"/>
+          </a:p>
+          <a:p>
+            <a:r>
+              <a:rPr lang="fr-FR" sz="2000" b="1" dirty="0"/>
+              <a:t>Cloud</a:t>
+            </a:r>
+            <a:r>
+              <a:rPr lang="fr-FR" sz="2000" dirty="0"/>
+              <a:t> :</a:t>
+            </a:r>
+            <a:br>
+              <a:rPr lang="fr-FR" sz="2000" dirty="0"/>
+            </a:br>
+            <a:r>
+              <a:rPr lang="fr-FR" sz="2000" dirty="0" err="1"/>
+              <a:t>Denby</a:t>
+            </a:r>
+            <a:r>
+              <a:rPr lang="fr-FR" sz="2000" dirty="0"/>
+              <a:t>, </a:t>
+            </a:r>
+            <a:r>
+              <a:rPr lang="fr-FR" sz="2000" dirty="0" err="1"/>
+              <a:t>Liatti</a:t>
+            </a:r>
+            <a:endParaRPr lang="fr-FR" sz="2000" dirty="0"/>
+          </a:p>
+          <a:p>
+            <a:endParaRPr lang="fr-FR" sz="2000" dirty="0"/>
+          </a:p>
+          <a:p>
+            <a:r>
+              <a:rPr lang="fr-FR" sz="2000" b="1" dirty="0"/>
+              <a:t>Routes serveur</a:t>
+            </a:r>
+            <a:r>
+              <a:rPr lang="fr-FR" sz="2000" dirty="0"/>
+              <a:t> :</a:t>
+            </a:r>
+            <a:br>
+              <a:rPr lang="fr-FR" sz="2000" dirty="0"/>
+            </a:br>
+            <a:r>
+              <a:rPr lang="fr-FR" sz="2000" dirty="0"/>
+              <a:t>Tous</a:t>
+            </a:r>
           </a:p>
         </p:txBody>
       </p:sp>
@@ -6619,7 +7020,7 @@
           <p:cNvPr id="4" name="Espace réservé du numéro de diapositive 3">
             <a:extLst>
               <a:ext uri="{FF2B5EF4-FFF2-40B4-BE49-F238E27FC236}">
-                <a16:creationId xmlns:a16="http://schemas.microsoft.com/office/drawing/2014/main" id="{7A0B44B7-0FB7-4B4D-89C6-6D7841D2587D}"/>
+                <a16:creationId xmlns:a16="http://schemas.microsoft.com/office/drawing/2014/main" id="{2D3556F6-2739-364D-B382-10F370E5BC7B}"/>
               </a:ext>
             </a:extLst>
           </p:cNvPr>
@@ -6644,10 +7045,336 @@
           </a:p>
         </p:txBody>
       </p:sp>
+      <p:sp>
+        <p:nvSpPr>
+          <p:cNvPr id="5" name="Espace réservé du contenu 2">
+            <a:extLst>
+              <a:ext uri="{FF2B5EF4-FFF2-40B4-BE49-F238E27FC236}">
+                <a16:creationId xmlns:a16="http://schemas.microsoft.com/office/drawing/2014/main" id="{4091F41D-DCAF-4109-B094-9C351D336671}"/>
+              </a:ext>
+            </a:extLst>
+          </p:cNvPr>
+          <p:cNvSpPr txBox="1">
+            <a:spLocks/>
+          </p:cNvSpPr>
+          <p:nvPr/>
+        </p:nvSpPr>
+        <p:spPr>
+          <a:xfrm>
+            <a:off x="6692549" y="2510345"/>
+            <a:ext cx="4516859" cy="3987105"/>
+          </a:xfrm>
+          <a:prstGeom prst="rect">
+            <a:avLst/>
+          </a:prstGeom>
+          <a:effectLst>
+            <a:outerShdw blurRad="50800" dir="14400000">
+              <a:srgbClr val="000000">
+                <a:alpha val="40000"/>
+              </a:srgbClr>
+            </a:outerShdw>
+          </a:effectLst>
+        </p:spPr>
+        <p:txBody>
+          <a:bodyPr vert="horz" lIns="91440" tIns="45720" rIns="91440" bIns="45720" rtlCol="0" anchor="ctr">
+            <a:noAutofit/>
+          </a:bodyPr>
+          <a:lstStyle>
+            <a:lvl1pPr marL="342900" indent="-342900" algn="l" defTabSz="457200" rtl="0" eaLnBrk="1" latinLnBrk="0" hangingPunct="1">
+              <a:spcBef>
+                <a:spcPct val="20000"/>
+              </a:spcBef>
+              <a:spcAft>
+                <a:spcPts val="600"/>
+              </a:spcAft>
+              <a:buClr>
+                <a:schemeClr val="accent1"/>
+              </a:buClr>
+              <a:buFont typeface="Wingdings 2" charset="2"/>
+              <a:buChar char=""/>
+              <a:defRPr sz="1800" kern="1200">
+                <a:solidFill>
+                  <a:schemeClr val="tx1"/>
+                </a:solidFill>
+                <a:latin typeface="+mn-lt"/>
+                <a:ea typeface="+mn-ea"/>
+                <a:cs typeface="+mn-cs"/>
+              </a:defRPr>
+            </a:lvl1pPr>
+            <a:lvl2pPr marL="742950" indent="-285750" algn="l" defTabSz="457200" rtl="0" eaLnBrk="1" latinLnBrk="0" hangingPunct="1">
+              <a:spcBef>
+                <a:spcPct val="20000"/>
+              </a:spcBef>
+              <a:spcAft>
+                <a:spcPts val="600"/>
+              </a:spcAft>
+              <a:buClr>
+                <a:schemeClr val="accent1"/>
+              </a:buClr>
+              <a:buFont typeface="Wingdings 2" charset="2"/>
+              <a:buChar char=""/>
+              <a:defRPr sz="1600" kern="1200">
+                <a:solidFill>
+                  <a:schemeClr val="tx1"/>
+                </a:solidFill>
+                <a:latin typeface="+mn-lt"/>
+                <a:ea typeface="+mn-ea"/>
+                <a:cs typeface="+mn-cs"/>
+              </a:defRPr>
+            </a:lvl2pPr>
+            <a:lvl3pPr marL="1143000" indent="-228600" algn="l" defTabSz="457200" rtl="0" eaLnBrk="1" latinLnBrk="0" hangingPunct="1">
+              <a:spcBef>
+                <a:spcPct val="20000"/>
+              </a:spcBef>
+              <a:spcAft>
+                <a:spcPts val="600"/>
+              </a:spcAft>
+              <a:buClr>
+                <a:schemeClr val="accent1"/>
+              </a:buClr>
+              <a:buFont typeface="Wingdings 2" charset="2"/>
+              <a:buChar char=""/>
+              <a:defRPr sz="1400" kern="1200">
+                <a:solidFill>
+                  <a:schemeClr val="tx1"/>
+                </a:solidFill>
+                <a:latin typeface="+mn-lt"/>
+                <a:ea typeface="+mn-ea"/>
+                <a:cs typeface="+mn-cs"/>
+              </a:defRPr>
+            </a:lvl3pPr>
+            <a:lvl4pPr marL="1600200" indent="-228600" algn="l" defTabSz="457200" rtl="0" eaLnBrk="1" latinLnBrk="0" hangingPunct="1">
+              <a:spcBef>
+                <a:spcPct val="20000"/>
+              </a:spcBef>
+              <a:spcAft>
+                <a:spcPts val="600"/>
+              </a:spcAft>
+              <a:buClr>
+                <a:schemeClr val="accent1"/>
+              </a:buClr>
+              <a:buFont typeface="Wingdings 2" charset="2"/>
+              <a:buChar char=""/>
+              <a:defRPr sz="1200" kern="1200">
+                <a:solidFill>
+                  <a:schemeClr val="tx1"/>
+                </a:solidFill>
+                <a:latin typeface="+mn-lt"/>
+                <a:ea typeface="+mn-ea"/>
+                <a:cs typeface="+mn-cs"/>
+              </a:defRPr>
+            </a:lvl4pPr>
+            <a:lvl5pPr marL="2057400" indent="-228600" algn="l" defTabSz="457200" rtl="0" eaLnBrk="1" latinLnBrk="0" hangingPunct="1">
+              <a:spcBef>
+                <a:spcPct val="20000"/>
+              </a:spcBef>
+              <a:spcAft>
+                <a:spcPts val="600"/>
+              </a:spcAft>
+              <a:buClr>
+                <a:schemeClr val="accent1"/>
+              </a:buClr>
+              <a:buFont typeface="Wingdings 2" charset="2"/>
+              <a:buChar char=""/>
+              <a:defRPr sz="1200" kern="1200">
+                <a:solidFill>
+                  <a:schemeClr val="tx1"/>
+                </a:solidFill>
+                <a:latin typeface="+mn-lt"/>
+                <a:ea typeface="+mn-ea"/>
+                <a:cs typeface="+mn-cs"/>
+              </a:defRPr>
+            </a:lvl5pPr>
+            <a:lvl6pPr marL="2400000" indent="-228600" algn="l" defTabSz="457200" rtl="0" eaLnBrk="1" latinLnBrk="0" hangingPunct="1">
+              <a:spcBef>
+                <a:spcPct val="20000"/>
+              </a:spcBef>
+              <a:spcAft>
+                <a:spcPts val="600"/>
+              </a:spcAft>
+              <a:buClr>
+                <a:schemeClr val="accent1"/>
+              </a:buClr>
+              <a:buFont typeface="Wingdings 2" charset="2"/>
+              <a:buChar char=""/>
+              <a:defRPr sz="1200" kern="1200">
+                <a:solidFill>
+                  <a:schemeClr val="tx1"/>
+                </a:solidFill>
+                <a:latin typeface="+mn-lt"/>
+                <a:ea typeface="+mn-ea"/>
+                <a:cs typeface="+mn-cs"/>
+              </a:defRPr>
+            </a:lvl6pPr>
+            <a:lvl7pPr marL="2800000" indent="-228600" algn="l" defTabSz="457200" rtl="0" eaLnBrk="1" latinLnBrk="0" hangingPunct="1">
+              <a:spcBef>
+                <a:spcPct val="20000"/>
+              </a:spcBef>
+              <a:spcAft>
+                <a:spcPts val="600"/>
+              </a:spcAft>
+              <a:buClr>
+                <a:schemeClr val="accent1"/>
+              </a:buClr>
+              <a:buFont typeface="Wingdings 2" charset="2"/>
+              <a:buChar char=""/>
+              <a:defRPr sz="1200" kern="1200">
+                <a:solidFill>
+                  <a:schemeClr val="tx1"/>
+                </a:solidFill>
+                <a:latin typeface="+mn-lt"/>
+                <a:ea typeface="+mn-ea"/>
+                <a:cs typeface="+mn-cs"/>
+              </a:defRPr>
+            </a:lvl7pPr>
+            <a:lvl8pPr marL="3200000" indent="-228600" algn="l" defTabSz="457200" rtl="0" eaLnBrk="1" latinLnBrk="0" hangingPunct="1">
+              <a:spcBef>
+                <a:spcPct val="20000"/>
+              </a:spcBef>
+              <a:spcAft>
+                <a:spcPts val="600"/>
+              </a:spcAft>
+              <a:buClr>
+                <a:schemeClr val="accent1"/>
+              </a:buClr>
+              <a:buFont typeface="Wingdings 2" charset="2"/>
+              <a:buChar char=""/>
+              <a:defRPr sz="1200" kern="1200">
+                <a:solidFill>
+                  <a:schemeClr val="tx1"/>
+                </a:solidFill>
+                <a:latin typeface="+mn-lt"/>
+                <a:ea typeface="+mn-ea"/>
+                <a:cs typeface="+mn-cs"/>
+              </a:defRPr>
+            </a:lvl8pPr>
+            <a:lvl9pPr marL="3600000" indent="-228600" algn="l" defTabSz="457200" rtl="0" eaLnBrk="1" latinLnBrk="0" hangingPunct="1">
+              <a:spcBef>
+                <a:spcPct val="20000"/>
+              </a:spcBef>
+              <a:spcAft>
+                <a:spcPts val="600"/>
+              </a:spcAft>
+              <a:buClr>
+                <a:schemeClr val="accent1"/>
+              </a:buClr>
+              <a:buFont typeface="Wingdings 2" charset="2"/>
+              <a:buChar char=""/>
+              <a:defRPr sz="1200" kern="1200">
+                <a:solidFill>
+                  <a:schemeClr val="tx1"/>
+                </a:solidFill>
+                <a:latin typeface="+mn-lt"/>
+                <a:ea typeface="+mn-ea"/>
+                <a:cs typeface="+mn-cs"/>
+              </a:defRPr>
+            </a:lvl9pPr>
+          </a:lstStyle>
+          <a:p>
+            <a:r>
+              <a:rPr lang="fr-FR" sz="2000" b="1" dirty="0"/>
+              <a:t>BDD </a:t>
+            </a:r>
+            <a:r>
+              <a:rPr lang="fr-FR" sz="2000" dirty="0"/>
+              <a:t>:</a:t>
+            </a:r>
+            <a:br>
+              <a:rPr lang="fr-FR" sz="2000" dirty="0"/>
+            </a:br>
+            <a:r>
+              <a:rPr lang="fr-FR" sz="2000" dirty="0" err="1"/>
+              <a:t>Liatti</a:t>
+            </a:r>
+            <a:r>
+              <a:rPr lang="fr-FR" sz="2000" dirty="0"/>
+              <a:t>, </a:t>
+            </a:r>
+            <a:r>
+              <a:rPr lang="fr-FR" sz="2000" dirty="0" err="1"/>
+              <a:t>Nufer</a:t>
+            </a:r>
+            <a:endParaRPr lang="fr-FR" sz="2000" dirty="0"/>
+          </a:p>
+          <a:p>
+            <a:endParaRPr lang="fr-FR" sz="2000" dirty="0"/>
+          </a:p>
+          <a:p>
+            <a:r>
+              <a:rPr lang="fr-FR" sz="2000" b="1" dirty="0"/>
+              <a:t>JS client </a:t>
+            </a:r>
+            <a:r>
+              <a:rPr lang="fr-FR" sz="2000" dirty="0"/>
+              <a:t>:</a:t>
+            </a:r>
+            <a:br>
+              <a:rPr lang="fr-FR" sz="2000" dirty="0"/>
+            </a:br>
+            <a:r>
+              <a:rPr lang="fr-FR" sz="2000" dirty="0"/>
+              <a:t>Bouchet, Constant, </a:t>
+            </a:r>
+            <a:r>
+              <a:rPr lang="fr-FR" sz="2000" dirty="0" err="1"/>
+              <a:t>Nufer</a:t>
+            </a:r>
+            <a:endParaRPr lang="fr-FR" sz="2000" dirty="0"/>
+          </a:p>
+          <a:p>
+            <a:endParaRPr lang="fr-FR" sz="2000" dirty="0"/>
+          </a:p>
+          <a:p>
+            <a:r>
+              <a:rPr lang="fr-FR" sz="2000" b="1" dirty="0"/>
+              <a:t>Tests de charge</a:t>
+            </a:r>
+            <a:r>
+              <a:rPr lang="fr-FR" sz="2000" dirty="0"/>
+              <a:t> :</a:t>
+            </a:r>
+            <a:br>
+              <a:rPr lang="fr-FR" sz="2000" dirty="0"/>
+            </a:br>
+            <a:r>
+              <a:rPr lang="fr-FR" sz="2000" dirty="0"/>
+              <a:t>Constant</a:t>
+            </a:r>
+          </a:p>
+          <a:p>
+            <a:endParaRPr lang="fr-FR" sz="2000" dirty="0"/>
+          </a:p>
+          <a:p>
+            <a:r>
+              <a:rPr lang="fr-FR" sz="2000" b="1" dirty="0"/>
+              <a:t>Design</a:t>
+            </a:r>
+            <a:r>
+              <a:rPr lang="fr-FR" sz="2000" dirty="0"/>
+              <a:t> :</a:t>
+            </a:r>
+            <a:br>
+              <a:rPr lang="fr-FR" sz="2000" dirty="0"/>
+            </a:br>
+            <a:r>
+              <a:rPr lang="fr-FR" sz="2000" dirty="0"/>
+              <a:t>Bouchet, </a:t>
+            </a:r>
+            <a:r>
+              <a:rPr lang="fr-FR" sz="2000" dirty="0" err="1"/>
+              <a:t>Nufer</a:t>
+            </a:r>
+            <a:endParaRPr lang="fr-FR" sz="2000" dirty="0"/>
+          </a:p>
+          <a:p>
+            <a:endParaRPr lang="fr-FR" sz="2000" dirty="0"/>
+          </a:p>
+        </p:txBody>
+      </p:sp>
     </p:spTree>
     <p:extLst>
       <p:ext uri="{BB962C8B-B14F-4D97-AF65-F5344CB8AC3E}">
-        <p14:creationId xmlns:p14="http://schemas.microsoft.com/office/powerpoint/2010/main" val="3541706277"/>
+        <p14:creationId xmlns:p14="http://schemas.microsoft.com/office/powerpoint/2010/main" val="3118348846"/>
       </p:ext>
     </p:extLst>
   </p:cSld>
@@ -6676,10 +7403,10 @@
       </p:grpSpPr>
       <p:sp>
         <p:nvSpPr>
-          <p:cNvPr id="6" name="Titre 5">
+          <p:cNvPr id="2" name="Titre 1">
             <a:extLst>
               <a:ext uri="{FF2B5EF4-FFF2-40B4-BE49-F238E27FC236}">
-                <a16:creationId xmlns:a16="http://schemas.microsoft.com/office/drawing/2014/main" id="{29CE3E33-35FE-8349-9A02-54CE2FF6D987}"/>
+                <a16:creationId xmlns:a16="http://schemas.microsoft.com/office/drawing/2014/main" id="{073D906B-C675-204C-9BD2-7D78F36177CC}"/>
               </a:ext>
             </a:extLst>
           </p:cNvPr>
@@ -6697,17 +7424,17 @@
           <a:p>
             <a:r>
               <a:rPr lang="fr-FR" dirty="0"/>
-              <a:t>Démonstration</a:t>
-            </a:r>
-          </a:p>
-        </p:txBody>
-      </p:sp>
-      <p:sp>
-        <p:nvSpPr>
-          <p:cNvPr id="7" name="Espace réservé du texte 6">
+              <a:t>Problèmes</a:t>
+            </a:r>
+          </a:p>
+        </p:txBody>
+      </p:sp>
+      <p:sp>
+        <p:nvSpPr>
+          <p:cNvPr id="3" name="Espace réservé du contenu 2">
             <a:extLst>
               <a:ext uri="{FF2B5EF4-FFF2-40B4-BE49-F238E27FC236}">
-                <a16:creationId xmlns:a16="http://schemas.microsoft.com/office/drawing/2014/main" id="{CAEDB016-2893-A144-AF95-FB2C50428ECE}"/>
+                <a16:creationId xmlns:a16="http://schemas.microsoft.com/office/drawing/2014/main" id="{2075122B-99F8-4045-817E-8C2CC40B3E22}"/>
               </a:ext>
             </a:extLst>
           </p:cNvPr>
@@ -6715,7 +7442,7 @@
             <a:spLocks noGrp="1"/>
           </p:cNvSpPr>
           <p:nvPr>
-            <p:ph type="body" idx="1"/>
+            <p:ph idx="1"/>
           </p:nvPr>
         </p:nvSpPr>
         <p:spPr/>
@@ -6729,10 +7456,10 @@
       </p:sp>
       <p:sp>
         <p:nvSpPr>
-          <p:cNvPr id="8" name="Espace réservé du numéro de diapositive 7">
+          <p:cNvPr id="4" name="Espace réservé du numéro de diapositive 3">
             <a:extLst>
               <a:ext uri="{FF2B5EF4-FFF2-40B4-BE49-F238E27FC236}">
-                <a16:creationId xmlns:a16="http://schemas.microsoft.com/office/drawing/2014/main" id="{8656FEF7-9594-1545-8275-44C0F9F81EE8}"/>
+                <a16:creationId xmlns:a16="http://schemas.microsoft.com/office/drawing/2014/main" id="{7A0B44B7-0FB7-4B4D-89C6-6D7841D2587D}"/>
               </a:ext>
             </a:extLst>
           </p:cNvPr>
@@ -6760,7 +7487,7 @@
     </p:spTree>
     <p:extLst>
       <p:ext uri="{BB962C8B-B14F-4D97-AF65-F5344CB8AC3E}">
-        <p14:creationId xmlns:p14="http://schemas.microsoft.com/office/powerpoint/2010/main" val="1207396157"/>
+        <p14:creationId xmlns:p14="http://schemas.microsoft.com/office/powerpoint/2010/main" val="3541706277"/>
       </p:ext>
     </p:extLst>
   </p:cSld>
@@ -6789,6 +7516,119 @@
       </p:grpSpPr>
       <p:sp>
         <p:nvSpPr>
+          <p:cNvPr id="6" name="Titre 5">
+            <a:extLst>
+              <a:ext uri="{FF2B5EF4-FFF2-40B4-BE49-F238E27FC236}">
+                <a16:creationId xmlns:a16="http://schemas.microsoft.com/office/drawing/2014/main" id="{29CE3E33-35FE-8349-9A02-54CE2FF6D987}"/>
+              </a:ext>
+            </a:extLst>
+          </p:cNvPr>
+          <p:cNvSpPr>
+            <a:spLocks noGrp="1"/>
+          </p:cNvSpPr>
+          <p:nvPr>
+            <p:ph type="title"/>
+          </p:nvPr>
+        </p:nvSpPr>
+        <p:spPr/>
+        <p:txBody>
+          <a:bodyPr/>
+          <a:lstStyle/>
+          <a:p>
+            <a:r>
+              <a:rPr lang="fr-FR" dirty="0"/>
+              <a:t>Démonstration</a:t>
+            </a:r>
+          </a:p>
+        </p:txBody>
+      </p:sp>
+      <p:sp>
+        <p:nvSpPr>
+          <p:cNvPr id="7" name="Espace réservé du texte 6">
+            <a:extLst>
+              <a:ext uri="{FF2B5EF4-FFF2-40B4-BE49-F238E27FC236}">
+                <a16:creationId xmlns:a16="http://schemas.microsoft.com/office/drawing/2014/main" id="{CAEDB016-2893-A144-AF95-FB2C50428ECE}"/>
+              </a:ext>
+            </a:extLst>
+          </p:cNvPr>
+          <p:cNvSpPr>
+            <a:spLocks noGrp="1"/>
+          </p:cNvSpPr>
+          <p:nvPr>
+            <p:ph type="body" idx="1"/>
+          </p:nvPr>
+        </p:nvSpPr>
+        <p:spPr/>
+        <p:txBody>
+          <a:bodyPr/>
+          <a:lstStyle/>
+          <a:p>
+            <a:endParaRPr lang="fr-FR" dirty="0"/>
+          </a:p>
+        </p:txBody>
+      </p:sp>
+      <p:sp>
+        <p:nvSpPr>
+          <p:cNvPr id="8" name="Espace réservé du numéro de diapositive 7">
+            <a:extLst>
+              <a:ext uri="{FF2B5EF4-FFF2-40B4-BE49-F238E27FC236}">
+                <a16:creationId xmlns:a16="http://schemas.microsoft.com/office/drawing/2014/main" id="{8656FEF7-9594-1545-8275-44C0F9F81EE8}"/>
+              </a:ext>
+            </a:extLst>
+          </p:cNvPr>
+          <p:cNvSpPr>
+            <a:spLocks noGrp="1"/>
+          </p:cNvSpPr>
+          <p:nvPr>
+            <p:ph type="sldNum" sz="quarter" idx="12"/>
+          </p:nvPr>
+        </p:nvSpPr>
+        <p:spPr/>
+        <p:txBody>
+          <a:bodyPr/>
+          <a:lstStyle/>
+          <a:p>
+            <a:fld id="{D57F1E4F-1CFF-5643-939E-217C01CDF565}" type="slidenum">
+              <a:rPr lang="en-US" smtClean="0"/>
+              <a:pPr/>
+              <a:t>15</a:t>
+            </a:fld>
+            <a:endParaRPr lang="en-US" dirty="0"/>
+          </a:p>
+        </p:txBody>
+      </p:sp>
+    </p:spTree>
+    <p:extLst>
+      <p:ext uri="{BB962C8B-B14F-4D97-AF65-F5344CB8AC3E}">
+        <p14:creationId xmlns:p14="http://schemas.microsoft.com/office/powerpoint/2010/main" val="1207396157"/>
+      </p:ext>
+    </p:extLst>
+  </p:cSld>
+  <p:clrMapOvr>
+    <a:masterClrMapping/>
+  </p:clrMapOvr>
+</p:sld>
+</file>
+
+<file path=ppt/slides/slide16.xml><?xml version="1.0" encoding="utf-8"?>
+<p:sld xmlns:a="http://schemas.openxmlformats.org/drawingml/2006/main" xmlns:r="http://schemas.openxmlformats.org/officeDocument/2006/relationships" xmlns:p="http://schemas.openxmlformats.org/presentationml/2006/main">
+  <p:cSld>
+    <p:spTree>
+      <p:nvGrpSpPr>
+        <p:cNvPr id="1" name=""/>
+        <p:cNvGrpSpPr/>
+        <p:nvPr/>
+      </p:nvGrpSpPr>
+      <p:grpSpPr>
+        <a:xfrm>
+          <a:off x="0" y="0"/>
+          <a:ext cx="0" cy="0"/>
+          <a:chOff x="0" y="0"/>
+          <a:chExt cx="0" cy="0"/>
+        </a:xfrm>
+      </p:grpSpPr>
+      <p:sp>
+        <p:nvSpPr>
           <p:cNvPr id="2" name="Titre 1">
             <a:extLst>
               <a:ext uri="{FF2B5EF4-FFF2-40B4-BE49-F238E27FC236}">
@@ -6864,7 +7704,7 @@
             <a:fld id="{D57F1E4F-1CFF-5643-939E-217C01CDF565}" type="slidenum">
               <a:rPr lang="en-US" smtClean="0"/>
               <a:pPr/>
-              <a:t>15</a:t>
+              <a:t>16</a:t>
             </a:fld>
             <a:endParaRPr lang="en-US" dirty="0"/>
           </a:p>
@@ -7036,33 +7876,8 @@
           <a:p>
             <a:r>
               <a:rPr lang="fr-FR" dirty="0"/>
-              <a:t>Rappel des besoins</a:t>
-            </a:r>
-          </a:p>
-        </p:txBody>
-      </p:sp>
-      <p:sp>
-        <p:nvSpPr>
-          <p:cNvPr id="5" name="Espace réservé du contenu 4">
-            <a:extLst>
-              <a:ext uri="{FF2B5EF4-FFF2-40B4-BE49-F238E27FC236}">
-                <a16:creationId xmlns:a16="http://schemas.microsoft.com/office/drawing/2014/main" id="{F34115A5-0928-9045-BC86-FE1B769DDA00}"/>
-              </a:ext>
-            </a:extLst>
-          </p:cNvPr>
-          <p:cNvSpPr>
-            <a:spLocks noGrp="1"/>
-          </p:cNvSpPr>
-          <p:nvPr>
-            <p:ph idx="1"/>
-          </p:nvPr>
-        </p:nvSpPr>
-        <p:spPr/>
-        <p:txBody>
-          <a:bodyPr/>
-          <a:lstStyle/>
-          <a:p>
-            <a:endParaRPr lang="fr-FR"/>
+              <a:t>Technologies utilisées</a:t>
+            </a:r>
           </a:p>
         </p:txBody>
       </p:sp>
@@ -7096,6 +7911,256 @@
           </a:p>
         </p:txBody>
       </p:sp>
+      <p:pic>
+        <p:nvPicPr>
+          <p:cNvPr id="14" name="Image 13">
+            <a:extLst>
+              <a:ext uri="{FF2B5EF4-FFF2-40B4-BE49-F238E27FC236}">
+                <a16:creationId xmlns:a16="http://schemas.microsoft.com/office/drawing/2014/main" id="{784F2515-FFD4-40FD-9A01-1587A13B7BE2}"/>
+              </a:ext>
+            </a:extLst>
+          </p:cNvPr>
+          <p:cNvPicPr>
+            <a:picLocks noChangeAspect="1"/>
+          </p:cNvPicPr>
+          <p:nvPr/>
+        </p:nvPicPr>
+        <p:blipFill>
+          <a:blip r:embed="rId2"/>
+          <a:stretch>
+            <a:fillRect/>
+          </a:stretch>
+        </p:blipFill>
+        <p:spPr>
+          <a:xfrm>
+            <a:off x="6352450" y="5241390"/>
+            <a:ext cx="1581324" cy="1236308"/>
+          </a:xfrm>
+          <a:prstGeom prst="rect">
+            <a:avLst/>
+          </a:prstGeom>
+        </p:spPr>
+      </p:pic>
+      <p:pic>
+        <p:nvPicPr>
+          <p:cNvPr id="18" name="Image 17">
+            <a:extLst>
+              <a:ext uri="{FF2B5EF4-FFF2-40B4-BE49-F238E27FC236}">
+                <a16:creationId xmlns:a16="http://schemas.microsoft.com/office/drawing/2014/main" id="{4A0BC9C5-5CA2-4341-8306-CB65143D1DA4}"/>
+              </a:ext>
+            </a:extLst>
+          </p:cNvPr>
+          <p:cNvPicPr>
+            <a:picLocks noChangeAspect="1"/>
+          </p:cNvPicPr>
+          <p:nvPr/>
+        </p:nvPicPr>
+        <p:blipFill>
+          <a:blip r:embed="rId3"/>
+          <a:stretch>
+            <a:fillRect/>
+          </a:stretch>
+        </p:blipFill>
+        <p:spPr>
+          <a:xfrm>
+            <a:off x="3287923" y="5142511"/>
+            <a:ext cx="2335836" cy="540359"/>
+          </a:xfrm>
+          <a:prstGeom prst="rect">
+            <a:avLst/>
+          </a:prstGeom>
+        </p:spPr>
+      </p:pic>
+      <p:pic>
+        <p:nvPicPr>
+          <p:cNvPr id="10" name="Image 9">
+            <a:extLst>
+              <a:ext uri="{FF2B5EF4-FFF2-40B4-BE49-F238E27FC236}">
+                <a16:creationId xmlns:a16="http://schemas.microsoft.com/office/drawing/2014/main" id="{D4AEC788-02E0-4438-AAFA-F54DB17E60DB}"/>
+              </a:ext>
+            </a:extLst>
+          </p:cNvPr>
+          <p:cNvPicPr>
+            <a:picLocks noChangeAspect="1"/>
+          </p:cNvPicPr>
+          <p:nvPr/>
+        </p:nvPicPr>
+        <p:blipFill>
+          <a:blip r:embed="rId4"/>
+          <a:stretch>
+            <a:fillRect/>
+          </a:stretch>
+        </p:blipFill>
+        <p:spPr>
+          <a:xfrm>
+            <a:off x="1474904" y="2720112"/>
+            <a:ext cx="1399608" cy="1399608"/>
+          </a:xfrm>
+          <a:prstGeom prst="rect">
+            <a:avLst/>
+          </a:prstGeom>
+        </p:spPr>
+      </p:pic>
+      <p:pic>
+        <p:nvPicPr>
+          <p:cNvPr id="8" name="Image 7">
+            <a:extLst>
+              <a:ext uri="{FF2B5EF4-FFF2-40B4-BE49-F238E27FC236}">
+                <a16:creationId xmlns:a16="http://schemas.microsoft.com/office/drawing/2014/main" id="{267D05EB-BBAC-4141-87A1-DD18DB98559D}"/>
+              </a:ext>
+            </a:extLst>
+          </p:cNvPr>
+          <p:cNvPicPr>
+            <a:picLocks noChangeAspect="1"/>
+          </p:cNvPicPr>
+          <p:nvPr/>
+        </p:nvPicPr>
+        <p:blipFill>
+          <a:blip r:embed="rId5"/>
+          <a:stretch>
+            <a:fillRect/>
+          </a:stretch>
+        </p:blipFill>
+        <p:spPr>
+          <a:xfrm>
+            <a:off x="9366404" y="4528961"/>
+            <a:ext cx="1227099" cy="1227099"/>
+          </a:xfrm>
+          <a:prstGeom prst="rect">
+            <a:avLst/>
+          </a:prstGeom>
+        </p:spPr>
+      </p:pic>
+      <p:pic>
+        <p:nvPicPr>
+          <p:cNvPr id="3" name="Espace réservé du contenu 2">
+            <a:extLst>
+              <a:ext uri="{FF2B5EF4-FFF2-40B4-BE49-F238E27FC236}">
+                <a16:creationId xmlns:a16="http://schemas.microsoft.com/office/drawing/2014/main" id="{BC0B4467-BF0B-4182-878C-3A1DF9829655}"/>
+              </a:ext>
+            </a:extLst>
+          </p:cNvPr>
+          <p:cNvPicPr>
+            <a:picLocks noGrp="1" noChangeAspect="1"/>
+          </p:cNvPicPr>
+          <p:nvPr>
+            <p:ph idx="1"/>
+          </p:nvPr>
+        </p:nvPicPr>
+        <p:blipFill>
+          <a:blip r:embed="rId6"/>
+          <a:stretch>
+            <a:fillRect/>
+          </a:stretch>
+        </p:blipFill>
+        <p:spPr>
+          <a:xfrm>
+            <a:off x="924566" y="4850217"/>
+            <a:ext cx="1394185" cy="1394185"/>
+          </a:xfrm>
+        </p:spPr>
+      </p:pic>
+      <p:pic>
+        <p:nvPicPr>
+          <p:cNvPr id="16" name="Image 15">
+            <a:extLst>
+              <a:ext uri="{FF2B5EF4-FFF2-40B4-BE49-F238E27FC236}">
+                <a16:creationId xmlns:a16="http://schemas.microsoft.com/office/drawing/2014/main" id="{526FC563-B798-4AAE-A8C9-29E2B0E924CC}"/>
+              </a:ext>
+            </a:extLst>
+          </p:cNvPr>
+          <p:cNvPicPr>
+            <a:picLocks noChangeAspect="1"/>
+          </p:cNvPicPr>
+          <p:nvPr/>
+        </p:nvPicPr>
+        <p:blipFill>
+          <a:blip r:embed="rId7">
+            <a:extLst>
+              <a:ext uri="{BEBA8EAE-BF5A-486C-A8C5-ECC9F3942E4B}">
+                <a14:imgProps xmlns:a14="http://schemas.microsoft.com/office/drawing/2010/main">
+                  <a14:imgLayer r:embed="rId8">
+                    <a14:imgEffect>
+                      <a14:brightnessContrast contrast="40000"/>
+                    </a14:imgEffect>
+                  </a14:imgLayer>
+                </a14:imgProps>
+              </a:ext>
+            </a:extLst>
+          </a:blip>
+          <a:stretch>
+            <a:fillRect/>
+          </a:stretch>
+        </p:blipFill>
+        <p:spPr>
+          <a:xfrm>
+            <a:off x="6617157" y="3744601"/>
+            <a:ext cx="1833756" cy="1123046"/>
+          </a:xfrm>
+          <a:prstGeom prst="rect">
+            <a:avLst/>
+          </a:prstGeom>
+        </p:spPr>
+      </p:pic>
+      <p:pic>
+        <p:nvPicPr>
+          <p:cNvPr id="12" name="Image 11">
+            <a:extLst>
+              <a:ext uri="{FF2B5EF4-FFF2-40B4-BE49-F238E27FC236}">
+                <a16:creationId xmlns:a16="http://schemas.microsoft.com/office/drawing/2014/main" id="{7842924B-4D94-4CB3-8C6C-E9E25BEAE875}"/>
+              </a:ext>
+            </a:extLst>
+          </p:cNvPr>
+          <p:cNvPicPr>
+            <a:picLocks noChangeAspect="1"/>
+          </p:cNvPicPr>
+          <p:nvPr/>
+        </p:nvPicPr>
+        <p:blipFill>
+          <a:blip r:embed="rId9"/>
+          <a:stretch>
+            <a:fillRect/>
+          </a:stretch>
+        </p:blipFill>
+        <p:spPr>
+          <a:xfrm>
+            <a:off x="4466158" y="2283607"/>
+            <a:ext cx="1460994" cy="1460994"/>
+          </a:xfrm>
+          <a:prstGeom prst="rect">
+            <a:avLst/>
+          </a:prstGeom>
+        </p:spPr>
+      </p:pic>
+      <p:pic>
+        <p:nvPicPr>
+          <p:cNvPr id="20" name="Image 19">
+            <a:extLst>
+              <a:ext uri="{FF2B5EF4-FFF2-40B4-BE49-F238E27FC236}">
+                <a16:creationId xmlns:a16="http://schemas.microsoft.com/office/drawing/2014/main" id="{30BFE1FB-8EF1-4D9C-A861-3BF7C99593AF}"/>
+              </a:ext>
+            </a:extLst>
+          </p:cNvPr>
+          <p:cNvPicPr>
+            <a:picLocks noChangeAspect="1"/>
+          </p:cNvPicPr>
+          <p:nvPr/>
+        </p:nvPicPr>
+        <p:blipFill rotWithShape="1">
+          <a:blip r:embed="rId10"/>
+          <a:srcRect t="36012" b="33688"/>
+          <a:stretch/>
+        </p:blipFill>
+        <p:spPr>
+          <a:xfrm>
+            <a:off x="8419501" y="2577246"/>
+            <a:ext cx="1878792" cy="569270"/>
+          </a:xfrm>
+          <a:prstGeom prst="rect">
+            <a:avLst/>
+          </a:prstGeom>
+        </p:spPr>
+      </p:pic>
     </p:spTree>
     <p:extLst>
       <p:ext uri="{BB962C8B-B14F-4D97-AF65-F5344CB8AC3E}">
@@ -7149,7 +8214,7 @@
           <a:p>
             <a:r>
               <a:rPr lang="fr-FR" dirty="0"/>
-              <a:t>Analyse</a:t>
+              <a:t>Rappel des besoins</a:t>
             </a:r>
           </a:p>
         </p:txBody>
@@ -7175,60 +8240,16 @@
           <a:bodyPr/>
           <a:lstStyle/>
           <a:p>
-            <a:r>
-              <a:rPr lang="fr-FR" dirty="0"/>
-              <a:t>Définition des rôles</a:t>
-            </a:r>
-          </a:p>
-          <a:p>
-            <a:pPr lvl="1"/>
-            <a:r>
-              <a:rPr lang="fr-FR" dirty="0"/>
-              <a:t>Utilisateur anonyme</a:t>
-            </a:r>
-          </a:p>
-          <a:p>
-            <a:pPr lvl="1"/>
-            <a:r>
-              <a:rPr lang="fr-FR" dirty="0"/>
-              <a:t>Utilisateur connecté</a:t>
-            </a:r>
-          </a:p>
-          <a:p>
-            <a:r>
-              <a:rPr lang="fr-FR" dirty="0"/>
-              <a:t>Définition des besoins</a:t>
-            </a:r>
-          </a:p>
-          <a:p>
-            <a:pPr lvl="1"/>
-            <a:r>
-              <a:rPr lang="fr-FR" dirty="0"/>
-              <a:t>Exigences du projet</a:t>
-            </a:r>
-          </a:p>
-          <a:p>
-            <a:pPr lvl="1"/>
-            <a:r>
-              <a:rPr lang="fr-FR" dirty="0"/>
-              <a:t>Exigences fonctionnelles</a:t>
-            </a:r>
-          </a:p>
-          <a:p>
-            <a:pPr lvl="1"/>
-            <a:r>
-              <a:rPr lang="fr-CH" dirty="0"/>
-              <a:t>Exigences non fonctionnelles</a:t>
-            </a:r>
-          </a:p>
-        </p:txBody>
-      </p:sp>
-      <p:sp>
-        <p:nvSpPr>
-          <p:cNvPr id="2" name="Espace réservé du numéro de diapositive 1">
+            <a:endParaRPr lang="fr-FR"/>
+          </a:p>
+        </p:txBody>
+      </p:sp>
+      <p:sp>
+        <p:nvSpPr>
+          <p:cNvPr id="6" name="Espace réservé du numéro de diapositive 5">
             <a:extLst>
               <a:ext uri="{FF2B5EF4-FFF2-40B4-BE49-F238E27FC236}">
-                <a16:creationId xmlns:a16="http://schemas.microsoft.com/office/drawing/2014/main" id="{9209D3D6-7CBF-5742-AF92-A934CA62DFEC}"/>
+                <a16:creationId xmlns:a16="http://schemas.microsoft.com/office/drawing/2014/main" id="{50E7947E-BFE0-C24B-B93A-D032EF220385}"/>
               </a:ext>
             </a:extLst>
           </p:cNvPr>
@@ -7256,7 +8277,7 @@
     </p:spTree>
     <p:extLst>
       <p:ext uri="{BB962C8B-B14F-4D97-AF65-F5344CB8AC3E}">
-        <p14:creationId xmlns:p14="http://schemas.microsoft.com/office/powerpoint/2010/main" val="3608015212"/>
+        <p14:creationId xmlns:p14="http://schemas.microsoft.com/office/powerpoint/2010/main" val="86629840"/>
       </p:ext>
     </p:extLst>
   </p:cSld>
@@ -7306,7 +8327,7 @@
           <a:p>
             <a:r>
               <a:rPr lang="fr-FR" dirty="0"/>
-              <a:t>Conception</a:t>
+              <a:t>Analyse</a:t>
             </a:r>
           </a:p>
         </p:txBody>
@@ -7327,12 +8348,34 @@
             <p:ph idx="1"/>
           </p:nvPr>
         </p:nvSpPr>
-        <p:spPr/>
+        <p:spPr>
+          <a:xfrm>
+            <a:off x="894126" y="2790334"/>
+            <a:ext cx="4139787" cy="2135210"/>
+          </a:xfrm>
+        </p:spPr>
         <p:txBody>
           <a:bodyPr/>
           <a:lstStyle/>
           <a:p>
-            <a:endParaRPr lang="fr-FR"/>
+            <a:r>
+              <a:rPr lang="fr-FR" sz="2400" dirty="0"/>
+              <a:t>Définition des rôles</a:t>
+            </a:r>
+          </a:p>
+          <a:p>
+            <a:pPr lvl="1"/>
+            <a:r>
+              <a:rPr lang="fr-FR" sz="1800" dirty="0"/>
+              <a:t>Utilisateur anonyme</a:t>
+            </a:r>
+          </a:p>
+          <a:p>
+            <a:pPr lvl="1"/>
+            <a:r>
+              <a:rPr lang="fr-FR" sz="1800" dirty="0"/>
+              <a:t>Utilisateur connecté</a:t>
+            </a:r>
           </a:p>
         </p:txBody>
       </p:sp>
@@ -7341,7 +8384,7 @@
           <p:cNvPr id="2" name="Espace réservé du numéro de diapositive 1">
             <a:extLst>
               <a:ext uri="{FF2B5EF4-FFF2-40B4-BE49-F238E27FC236}">
-                <a16:creationId xmlns:a16="http://schemas.microsoft.com/office/drawing/2014/main" id="{4E2EF708-B9C9-704E-AD36-E18B92657376}"/>
+                <a16:creationId xmlns:a16="http://schemas.microsoft.com/office/drawing/2014/main" id="{9209D3D6-7CBF-5742-AF92-A934CA62DFEC}"/>
               </a:ext>
             </a:extLst>
           </p:cNvPr>
@@ -7366,10 +8409,264 @@
           </a:p>
         </p:txBody>
       </p:sp>
+      <p:sp>
+        <p:nvSpPr>
+          <p:cNvPr id="6" name="Espace réservé du contenu 4">
+            <a:extLst>
+              <a:ext uri="{FF2B5EF4-FFF2-40B4-BE49-F238E27FC236}">
+                <a16:creationId xmlns:a16="http://schemas.microsoft.com/office/drawing/2014/main" id="{DD5924B5-75FB-45DC-8E65-6DC6C80C040D}"/>
+              </a:ext>
+            </a:extLst>
+          </p:cNvPr>
+          <p:cNvSpPr txBox="1">
+            <a:spLocks/>
+          </p:cNvSpPr>
+          <p:nvPr/>
+        </p:nvSpPr>
+        <p:spPr>
+          <a:xfrm>
+            <a:off x="6023879" y="2223855"/>
+            <a:ext cx="4139787" cy="3636511"/>
+          </a:xfrm>
+          <a:prstGeom prst="rect">
+            <a:avLst/>
+          </a:prstGeom>
+          <a:effectLst>
+            <a:outerShdw blurRad="50800" dir="14400000">
+              <a:srgbClr val="000000">
+                <a:alpha val="40000"/>
+              </a:srgbClr>
+            </a:outerShdw>
+          </a:effectLst>
+        </p:spPr>
+        <p:txBody>
+          <a:bodyPr vert="horz" lIns="91440" tIns="45720" rIns="91440" bIns="45720" rtlCol="0" anchor="ctr">
+            <a:normAutofit/>
+          </a:bodyPr>
+          <a:lstStyle>
+            <a:lvl1pPr marL="342900" indent="-342900" algn="l" defTabSz="457200" rtl="0" eaLnBrk="1" latinLnBrk="0" hangingPunct="1">
+              <a:spcBef>
+                <a:spcPct val="20000"/>
+              </a:spcBef>
+              <a:spcAft>
+                <a:spcPts val="600"/>
+              </a:spcAft>
+              <a:buClr>
+                <a:schemeClr val="accent1"/>
+              </a:buClr>
+              <a:buFont typeface="Wingdings 2" charset="2"/>
+              <a:buChar char=""/>
+              <a:defRPr sz="1800" kern="1200">
+                <a:solidFill>
+                  <a:schemeClr val="tx1"/>
+                </a:solidFill>
+                <a:latin typeface="+mn-lt"/>
+                <a:ea typeface="+mn-ea"/>
+                <a:cs typeface="+mn-cs"/>
+              </a:defRPr>
+            </a:lvl1pPr>
+            <a:lvl2pPr marL="742950" indent="-285750" algn="l" defTabSz="457200" rtl="0" eaLnBrk="1" latinLnBrk="0" hangingPunct="1">
+              <a:spcBef>
+                <a:spcPct val="20000"/>
+              </a:spcBef>
+              <a:spcAft>
+                <a:spcPts val="600"/>
+              </a:spcAft>
+              <a:buClr>
+                <a:schemeClr val="accent1"/>
+              </a:buClr>
+              <a:buFont typeface="Wingdings 2" charset="2"/>
+              <a:buChar char=""/>
+              <a:defRPr sz="1600" kern="1200">
+                <a:solidFill>
+                  <a:schemeClr val="tx1"/>
+                </a:solidFill>
+                <a:latin typeface="+mn-lt"/>
+                <a:ea typeface="+mn-ea"/>
+                <a:cs typeface="+mn-cs"/>
+              </a:defRPr>
+            </a:lvl2pPr>
+            <a:lvl3pPr marL="1143000" indent="-228600" algn="l" defTabSz="457200" rtl="0" eaLnBrk="1" latinLnBrk="0" hangingPunct="1">
+              <a:spcBef>
+                <a:spcPct val="20000"/>
+              </a:spcBef>
+              <a:spcAft>
+                <a:spcPts val="600"/>
+              </a:spcAft>
+              <a:buClr>
+                <a:schemeClr val="accent1"/>
+              </a:buClr>
+              <a:buFont typeface="Wingdings 2" charset="2"/>
+              <a:buChar char=""/>
+              <a:defRPr sz="1400" kern="1200">
+                <a:solidFill>
+                  <a:schemeClr val="tx1"/>
+                </a:solidFill>
+                <a:latin typeface="+mn-lt"/>
+                <a:ea typeface="+mn-ea"/>
+                <a:cs typeface="+mn-cs"/>
+              </a:defRPr>
+            </a:lvl3pPr>
+            <a:lvl4pPr marL="1600200" indent="-228600" algn="l" defTabSz="457200" rtl="0" eaLnBrk="1" latinLnBrk="0" hangingPunct="1">
+              <a:spcBef>
+                <a:spcPct val="20000"/>
+              </a:spcBef>
+              <a:spcAft>
+                <a:spcPts val="600"/>
+              </a:spcAft>
+              <a:buClr>
+                <a:schemeClr val="accent1"/>
+              </a:buClr>
+              <a:buFont typeface="Wingdings 2" charset="2"/>
+              <a:buChar char=""/>
+              <a:defRPr sz="1200" kern="1200">
+                <a:solidFill>
+                  <a:schemeClr val="tx1"/>
+                </a:solidFill>
+                <a:latin typeface="+mn-lt"/>
+                <a:ea typeface="+mn-ea"/>
+                <a:cs typeface="+mn-cs"/>
+              </a:defRPr>
+            </a:lvl4pPr>
+            <a:lvl5pPr marL="2057400" indent="-228600" algn="l" defTabSz="457200" rtl="0" eaLnBrk="1" latinLnBrk="0" hangingPunct="1">
+              <a:spcBef>
+                <a:spcPct val="20000"/>
+              </a:spcBef>
+              <a:spcAft>
+                <a:spcPts val="600"/>
+              </a:spcAft>
+              <a:buClr>
+                <a:schemeClr val="accent1"/>
+              </a:buClr>
+              <a:buFont typeface="Wingdings 2" charset="2"/>
+              <a:buChar char=""/>
+              <a:defRPr sz="1200" kern="1200">
+                <a:solidFill>
+                  <a:schemeClr val="tx1"/>
+                </a:solidFill>
+                <a:latin typeface="+mn-lt"/>
+                <a:ea typeface="+mn-ea"/>
+                <a:cs typeface="+mn-cs"/>
+              </a:defRPr>
+            </a:lvl5pPr>
+            <a:lvl6pPr marL="2400000" indent="-228600" algn="l" defTabSz="457200" rtl="0" eaLnBrk="1" latinLnBrk="0" hangingPunct="1">
+              <a:spcBef>
+                <a:spcPct val="20000"/>
+              </a:spcBef>
+              <a:spcAft>
+                <a:spcPts val="600"/>
+              </a:spcAft>
+              <a:buClr>
+                <a:schemeClr val="accent1"/>
+              </a:buClr>
+              <a:buFont typeface="Wingdings 2" charset="2"/>
+              <a:buChar char=""/>
+              <a:defRPr sz="1200" kern="1200">
+                <a:solidFill>
+                  <a:schemeClr val="tx1"/>
+                </a:solidFill>
+                <a:latin typeface="+mn-lt"/>
+                <a:ea typeface="+mn-ea"/>
+                <a:cs typeface="+mn-cs"/>
+              </a:defRPr>
+            </a:lvl6pPr>
+            <a:lvl7pPr marL="2800000" indent="-228600" algn="l" defTabSz="457200" rtl="0" eaLnBrk="1" latinLnBrk="0" hangingPunct="1">
+              <a:spcBef>
+                <a:spcPct val="20000"/>
+              </a:spcBef>
+              <a:spcAft>
+                <a:spcPts val="600"/>
+              </a:spcAft>
+              <a:buClr>
+                <a:schemeClr val="accent1"/>
+              </a:buClr>
+              <a:buFont typeface="Wingdings 2" charset="2"/>
+              <a:buChar char=""/>
+              <a:defRPr sz="1200" kern="1200">
+                <a:solidFill>
+                  <a:schemeClr val="tx1"/>
+                </a:solidFill>
+                <a:latin typeface="+mn-lt"/>
+                <a:ea typeface="+mn-ea"/>
+                <a:cs typeface="+mn-cs"/>
+              </a:defRPr>
+            </a:lvl7pPr>
+            <a:lvl8pPr marL="3200000" indent="-228600" algn="l" defTabSz="457200" rtl="0" eaLnBrk="1" latinLnBrk="0" hangingPunct="1">
+              <a:spcBef>
+                <a:spcPct val="20000"/>
+              </a:spcBef>
+              <a:spcAft>
+                <a:spcPts val="600"/>
+              </a:spcAft>
+              <a:buClr>
+                <a:schemeClr val="accent1"/>
+              </a:buClr>
+              <a:buFont typeface="Wingdings 2" charset="2"/>
+              <a:buChar char=""/>
+              <a:defRPr sz="1200" kern="1200">
+                <a:solidFill>
+                  <a:schemeClr val="tx1"/>
+                </a:solidFill>
+                <a:latin typeface="+mn-lt"/>
+                <a:ea typeface="+mn-ea"/>
+                <a:cs typeface="+mn-cs"/>
+              </a:defRPr>
+            </a:lvl8pPr>
+            <a:lvl9pPr marL="3600000" indent="-228600" algn="l" defTabSz="457200" rtl="0" eaLnBrk="1" latinLnBrk="0" hangingPunct="1">
+              <a:spcBef>
+                <a:spcPct val="20000"/>
+              </a:spcBef>
+              <a:spcAft>
+                <a:spcPts val="600"/>
+              </a:spcAft>
+              <a:buClr>
+                <a:schemeClr val="accent1"/>
+              </a:buClr>
+              <a:buFont typeface="Wingdings 2" charset="2"/>
+              <a:buChar char=""/>
+              <a:defRPr sz="1200" kern="1200">
+                <a:solidFill>
+                  <a:schemeClr val="tx1"/>
+                </a:solidFill>
+                <a:latin typeface="+mn-lt"/>
+                <a:ea typeface="+mn-ea"/>
+                <a:cs typeface="+mn-cs"/>
+              </a:defRPr>
+            </a:lvl9pPr>
+          </a:lstStyle>
+          <a:p>
+            <a:r>
+              <a:rPr lang="fr-FR" sz="2400" dirty="0"/>
+              <a:t>Définition des besoins</a:t>
+            </a:r>
+          </a:p>
+          <a:p>
+            <a:pPr lvl="1"/>
+            <a:r>
+              <a:rPr lang="fr-FR" sz="1800" dirty="0"/>
+              <a:t>Exigences du projet</a:t>
+            </a:r>
+          </a:p>
+          <a:p>
+            <a:pPr lvl="1"/>
+            <a:r>
+              <a:rPr lang="fr-FR" sz="1800" dirty="0"/>
+              <a:t>Exigences fonctionnelles</a:t>
+            </a:r>
+          </a:p>
+          <a:p>
+            <a:pPr lvl="1"/>
+            <a:r>
+              <a:rPr lang="fr-CH" sz="1800" dirty="0"/>
+              <a:t>Exigences non fonctionnelles</a:t>
+            </a:r>
+          </a:p>
+        </p:txBody>
+      </p:sp>
     </p:spTree>
     <p:extLst>
       <p:ext uri="{BB962C8B-B14F-4D97-AF65-F5344CB8AC3E}">
-        <p14:creationId xmlns:p14="http://schemas.microsoft.com/office/powerpoint/2010/main" val="2574719989"/>
+        <p14:creationId xmlns:p14="http://schemas.microsoft.com/office/powerpoint/2010/main" val="3608015212"/>
       </p:ext>
     </p:extLst>
   </p:cSld>
@@ -7419,7 +8716,7 @@
           <a:p>
             <a:r>
               <a:rPr lang="fr-FR" dirty="0"/>
-              <a:t>Réalisation</a:t>
+              <a:t>Conception</a:t>
             </a:r>
           </a:p>
         </p:txBody>
@@ -7454,7 +8751,7 @@
           <p:cNvPr id="2" name="Espace réservé du numéro de diapositive 1">
             <a:extLst>
               <a:ext uri="{FF2B5EF4-FFF2-40B4-BE49-F238E27FC236}">
-                <a16:creationId xmlns:a16="http://schemas.microsoft.com/office/drawing/2014/main" id="{FFF8D769-A4F3-9146-BAC1-487E57953780}"/>
+                <a16:creationId xmlns:a16="http://schemas.microsoft.com/office/drawing/2014/main" id="{4E2EF708-B9C9-704E-AD36-E18B92657376}"/>
               </a:ext>
             </a:extLst>
           </p:cNvPr>
@@ -7482,7 +8779,7 @@
     </p:spTree>
     <p:extLst>
       <p:ext uri="{BB962C8B-B14F-4D97-AF65-F5344CB8AC3E}">
-        <p14:creationId xmlns:p14="http://schemas.microsoft.com/office/powerpoint/2010/main" val="3614386244"/>
+        <p14:creationId xmlns:p14="http://schemas.microsoft.com/office/powerpoint/2010/main" val="2574719989"/>
       </p:ext>
     </p:extLst>
   </p:cSld>
@@ -7514,7 +8811,7 @@
           <p:cNvPr id="4" name="Titre 3">
             <a:extLst>
               <a:ext uri="{FF2B5EF4-FFF2-40B4-BE49-F238E27FC236}">
-                <a16:creationId xmlns:a16="http://schemas.microsoft.com/office/drawing/2014/main" id="{7FC5986D-674C-8947-A822-C620E2B89565}"/>
+                <a16:creationId xmlns:a16="http://schemas.microsoft.com/office/drawing/2014/main" id="{53A9869D-A741-9647-B825-1F8349DCD62C}"/>
               </a:ext>
             </a:extLst>
           </p:cNvPr>
@@ -7532,17 +8829,17 @@
           <a:p>
             <a:r>
               <a:rPr lang="fr-FR" dirty="0"/>
-              <a:t>Méthodologie</a:t>
-            </a:r>
-          </a:p>
-        </p:txBody>
-      </p:sp>
-      <p:sp>
-        <p:nvSpPr>
-          <p:cNvPr id="5" name="Espace réservé du texte 4">
+              <a:t>Réalisation</a:t>
+            </a:r>
+          </a:p>
+        </p:txBody>
+      </p:sp>
+      <p:sp>
+        <p:nvSpPr>
+          <p:cNvPr id="5" name="Espace réservé du contenu 4">
             <a:extLst>
               <a:ext uri="{FF2B5EF4-FFF2-40B4-BE49-F238E27FC236}">
-                <a16:creationId xmlns:a16="http://schemas.microsoft.com/office/drawing/2014/main" id="{3847654A-B6D2-B740-B15C-BA1DF42ABB32}"/>
+                <a16:creationId xmlns:a16="http://schemas.microsoft.com/office/drawing/2014/main" id="{F34115A5-0928-9045-BC86-FE1B769DDA00}"/>
               </a:ext>
             </a:extLst>
           </p:cNvPr>
@@ -7550,7 +8847,7 @@
             <a:spLocks noGrp="1"/>
           </p:cNvSpPr>
           <p:nvPr>
-            <p:ph type="body" idx="1"/>
+            <p:ph idx="1"/>
           </p:nvPr>
         </p:nvSpPr>
         <p:spPr/>
@@ -7564,10 +8861,10 @@
       </p:sp>
       <p:sp>
         <p:nvSpPr>
-          <p:cNvPr id="6" name="Espace réservé du numéro de diapositive 5">
+          <p:cNvPr id="2" name="Espace réservé du numéro de diapositive 1">
             <a:extLst>
               <a:ext uri="{FF2B5EF4-FFF2-40B4-BE49-F238E27FC236}">
-                <a16:creationId xmlns:a16="http://schemas.microsoft.com/office/drawing/2014/main" id="{9FC0514E-CD4B-5441-992B-ED8772737E48}"/>
+                <a16:creationId xmlns:a16="http://schemas.microsoft.com/office/drawing/2014/main" id="{FFF8D769-A4F3-9146-BAC1-487E57953780}"/>
               </a:ext>
             </a:extLst>
           </p:cNvPr>
@@ -7595,7 +8892,7 @@
     </p:spTree>
     <p:extLst>
       <p:ext uri="{BB962C8B-B14F-4D97-AF65-F5344CB8AC3E}">
-        <p14:creationId xmlns:p14="http://schemas.microsoft.com/office/powerpoint/2010/main" val="1007424981"/>
+        <p14:creationId xmlns:p14="http://schemas.microsoft.com/office/powerpoint/2010/main" val="3614386244"/>
       </p:ext>
     </p:extLst>
   </p:cSld>
@@ -7624,10 +8921,10 @@
       </p:grpSpPr>
       <p:sp>
         <p:nvSpPr>
-          <p:cNvPr id="6" name="Titre 5">
+          <p:cNvPr id="4" name="Titre 3">
             <a:extLst>
               <a:ext uri="{FF2B5EF4-FFF2-40B4-BE49-F238E27FC236}">
-                <a16:creationId xmlns:a16="http://schemas.microsoft.com/office/drawing/2014/main" id="{DAAFE559-640E-FA42-B49D-1FC1C98CFB32}"/>
+                <a16:creationId xmlns:a16="http://schemas.microsoft.com/office/drawing/2014/main" id="{7FC5986D-674C-8947-A822-C620E2B89565}"/>
               </a:ext>
             </a:extLst>
           </p:cNvPr>
@@ -7644,19 +8941,18 @@
           <a:lstStyle/>
           <a:p>
             <a:r>
-              <a:rPr lang="fr-CH" dirty="0"/>
-              <a:t>Catalogues des besoins</a:t>
-            </a:r>
-            <a:endParaRPr lang="fr-FR" dirty="0"/>
-          </a:p>
-        </p:txBody>
-      </p:sp>
-      <p:sp>
-        <p:nvSpPr>
-          <p:cNvPr id="7" name="Espace réservé du contenu 6">
+              <a:rPr lang="fr-FR" dirty="0"/>
+              <a:t>Méthodologie</a:t>
+            </a:r>
+          </a:p>
+        </p:txBody>
+      </p:sp>
+      <p:sp>
+        <p:nvSpPr>
+          <p:cNvPr id="5" name="Espace réservé du texte 4">
             <a:extLst>
               <a:ext uri="{FF2B5EF4-FFF2-40B4-BE49-F238E27FC236}">
-                <a16:creationId xmlns:a16="http://schemas.microsoft.com/office/drawing/2014/main" id="{B4FA7B2B-8F73-6A4A-A06B-69505A243BF9}"/>
+                <a16:creationId xmlns:a16="http://schemas.microsoft.com/office/drawing/2014/main" id="{3847654A-B6D2-B740-B15C-BA1DF42ABB32}"/>
               </a:ext>
             </a:extLst>
           </p:cNvPr>
@@ -7664,7 +8960,7 @@
             <a:spLocks noGrp="1"/>
           </p:cNvSpPr>
           <p:nvPr>
-            <p:ph idx="1"/>
+            <p:ph type="body" idx="1"/>
           </p:nvPr>
         </p:nvSpPr>
         <p:spPr/>
@@ -7672,16 +8968,16 @@
           <a:bodyPr/>
           <a:lstStyle/>
           <a:p>
-            <a:endParaRPr lang="fr-FR" dirty="0"/>
-          </a:p>
-        </p:txBody>
-      </p:sp>
-      <p:sp>
-        <p:nvSpPr>
-          <p:cNvPr id="8" name="Espace réservé du numéro de diapositive 7">
+            <a:endParaRPr lang="fr-FR"/>
+          </a:p>
+        </p:txBody>
+      </p:sp>
+      <p:sp>
+        <p:nvSpPr>
+          <p:cNvPr id="6" name="Espace réservé du numéro de diapositive 5">
             <a:extLst>
               <a:ext uri="{FF2B5EF4-FFF2-40B4-BE49-F238E27FC236}">
-                <a16:creationId xmlns:a16="http://schemas.microsoft.com/office/drawing/2014/main" id="{66164805-222A-474A-8C54-AD2CED31C3D2}"/>
+                <a16:creationId xmlns:a16="http://schemas.microsoft.com/office/drawing/2014/main" id="{9FC0514E-CD4B-5441-992B-ED8772737E48}"/>
               </a:ext>
             </a:extLst>
           </p:cNvPr>
@@ -7709,7 +9005,7 @@
     </p:spTree>
     <p:extLst>
       <p:ext uri="{BB962C8B-B14F-4D97-AF65-F5344CB8AC3E}">
-        <p14:creationId xmlns:p14="http://schemas.microsoft.com/office/powerpoint/2010/main" val="3806654098"/>
+        <p14:creationId xmlns:p14="http://schemas.microsoft.com/office/powerpoint/2010/main" val="1007424981"/>
       </p:ext>
     </p:extLst>
   </p:cSld>
@@ -7758,9 +9054,10 @@
           <a:lstStyle/>
           <a:p>
             <a:r>
-              <a:rPr lang="fr-FR" dirty="0"/>
-              <a:t>Itérations</a:t>
-            </a:r>
+              <a:rPr lang="fr-CH" dirty="0"/>
+              <a:t>Catalogues des besoins</a:t>
+            </a:r>
+            <a:endParaRPr lang="fr-FR" dirty="0"/>
           </a:p>
         </p:txBody>
       </p:sp>
@@ -7780,21 +9077,43 @@
             <p:ph idx="1"/>
           </p:nvPr>
         </p:nvSpPr>
-        <p:spPr/>
-        <p:txBody>
-          <a:bodyPr/>
-          <a:lstStyle/>
-          <a:p>
-            <a:endParaRPr lang="fr-FR"/>
-          </a:p>
-        </p:txBody>
-      </p:sp>
-      <p:sp>
-        <p:nvSpPr>
-          <p:cNvPr id="2" name="Espace réservé du numéro de diapositive 1">
+        <p:spPr>
+          <a:xfrm>
+            <a:off x="818711" y="2222287"/>
+            <a:ext cx="5223869" cy="3636511"/>
+          </a:xfrm>
+        </p:spPr>
+        <p:txBody>
+          <a:bodyPr>
+            <a:normAutofit/>
+          </a:bodyPr>
+          <a:lstStyle/>
+          <a:p>
+            <a:r>
+              <a:rPr lang="fr-FR" sz="2400" dirty="0"/>
+              <a:t>Création des quiz</a:t>
+            </a:r>
+          </a:p>
+          <a:p>
+            <a:pPr marL="0" indent="0">
+              <a:buNone/>
+            </a:pPr>
+            <a:endParaRPr lang="fr-FR" sz="2400" dirty="0"/>
+          </a:p>
+          <a:p>
+            <a:r>
+              <a:rPr lang="fr-FR" sz="2400" dirty="0"/>
+              <a:t>Participation aux quiz</a:t>
+            </a:r>
+          </a:p>
+        </p:txBody>
+      </p:sp>
+      <p:sp>
+        <p:nvSpPr>
+          <p:cNvPr id="8" name="Espace réservé du numéro de diapositive 7">
             <a:extLst>
               <a:ext uri="{FF2B5EF4-FFF2-40B4-BE49-F238E27FC236}">
-                <a16:creationId xmlns:a16="http://schemas.microsoft.com/office/drawing/2014/main" id="{2F5085DE-E66B-3B48-A977-0B852BA93BDF}"/>
+                <a16:creationId xmlns:a16="http://schemas.microsoft.com/office/drawing/2014/main" id="{66164805-222A-474A-8C54-AD2CED31C3D2}"/>
               </a:ext>
             </a:extLst>
           </p:cNvPr>
@@ -7819,10 +9138,252 @@
           </a:p>
         </p:txBody>
       </p:sp>
+      <p:sp>
+        <p:nvSpPr>
+          <p:cNvPr id="5" name="Espace réservé du contenu 6">
+            <a:extLst>
+              <a:ext uri="{FF2B5EF4-FFF2-40B4-BE49-F238E27FC236}">
+                <a16:creationId xmlns:a16="http://schemas.microsoft.com/office/drawing/2014/main" id="{15D7C4F6-668E-4715-BBA8-D8FF1E12AD5F}"/>
+              </a:ext>
+            </a:extLst>
+          </p:cNvPr>
+          <p:cNvSpPr txBox="1">
+            <a:spLocks/>
+          </p:cNvSpPr>
+          <p:nvPr/>
+        </p:nvSpPr>
+        <p:spPr>
+          <a:xfrm>
+            <a:off x="6516617" y="2202566"/>
+            <a:ext cx="5223869" cy="3636511"/>
+          </a:xfrm>
+          <a:prstGeom prst="rect">
+            <a:avLst/>
+          </a:prstGeom>
+          <a:effectLst>
+            <a:outerShdw blurRad="50800" dir="14400000">
+              <a:srgbClr val="000000">
+                <a:alpha val="40000"/>
+              </a:srgbClr>
+            </a:outerShdw>
+          </a:effectLst>
+        </p:spPr>
+        <p:txBody>
+          <a:bodyPr vert="horz" lIns="91440" tIns="45720" rIns="91440" bIns="45720" rtlCol="0" anchor="ctr">
+            <a:normAutofit/>
+          </a:bodyPr>
+          <a:lstStyle>
+            <a:lvl1pPr marL="342900" indent="-342900" algn="l" defTabSz="457200" rtl="0" eaLnBrk="1" latinLnBrk="0" hangingPunct="1">
+              <a:spcBef>
+                <a:spcPct val="20000"/>
+              </a:spcBef>
+              <a:spcAft>
+                <a:spcPts val="600"/>
+              </a:spcAft>
+              <a:buClr>
+                <a:schemeClr val="accent1"/>
+              </a:buClr>
+              <a:buFont typeface="Wingdings 2" charset="2"/>
+              <a:buChar char=""/>
+              <a:defRPr sz="1800" kern="1200">
+                <a:solidFill>
+                  <a:schemeClr val="tx1"/>
+                </a:solidFill>
+                <a:latin typeface="+mn-lt"/>
+                <a:ea typeface="+mn-ea"/>
+                <a:cs typeface="+mn-cs"/>
+              </a:defRPr>
+            </a:lvl1pPr>
+            <a:lvl2pPr marL="742950" indent="-285750" algn="l" defTabSz="457200" rtl="0" eaLnBrk="1" latinLnBrk="0" hangingPunct="1">
+              <a:spcBef>
+                <a:spcPct val="20000"/>
+              </a:spcBef>
+              <a:spcAft>
+                <a:spcPts val="600"/>
+              </a:spcAft>
+              <a:buClr>
+                <a:schemeClr val="accent1"/>
+              </a:buClr>
+              <a:buFont typeface="Wingdings 2" charset="2"/>
+              <a:buChar char=""/>
+              <a:defRPr sz="1600" kern="1200">
+                <a:solidFill>
+                  <a:schemeClr val="tx1"/>
+                </a:solidFill>
+                <a:latin typeface="+mn-lt"/>
+                <a:ea typeface="+mn-ea"/>
+                <a:cs typeface="+mn-cs"/>
+              </a:defRPr>
+            </a:lvl2pPr>
+            <a:lvl3pPr marL="1143000" indent="-228600" algn="l" defTabSz="457200" rtl="0" eaLnBrk="1" latinLnBrk="0" hangingPunct="1">
+              <a:spcBef>
+                <a:spcPct val="20000"/>
+              </a:spcBef>
+              <a:spcAft>
+                <a:spcPts val="600"/>
+              </a:spcAft>
+              <a:buClr>
+                <a:schemeClr val="accent1"/>
+              </a:buClr>
+              <a:buFont typeface="Wingdings 2" charset="2"/>
+              <a:buChar char=""/>
+              <a:defRPr sz="1400" kern="1200">
+                <a:solidFill>
+                  <a:schemeClr val="tx1"/>
+                </a:solidFill>
+                <a:latin typeface="+mn-lt"/>
+                <a:ea typeface="+mn-ea"/>
+                <a:cs typeface="+mn-cs"/>
+              </a:defRPr>
+            </a:lvl3pPr>
+            <a:lvl4pPr marL="1600200" indent="-228600" algn="l" defTabSz="457200" rtl="0" eaLnBrk="1" latinLnBrk="0" hangingPunct="1">
+              <a:spcBef>
+                <a:spcPct val="20000"/>
+              </a:spcBef>
+              <a:spcAft>
+                <a:spcPts val="600"/>
+              </a:spcAft>
+              <a:buClr>
+                <a:schemeClr val="accent1"/>
+              </a:buClr>
+              <a:buFont typeface="Wingdings 2" charset="2"/>
+              <a:buChar char=""/>
+              <a:defRPr sz="1200" kern="1200">
+                <a:solidFill>
+                  <a:schemeClr val="tx1"/>
+                </a:solidFill>
+                <a:latin typeface="+mn-lt"/>
+                <a:ea typeface="+mn-ea"/>
+                <a:cs typeface="+mn-cs"/>
+              </a:defRPr>
+            </a:lvl4pPr>
+            <a:lvl5pPr marL="2057400" indent="-228600" algn="l" defTabSz="457200" rtl="0" eaLnBrk="1" latinLnBrk="0" hangingPunct="1">
+              <a:spcBef>
+                <a:spcPct val="20000"/>
+              </a:spcBef>
+              <a:spcAft>
+                <a:spcPts val="600"/>
+              </a:spcAft>
+              <a:buClr>
+                <a:schemeClr val="accent1"/>
+              </a:buClr>
+              <a:buFont typeface="Wingdings 2" charset="2"/>
+              <a:buChar char=""/>
+              <a:defRPr sz="1200" kern="1200">
+                <a:solidFill>
+                  <a:schemeClr val="tx1"/>
+                </a:solidFill>
+                <a:latin typeface="+mn-lt"/>
+                <a:ea typeface="+mn-ea"/>
+                <a:cs typeface="+mn-cs"/>
+              </a:defRPr>
+            </a:lvl5pPr>
+            <a:lvl6pPr marL="2400000" indent="-228600" algn="l" defTabSz="457200" rtl="0" eaLnBrk="1" latinLnBrk="0" hangingPunct="1">
+              <a:spcBef>
+                <a:spcPct val="20000"/>
+              </a:spcBef>
+              <a:spcAft>
+                <a:spcPts val="600"/>
+              </a:spcAft>
+              <a:buClr>
+                <a:schemeClr val="accent1"/>
+              </a:buClr>
+              <a:buFont typeface="Wingdings 2" charset="2"/>
+              <a:buChar char=""/>
+              <a:defRPr sz="1200" kern="1200">
+                <a:solidFill>
+                  <a:schemeClr val="tx1"/>
+                </a:solidFill>
+                <a:latin typeface="+mn-lt"/>
+                <a:ea typeface="+mn-ea"/>
+                <a:cs typeface="+mn-cs"/>
+              </a:defRPr>
+            </a:lvl6pPr>
+            <a:lvl7pPr marL="2800000" indent="-228600" algn="l" defTabSz="457200" rtl="0" eaLnBrk="1" latinLnBrk="0" hangingPunct="1">
+              <a:spcBef>
+                <a:spcPct val="20000"/>
+              </a:spcBef>
+              <a:spcAft>
+                <a:spcPts val="600"/>
+              </a:spcAft>
+              <a:buClr>
+                <a:schemeClr val="accent1"/>
+              </a:buClr>
+              <a:buFont typeface="Wingdings 2" charset="2"/>
+              <a:buChar char=""/>
+              <a:defRPr sz="1200" kern="1200">
+                <a:solidFill>
+                  <a:schemeClr val="tx1"/>
+                </a:solidFill>
+                <a:latin typeface="+mn-lt"/>
+                <a:ea typeface="+mn-ea"/>
+                <a:cs typeface="+mn-cs"/>
+              </a:defRPr>
+            </a:lvl7pPr>
+            <a:lvl8pPr marL="3200000" indent="-228600" algn="l" defTabSz="457200" rtl="0" eaLnBrk="1" latinLnBrk="0" hangingPunct="1">
+              <a:spcBef>
+                <a:spcPct val="20000"/>
+              </a:spcBef>
+              <a:spcAft>
+                <a:spcPts val="600"/>
+              </a:spcAft>
+              <a:buClr>
+                <a:schemeClr val="accent1"/>
+              </a:buClr>
+              <a:buFont typeface="Wingdings 2" charset="2"/>
+              <a:buChar char=""/>
+              <a:defRPr sz="1200" kern="1200">
+                <a:solidFill>
+                  <a:schemeClr val="tx1"/>
+                </a:solidFill>
+                <a:latin typeface="+mn-lt"/>
+                <a:ea typeface="+mn-ea"/>
+                <a:cs typeface="+mn-cs"/>
+              </a:defRPr>
+            </a:lvl8pPr>
+            <a:lvl9pPr marL="3600000" indent="-228600" algn="l" defTabSz="457200" rtl="0" eaLnBrk="1" latinLnBrk="0" hangingPunct="1">
+              <a:spcBef>
+                <a:spcPct val="20000"/>
+              </a:spcBef>
+              <a:spcAft>
+                <a:spcPts val="600"/>
+              </a:spcAft>
+              <a:buClr>
+                <a:schemeClr val="accent1"/>
+              </a:buClr>
+              <a:buFont typeface="Wingdings 2" charset="2"/>
+              <a:buChar char=""/>
+              <a:defRPr sz="1200" kern="1200">
+                <a:solidFill>
+                  <a:schemeClr val="tx1"/>
+                </a:solidFill>
+                <a:latin typeface="+mn-lt"/>
+                <a:ea typeface="+mn-ea"/>
+                <a:cs typeface="+mn-cs"/>
+              </a:defRPr>
+            </a:lvl9pPr>
+          </a:lstStyle>
+          <a:p>
+            <a:r>
+              <a:rPr lang="fr-FR" sz="2400" dirty="0"/>
+              <a:t>Classement</a:t>
+            </a:r>
+          </a:p>
+          <a:p>
+            <a:endParaRPr lang="fr-FR" sz="2400" dirty="0"/>
+          </a:p>
+          <a:p>
+            <a:r>
+              <a:rPr lang="fr-FR" sz="2400" dirty="0"/>
+              <a:t>Compte membre</a:t>
+            </a:r>
+          </a:p>
+        </p:txBody>
+      </p:sp>
     </p:spTree>
     <p:extLst>
       <p:ext uri="{BB962C8B-B14F-4D97-AF65-F5344CB8AC3E}">
-        <p14:creationId xmlns:p14="http://schemas.microsoft.com/office/powerpoint/2010/main" val="742252080"/>
+        <p14:creationId xmlns:p14="http://schemas.microsoft.com/office/powerpoint/2010/main" val="3806654098"/>
       </p:ext>
     </p:extLst>
   </p:cSld>

--- a/doc/PresentationYourQuiz.pptx
+++ b/doc/PresentationYourQuiz.pptx
@@ -10,10 +10,10 @@
   <p:sldIdLst>
     <p:sldId id="256" r:id="rId2"/>
     <p:sldId id="257" r:id="rId3"/>
-    <p:sldId id="259" r:id="rId4"/>
-    <p:sldId id="271" r:id="rId5"/>
-    <p:sldId id="260" r:id="rId6"/>
-    <p:sldId id="261" r:id="rId7"/>
+    <p:sldId id="271" r:id="rId4"/>
+    <p:sldId id="260" r:id="rId5"/>
+    <p:sldId id="261" r:id="rId6"/>
+    <p:sldId id="259" r:id="rId7"/>
     <p:sldId id="262" r:id="rId8"/>
     <p:sldId id="258" r:id="rId9"/>
     <p:sldId id="263" r:id="rId10"/>
@@ -128,10 +128,6 @@
     </p:ext>
   </p:extLst>
 </p:presentation>
-</file>
-
-<file path=ppt/revisionInfo.xml><?xml version="1.0" encoding="utf-8"?>
-<p1510:revInfo xmlns:a="http://schemas.openxmlformats.org/drawingml/2006/main" xmlns:r="http://schemas.openxmlformats.org/officeDocument/2006/relationships" xmlns:p1510="http://schemas.microsoft.com/office/powerpoint/2015/10/main"/>
 </file>
 
 <file path=ppt/notesMasters/notesMaster1.xml><?xml version="1.0" encoding="utf-8"?>
@@ -578,7 +574,7 @@
           <a:effectLst/>
           <a:extLst>
             <a:ext uri="{91240B29-F687-4f45-9708-019B960494DF}">
-              <a14:hiddenLine xmlns="" xmlns:a14="http://schemas.microsoft.com/office/drawing/2010/main" w="9525">
+              <a14:hiddenLine xmlns:a14="http://schemas.microsoft.com/office/drawing/2010/main" xmlns="" w="9525">
                 <a:solidFill>
                   <a:srgbClr val="000000"/>
                 </a:solidFill>
@@ -770,7 +766,7 @@
           <a:p>
             <a:fld id="{1455D76D-FB2A-0B46-A2A1-888E48C192D1}" type="datetime1">
               <a:rPr lang="fr-CH" smtClean="0"/>
-              <a:t>18.04.2018</a:t>
+              <a:t>18.04.18</a:t>
             </a:fld>
             <a:endParaRPr lang="en-US" dirty="0"/>
           </a:p>
@@ -1089,7 +1085,7 @@
           <a:p>
             <a:fld id="{4FAE76F7-962A-9F48-A727-EA55A3023C91}" type="datetime1">
               <a:rPr lang="fr-CH" smtClean="0"/>
-              <a:t>18.04.2018</a:t>
+              <a:t>18.04.18</a:t>
             </a:fld>
             <a:endParaRPr lang="en-US" dirty="0"/>
           </a:p>
@@ -1578,7 +1574,7 @@
           <a:p>
             <a:fld id="{72AB5B2A-4D06-234D-AAFB-398BCCF6E6BB}" type="datetime1">
               <a:rPr lang="fr-CH" smtClean="0"/>
-              <a:t>18.04.2018</a:t>
+              <a:t>18.04.18</a:t>
             </a:fld>
             <a:endParaRPr lang="en-US" dirty="0"/>
           </a:p>
@@ -1948,7 +1944,7 @@
           <a:p>
             <a:fld id="{C7BC672D-5B88-3045-9871-F73F625DB239}" type="datetime1">
               <a:rPr lang="fr-CH" smtClean="0"/>
-              <a:t>18.04.2018</a:t>
+              <a:t>18.04.18</a:t>
             </a:fld>
             <a:endParaRPr lang="en-US" dirty="0"/>
           </a:p>
@@ -2104,7 +2100,7 @@
           <a:ln/>
           <a:extLst>
             <a:ext uri="{91240B29-F687-4f45-9708-019B960494DF}">
-              <a14:hiddenLine xmlns="" xmlns:a14="http://schemas.microsoft.com/office/drawing/2010/main" w="9525">
+              <a14:hiddenLine xmlns:a14="http://schemas.microsoft.com/office/drawing/2010/main" xmlns="" w="9525">
                 <a:solidFill>
                   <a:srgbClr val="000000"/>
                 </a:solidFill>
@@ -2222,7 +2218,7 @@
           <a:p>
             <a:fld id="{4DCF57ED-3D15-E54C-BE48-EFDC91B754BD}" type="datetime1">
               <a:rPr lang="fr-CH" smtClean="0"/>
-              <a:t>18.04.2018</a:t>
+              <a:t>18.04.18</a:t>
             </a:fld>
             <a:endParaRPr lang="en-US" dirty="0"/>
           </a:p>
@@ -2380,7 +2376,7 @@
           <a:ln/>
           <a:extLst>
             <a:ext uri="{91240B29-F687-4f45-9708-019B960494DF}">
-              <a14:hiddenLine xmlns="" xmlns:a14="http://schemas.microsoft.com/office/drawing/2010/main" w="9525">
+              <a14:hiddenLine xmlns:a14="http://schemas.microsoft.com/office/drawing/2010/main" xmlns="" w="9525">
                 <a:solidFill>
                   <a:srgbClr val="000000"/>
                 </a:solidFill>
@@ -2508,7 +2504,7 @@
           <a:p>
             <a:fld id="{767C7FD0-FF74-144D-B447-ED8085F5F2F4}" type="datetime1">
               <a:rPr lang="fr-CH" smtClean="0"/>
-              <a:t>18.04.2018</a:t>
+              <a:t>18.04.18</a:t>
             </a:fld>
             <a:endParaRPr lang="en-US" dirty="0"/>
           </a:p>
@@ -2664,7 +2660,7 @@
           <a:ln/>
           <a:extLst>
             <a:ext uri="{91240B29-F687-4f45-9708-019B960494DF}">
-              <a14:hiddenLine xmlns="" xmlns:a14="http://schemas.microsoft.com/office/drawing/2010/main" w="9525">
+              <a14:hiddenLine xmlns:a14="http://schemas.microsoft.com/office/drawing/2010/main" xmlns="" w="9525">
                 <a:solidFill>
                   <a:srgbClr val="000000"/>
                 </a:solidFill>
@@ -2792,7 +2788,7 @@
           <a:p>
             <a:fld id="{DB43630B-ABB7-8A40-B5C3-A3034F4E1849}" type="datetime1">
               <a:rPr lang="fr-CH" smtClean="0"/>
-              <a:t>18.04.2018</a:t>
+              <a:t>18.04.18</a:t>
             </a:fld>
             <a:endParaRPr lang="en-US" dirty="0"/>
           </a:p>
@@ -3136,7 +3132,7 @@
           <a:p>
             <a:fld id="{51FF6FCA-5D00-9B4B-87D4-61D6DF9BEB28}" type="datetime1">
               <a:rPr lang="fr-CH" smtClean="0"/>
-              <a:t>18.04.2018</a:t>
+              <a:t>18.04.18</a:t>
             </a:fld>
             <a:endParaRPr lang="en-US" dirty="0"/>
           </a:p>
@@ -3292,7 +3288,7 @@
           <a:ln/>
           <a:extLst>
             <a:ext uri="{91240B29-F687-4f45-9708-019B960494DF}">
-              <a14:hiddenLine xmlns="" xmlns:a14="http://schemas.microsoft.com/office/drawing/2010/main" w="9525">
+              <a14:hiddenLine xmlns:a14="http://schemas.microsoft.com/office/drawing/2010/main" xmlns="" w="9525">
                 <a:solidFill>
                   <a:srgbClr val="000000"/>
                 </a:solidFill>
@@ -3476,7 +3472,7 @@
           <a:p>
             <a:fld id="{2915151F-8AA9-804C-AC3B-871B456B9A5A}" type="datetime1">
               <a:rPr lang="fr-CH" smtClean="0"/>
-              <a:t>18.04.2018</a:t>
+              <a:t>18.04.18</a:t>
             </a:fld>
             <a:endParaRPr lang="en-US" dirty="0"/>
           </a:p>
@@ -3632,7 +3628,7 @@
           <a:ln/>
           <a:extLst>
             <a:ext uri="{91240B29-F687-4f45-9708-019B960494DF}">
-              <a14:hiddenLine xmlns="" xmlns:a14="http://schemas.microsoft.com/office/drawing/2010/main" w="9525">
+              <a14:hiddenLine xmlns:a14="http://schemas.microsoft.com/office/drawing/2010/main" xmlns="" w="9525">
                 <a:solidFill>
                   <a:srgbClr val="000000"/>
                 </a:solidFill>
@@ -3954,7 +3950,7 @@
           <a:p>
             <a:fld id="{94298259-8E19-CE43-9D3B-289DFEE4D9F8}" type="datetime1">
               <a:rPr lang="fr-CH" smtClean="0"/>
-              <a:t>18.04.2018</a:t>
+              <a:t>18.04.18</a:t>
             </a:fld>
             <a:endParaRPr lang="en-US" dirty="0"/>
           </a:p>
@@ -4110,7 +4106,7 @@
           <a:ln/>
           <a:extLst>
             <a:ext uri="{91240B29-F687-4f45-9708-019B960494DF}">
-              <a14:hiddenLine xmlns="" xmlns:a14="http://schemas.microsoft.com/office/drawing/2010/main" w="9525">
+              <a14:hiddenLine xmlns:a14="http://schemas.microsoft.com/office/drawing/2010/main" xmlns="" w="9525">
                 <a:solidFill>
                   <a:srgbClr val="000000"/>
                 </a:solidFill>
@@ -4176,7 +4172,7 @@
           <a:p>
             <a:fld id="{FF1ABA2C-2E0D-934F-B42F-A611886CE0E0}" type="datetime1">
               <a:rPr lang="fr-CH" smtClean="0"/>
-              <a:t>18.04.2018</a:t>
+              <a:t>18.04.18</a:t>
             </a:fld>
             <a:endParaRPr lang="en-US" dirty="0"/>
           </a:p>
@@ -4272,7 +4268,7 @@
           <a:p>
             <a:fld id="{2C76BCC3-8ABD-5740-8565-97505886A20A}" type="datetime1">
               <a:rPr lang="fr-CH" smtClean="0"/>
-              <a:t>18.04.2018</a:t>
+              <a:t>18.04.18</a:t>
             </a:fld>
             <a:endParaRPr lang="en-US" dirty="0"/>
           </a:p>
@@ -4541,7 +4537,7 @@
           <a:ln/>
           <a:extLst>
             <a:ext uri="{91240B29-F687-4f45-9708-019B960494DF}">
-              <a14:hiddenLine xmlns="" xmlns:a14="http://schemas.microsoft.com/office/drawing/2010/main" w="9525">
+              <a14:hiddenLine xmlns:a14="http://schemas.microsoft.com/office/drawing/2010/main" xmlns="" w="9525">
                 <a:solidFill>
                   <a:srgbClr val="000000"/>
                 </a:solidFill>
@@ -4740,7 +4736,7 @@
           <a:p>
             <a:fld id="{4F4CFC60-D031-4247-A341-6ABFFEE6D3D8}" type="datetime1">
               <a:rPr lang="fr-CH" smtClean="0"/>
-              <a:t>18.04.2018</a:t>
+              <a:t>18.04.18</a:t>
             </a:fld>
             <a:endParaRPr lang="en-US" dirty="0"/>
           </a:p>
@@ -5054,7 +5050,7 @@
           <a:p>
             <a:fld id="{75C31DC1-2565-8849-9FDF-806F5D81533A}" type="datetime1">
               <a:rPr lang="fr-CH" smtClean="0"/>
-              <a:t>18.04.2018</a:t>
+              <a:t>18.04.18</a:t>
             </a:fld>
             <a:endParaRPr lang="en-US" dirty="0"/>
           </a:p>
@@ -5325,7 +5321,7 @@
           <a:p>
             <a:fld id="{57B2C19E-9FF0-3F43-B988-D0422814DA79}" type="datetime1">
               <a:rPr lang="fr-CH" smtClean="0"/>
-              <a:t>18.04.2018</a:t>
+              <a:t>18.04.18</a:t>
             </a:fld>
             <a:endParaRPr lang="en-US" dirty="0"/>
           </a:p>
@@ -7876,7 +7872,75 @@
           <a:p>
             <a:r>
               <a:rPr lang="fr-FR" dirty="0"/>
-              <a:t>Technologies utilisées</a:t>
+              <a:t>Rappel des besoins</a:t>
+            </a:r>
+          </a:p>
+        </p:txBody>
+      </p:sp>
+      <p:sp>
+        <p:nvSpPr>
+          <p:cNvPr id="5" name="Espace réservé du contenu 4">
+            <a:extLst>
+              <a:ext uri="{FF2B5EF4-FFF2-40B4-BE49-F238E27FC236}">
+                <a16:creationId xmlns:a16="http://schemas.microsoft.com/office/drawing/2014/main" id="{F34115A5-0928-9045-BC86-FE1B769DDA00}"/>
+              </a:ext>
+            </a:extLst>
+          </p:cNvPr>
+          <p:cNvSpPr>
+            <a:spLocks noGrp="1"/>
+          </p:cNvSpPr>
+          <p:nvPr>
+            <p:ph idx="1"/>
+          </p:nvPr>
+        </p:nvSpPr>
+        <p:spPr>
+          <a:xfrm>
+            <a:off x="0" y="2279376"/>
+            <a:ext cx="3986752" cy="3636511"/>
+          </a:xfrm>
+        </p:spPr>
+        <p:txBody>
+          <a:bodyPr/>
+          <a:lstStyle/>
+          <a:p>
+            <a:r>
+              <a:rPr lang="fr-FR" dirty="0"/>
+              <a:t>Exigences du projet</a:t>
+            </a:r>
+          </a:p>
+          <a:p>
+            <a:pPr lvl="1"/>
+            <a:r>
+              <a:rPr lang="fr-FR" dirty="0"/>
+              <a:t>Règles</a:t>
+            </a:r>
+          </a:p>
+          <a:p>
+            <a:pPr lvl="1"/>
+            <a:r>
+              <a:rPr lang="fr-FR" dirty="0"/>
+              <a:t>Rôles</a:t>
+            </a:r>
+          </a:p>
+          <a:p>
+            <a:pPr lvl="1"/>
+            <a:r>
+              <a:rPr lang="fr-FR" dirty="0"/>
+              <a:t>Client Web / Mobile</a:t>
+            </a:r>
+          </a:p>
+          <a:p>
+            <a:pPr lvl="1"/>
+            <a:r>
+              <a:rPr lang="fr-FR" dirty="0"/>
+              <a:t>Déploiement cloud</a:t>
+            </a:r>
+          </a:p>
+          <a:p>
+            <a:pPr lvl="1"/>
+            <a:r>
+              <a:rPr lang="fr-FR" dirty="0"/>
+              <a:t>Tests</a:t>
             </a:r>
           </a:p>
         </p:txBody>
@@ -7911,510 +7975,12 @@
           </a:p>
         </p:txBody>
       </p:sp>
-      <p:pic>
-        <p:nvPicPr>
-          <p:cNvPr id="14" name="Image 13">
+      <p:sp>
+        <p:nvSpPr>
+          <p:cNvPr id="7" name="Espace réservé du contenu 4">
             <a:extLst>
               <a:ext uri="{FF2B5EF4-FFF2-40B4-BE49-F238E27FC236}">
-                <a16:creationId xmlns:a16="http://schemas.microsoft.com/office/drawing/2014/main" id="{784F2515-FFD4-40FD-9A01-1587A13B7BE2}"/>
-              </a:ext>
-            </a:extLst>
-          </p:cNvPr>
-          <p:cNvPicPr>
-            <a:picLocks noChangeAspect="1"/>
-          </p:cNvPicPr>
-          <p:nvPr/>
-        </p:nvPicPr>
-        <p:blipFill>
-          <a:blip r:embed="rId2"/>
-          <a:stretch>
-            <a:fillRect/>
-          </a:stretch>
-        </p:blipFill>
-        <p:spPr>
-          <a:xfrm>
-            <a:off x="6352450" y="5241390"/>
-            <a:ext cx="1581324" cy="1236308"/>
-          </a:xfrm>
-          <a:prstGeom prst="rect">
-            <a:avLst/>
-          </a:prstGeom>
-        </p:spPr>
-      </p:pic>
-      <p:pic>
-        <p:nvPicPr>
-          <p:cNvPr id="18" name="Image 17">
-            <a:extLst>
-              <a:ext uri="{FF2B5EF4-FFF2-40B4-BE49-F238E27FC236}">
-                <a16:creationId xmlns:a16="http://schemas.microsoft.com/office/drawing/2014/main" id="{4A0BC9C5-5CA2-4341-8306-CB65143D1DA4}"/>
-              </a:ext>
-            </a:extLst>
-          </p:cNvPr>
-          <p:cNvPicPr>
-            <a:picLocks noChangeAspect="1"/>
-          </p:cNvPicPr>
-          <p:nvPr/>
-        </p:nvPicPr>
-        <p:blipFill>
-          <a:blip r:embed="rId3"/>
-          <a:stretch>
-            <a:fillRect/>
-          </a:stretch>
-        </p:blipFill>
-        <p:spPr>
-          <a:xfrm>
-            <a:off x="3287923" y="5142511"/>
-            <a:ext cx="2335836" cy="540359"/>
-          </a:xfrm>
-          <a:prstGeom prst="rect">
-            <a:avLst/>
-          </a:prstGeom>
-        </p:spPr>
-      </p:pic>
-      <p:pic>
-        <p:nvPicPr>
-          <p:cNvPr id="10" name="Image 9">
-            <a:extLst>
-              <a:ext uri="{FF2B5EF4-FFF2-40B4-BE49-F238E27FC236}">
-                <a16:creationId xmlns:a16="http://schemas.microsoft.com/office/drawing/2014/main" id="{D4AEC788-02E0-4438-AAFA-F54DB17E60DB}"/>
-              </a:ext>
-            </a:extLst>
-          </p:cNvPr>
-          <p:cNvPicPr>
-            <a:picLocks noChangeAspect="1"/>
-          </p:cNvPicPr>
-          <p:nvPr/>
-        </p:nvPicPr>
-        <p:blipFill>
-          <a:blip r:embed="rId4"/>
-          <a:stretch>
-            <a:fillRect/>
-          </a:stretch>
-        </p:blipFill>
-        <p:spPr>
-          <a:xfrm>
-            <a:off x="1474904" y="2720112"/>
-            <a:ext cx="1399608" cy="1399608"/>
-          </a:xfrm>
-          <a:prstGeom prst="rect">
-            <a:avLst/>
-          </a:prstGeom>
-        </p:spPr>
-      </p:pic>
-      <p:pic>
-        <p:nvPicPr>
-          <p:cNvPr id="8" name="Image 7">
-            <a:extLst>
-              <a:ext uri="{FF2B5EF4-FFF2-40B4-BE49-F238E27FC236}">
-                <a16:creationId xmlns:a16="http://schemas.microsoft.com/office/drawing/2014/main" id="{267D05EB-BBAC-4141-87A1-DD18DB98559D}"/>
-              </a:ext>
-            </a:extLst>
-          </p:cNvPr>
-          <p:cNvPicPr>
-            <a:picLocks noChangeAspect="1"/>
-          </p:cNvPicPr>
-          <p:nvPr/>
-        </p:nvPicPr>
-        <p:blipFill>
-          <a:blip r:embed="rId5"/>
-          <a:stretch>
-            <a:fillRect/>
-          </a:stretch>
-        </p:blipFill>
-        <p:spPr>
-          <a:xfrm>
-            <a:off x="9366404" y="4528961"/>
-            <a:ext cx="1227099" cy="1227099"/>
-          </a:xfrm>
-          <a:prstGeom prst="rect">
-            <a:avLst/>
-          </a:prstGeom>
-        </p:spPr>
-      </p:pic>
-      <p:pic>
-        <p:nvPicPr>
-          <p:cNvPr id="3" name="Espace réservé du contenu 2">
-            <a:extLst>
-              <a:ext uri="{FF2B5EF4-FFF2-40B4-BE49-F238E27FC236}">
-                <a16:creationId xmlns:a16="http://schemas.microsoft.com/office/drawing/2014/main" id="{BC0B4467-BF0B-4182-878C-3A1DF9829655}"/>
-              </a:ext>
-            </a:extLst>
-          </p:cNvPr>
-          <p:cNvPicPr>
-            <a:picLocks noGrp="1" noChangeAspect="1"/>
-          </p:cNvPicPr>
-          <p:nvPr>
-            <p:ph idx="1"/>
-          </p:nvPr>
-        </p:nvPicPr>
-        <p:blipFill>
-          <a:blip r:embed="rId6"/>
-          <a:stretch>
-            <a:fillRect/>
-          </a:stretch>
-        </p:blipFill>
-        <p:spPr>
-          <a:xfrm>
-            <a:off x="924566" y="4850217"/>
-            <a:ext cx="1394185" cy="1394185"/>
-          </a:xfrm>
-        </p:spPr>
-      </p:pic>
-      <p:pic>
-        <p:nvPicPr>
-          <p:cNvPr id="16" name="Image 15">
-            <a:extLst>
-              <a:ext uri="{FF2B5EF4-FFF2-40B4-BE49-F238E27FC236}">
-                <a16:creationId xmlns:a16="http://schemas.microsoft.com/office/drawing/2014/main" id="{526FC563-B798-4AAE-A8C9-29E2B0E924CC}"/>
-              </a:ext>
-            </a:extLst>
-          </p:cNvPr>
-          <p:cNvPicPr>
-            <a:picLocks noChangeAspect="1"/>
-          </p:cNvPicPr>
-          <p:nvPr/>
-        </p:nvPicPr>
-        <p:blipFill>
-          <a:blip r:embed="rId7">
-            <a:extLst>
-              <a:ext uri="{BEBA8EAE-BF5A-486C-A8C5-ECC9F3942E4B}">
-                <a14:imgProps xmlns:a14="http://schemas.microsoft.com/office/drawing/2010/main">
-                  <a14:imgLayer r:embed="rId8">
-                    <a14:imgEffect>
-                      <a14:brightnessContrast contrast="40000"/>
-                    </a14:imgEffect>
-                  </a14:imgLayer>
-                </a14:imgProps>
-              </a:ext>
-            </a:extLst>
-          </a:blip>
-          <a:stretch>
-            <a:fillRect/>
-          </a:stretch>
-        </p:blipFill>
-        <p:spPr>
-          <a:xfrm>
-            <a:off x="6617157" y="3744601"/>
-            <a:ext cx="1833756" cy="1123046"/>
-          </a:xfrm>
-          <a:prstGeom prst="rect">
-            <a:avLst/>
-          </a:prstGeom>
-        </p:spPr>
-      </p:pic>
-      <p:pic>
-        <p:nvPicPr>
-          <p:cNvPr id="12" name="Image 11">
-            <a:extLst>
-              <a:ext uri="{FF2B5EF4-FFF2-40B4-BE49-F238E27FC236}">
-                <a16:creationId xmlns:a16="http://schemas.microsoft.com/office/drawing/2014/main" id="{7842924B-4D94-4CB3-8C6C-E9E25BEAE875}"/>
-              </a:ext>
-            </a:extLst>
-          </p:cNvPr>
-          <p:cNvPicPr>
-            <a:picLocks noChangeAspect="1"/>
-          </p:cNvPicPr>
-          <p:nvPr/>
-        </p:nvPicPr>
-        <p:blipFill>
-          <a:blip r:embed="rId9"/>
-          <a:stretch>
-            <a:fillRect/>
-          </a:stretch>
-        </p:blipFill>
-        <p:spPr>
-          <a:xfrm>
-            <a:off x="4466158" y="2283607"/>
-            <a:ext cx="1460994" cy="1460994"/>
-          </a:xfrm>
-          <a:prstGeom prst="rect">
-            <a:avLst/>
-          </a:prstGeom>
-        </p:spPr>
-      </p:pic>
-      <p:pic>
-        <p:nvPicPr>
-          <p:cNvPr id="20" name="Image 19">
-            <a:extLst>
-              <a:ext uri="{FF2B5EF4-FFF2-40B4-BE49-F238E27FC236}">
-                <a16:creationId xmlns:a16="http://schemas.microsoft.com/office/drawing/2014/main" id="{30BFE1FB-8EF1-4D9C-A861-3BF7C99593AF}"/>
-              </a:ext>
-            </a:extLst>
-          </p:cNvPr>
-          <p:cNvPicPr>
-            <a:picLocks noChangeAspect="1"/>
-          </p:cNvPicPr>
-          <p:nvPr/>
-        </p:nvPicPr>
-        <p:blipFill rotWithShape="1">
-          <a:blip r:embed="rId10"/>
-          <a:srcRect t="36012" b="33688"/>
-          <a:stretch/>
-        </p:blipFill>
-        <p:spPr>
-          <a:xfrm>
-            <a:off x="8419501" y="2577246"/>
-            <a:ext cx="1878792" cy="569270"/>
-          </a:xfrm>
-          <a:prstGeom prst="rect">
-            <a:avLst/>
-          </a:prstGeom>
-        </p:spPr>
-      </p:pic>
-    </p:spTree>
-    <p:extLst>
-      <p:ext uri="{BB962C8B-B14F-4D97-AF65-F5344CB8AC3E}">
-        <p14:creationId xmlns:p14="http://schemas.microsoft.com/office/powerpoint/2010/main" val="1655353834"/>
-      </p:ext>
-    </p:extLst>
-  </p:cSld>
-  <p:clrMapOvr>
-    <a:masterClrMapping/>
-  </p:clrMapOvr>
-</p:sld>
-</file>
-
-<file path=ppt/slides/slide4.xml><?xml version="1.0" encoding="utf-8"?>
-<p:sld xmlns:a="http://schemas.openxmlformats.org/drawingml/2006/main" xmlns:r="http://schemas.openxmlformats.org/officeDocument/2006/relationships" xmlns:p="http://schemas.openxmlformats.org/presentationml/2006/main">
-  <p:cSld>
-    <p:spTree>
-      <p:nvGrpSpPr>
-        <p:cNvPr id="1" name=""/>
-        <p:cNvGrpSpPr/>
-        <p:nvPr/>
-      </p:nvGrpSpPr>
-      <p:grpSpPr>
-        <a:xfrm>
-          <a:off x="0" y="0"/>
-          <a:ext cx="0" cy="0"/>
-          <a:chOff x="0" y="0"/>
-          <a:chExt cx="0" cy="0"/>
-        </a:xfrm>
-      </p:grpSpPr>
-      <p:sp>
-        <p:nvSpPr>
-          <p:cNvPr id="4" name="Titre 3">
-            <a:extLst>
-              <a:ext uri="{FF2B5EF4-FFF2-40B4-BE49-F238E27FC236}">
-                <a16:creationId xmlns:a16="http://schemas.microsoft.com/office/drawing/2014/main" id="{53A9869D-A741-9647-B825-1F8349DCD62C}"/>
-              </a:ext>
-            </a:extLst>
-          </p:cNvPr>
-          <p:cNvSpPr>
-            <a:spLocks noGrp="1"/>
-          </p:cNvSpPr>
-          <p:nvPr>
-            <p:ph type="title"/>
-          </p:nvPr>
-        </p:nvSpPr>
-        <p:spPr/>
-        <p:txBody>
-          <a:bodyPr/>
-          <a:lstStyle/>
-          <a:p>
-            <a:r>
-              <a:rPr lang="fr-FR" dirty="0"/>
-              <a:t>Rappel des besoins</a:t>
-            </a:r>
-          </a:p>
-        </p:txBody>
-      </p:sp>
-      <p:sp>
-        <p:nvSpPr>
-          <p:cNvPr id="5" name="Espace réservé du contenu 4">
-            <a:extLst>
-              <a:ext uri="{FF2B5EF4-FFF2-40B4-BE49-F238E27FC236}">
-                <a16:creationId xmlns:a16="http://schemas.microsoft.com/office/drawing/2014/main" id="{F34115A5-0928-9045-BC86-FE1B769DDA00}"/>
-              </a:ext>
-            </a:extLst>
-          </p:cNvPr>
-          <p:cNvSpPr>
-            <a:spLocks noGrp="1"/>
-          </p:cNvSpPr>
-          <p:nvPr>
-            <p:ph idx="1"/>
-          </p:nvPr>
-        </p:nvSpPr>
-        <p:spPr/>
-        <p:txBody>
-          <a:bodyPr/>
-          <a:lstStyle/>
-          <a:p>
-            <a:endParaRPr lang="fr-FR"/>
-          </a:p>
-        </p:txBody>
-      </p:sp>
-      <p:sp>
-        <p:nvSpPr>
-          <p:cNvPr id="6" name="Espace réservé du numéro de diapositive 5">
-            <a:extLst>
-              <a:ext uri="{FF2B5EF4-FFF2-40B4-BE49-F238E27FC236}">
-                <a16:creationId xmlns:a16="http://schemas.microsoft.com/office/drawing/2014/main" id="{50E7947E-BFE0-C24B-B93A-D032EF220385}"/>
-              </a:ext>
-            </a:extLst>
-          </p:cNvPr>
-          <p:cNvSpPr>
-            <a:spLocks noGrp="1"/>
-          </p:cNvSpPr>
-          <p:nvPr>
-            <p:ph type="sldNum" sz="quarter" idx="12"/>
-          </p:nvPr>
-        </p:nvSpPr>
-        <p:spPr/>
-        <p:txBody>
-          <a:bodyPr/>
-          <a:lstStyle/>
-          <a:p>
-            <a:fld id="{D57F1E4F-1CFF-5643-939E-217C01CDF565}" type="slidenum">
-              <a:rPr lang="en-US" smtClean="0"/>
-              <a:pPr/>
-              <a:t>4</a:t>
-            </a:fld>
-            <a:endParaRPr lang="en-US" dirty="0"/>
-          </a:p>
-        </p:txBody>
-      </p:sp>
-    </p:spTree>
-    <p:extLst>
-      <p:ext uri="{BB962C8B-B14F-4D97-AF65-F5344CB8AC3E}">
-        <p14:creationId xmlns:p14="http://schemas.microsoft.com/office/powerpoint/2010/main" val="86629840"/>
-      </p:ext>
-    </p:extLst>
-  </p:cSld>
-  <p:clrMapOvr>
-    <a:masterClrMapping/>
-  </p:clrMapOvr>
-</p:sld>
-</file>
-
-<file path=ppt/slides/slide5.xml><?xml version="1.0" encoding="utf-8"?>
-<p:sld xmlns:a="http://schemas.openxmlformats.org/drawingml/2006/main" xmlns:r="http://schemas.openxmlformats.org/officeDocument/2006/relationships" xmlns:p="http://schemas.openxmlformats.org/presentationml/2006/main">
-  <p:cSld>
-    <p:spTree>
-      <p:nvGrpSpPr>
-        <p:cNvPr id="1" name=""/>
-        <p:cNvGrpSpPr/>
-        <p:nvPr/>
-      </p:nvGrpSpPr>
-      <p:grpSpPr>
-        <a:xfrm>
-          <a:off x="0" y="0"/>
-          <a:ext cx="0" cy="0"/>
-          <a:chOff x="0" y="0"/>
-          <a:chExt cx="0" cy="0"/>
-        </a:xfrm>
-      </p:grpSpPr>
-      <p:sp>
-        <p:nvSpPr>
-          <p:cNvPr id="4" name="Titre 3">
-            <a:extLst>
-              <a:ext uri="{FF2B5EF4-FFF2-40B4-BE49-F238E27FC236}">
-                <a16:creationId xmlns:a16="http://schemas.microsoft.com/office/drawing/2014/main" id="{53A9869D-A741-9647-B825-1F8349DCD62C}"/>
-              </a:ext>
-            </a:extLst>
-          </p:cNvPr>
-          <p:cNvSpPr>
-            <a:spLocks noGrp="1"/>
-          </p:cNvSpPr>
-          <p:nvPr>
-            <p:ph type="title"/>
-          </p:nvPr>
-        </p:nvSpPr>
-        <p:spPr/>
-        <p:txBody>
-          <a:bodyPr/>
-          <a:lstStyle/>
-          <a:p>
-            <a:r>
-              <a:rPr lang="fr-FR" dirty="0"/>
-              <a:t>Analyse</a:t>
-            </a:r>
-          </a:p>
-        </p:txBody>
-      </p:sp>
-      <p:sp>
-        <p:nvSpPr>
-          <p:cNvPr id="5" name="Espace réservé du contenu 4">
-            <a:extLst>
-              <a:ext uri="{FF2B5EF4-FFF2-40B4-BE49-F238E27FC236}">
-                <a16:creationId xmlns:a16="http://schemas.microsoft.com/office/drawing/2014/main" id="{F34115A5-0928-9045-BC86-FE1B769DDA00}"/>
-              </a:ext>
-            </a:extLst>
-          </p:cNvPr>
-          <p:cNvSpPr>
-            <a:spLocks noGrp="1"/>
-          </p:cNvSpPr>
-          <p:nvPr>
-            <p:ph idx="1"/>
-          </p:nvPr>
-        </p:nvSpPr>
-        <p:spPr>
-          <a:xfrm>
-            <a:off x="894126" y="2790334"/>
-            <a:ext cx="4139787" cy="2135210"/>
-          </a:xfrm>
-        </p:spPr>
-        <p:txBody>
-          <a:bodyPr/>
-          <a:lstStyle/>
-          <a:p>
-            <a:r>
-              <a:rPr lang="fr-FR" sz="2400" dirty="0"/>
-              <a:t>Définition des rôles</a:t>
-            </a:r>
-          </a:p>
-          <a:p>
-            <a:pPr lvl="1"/>
-            <a:r>
-              <a:rPr lang="fr-FR" sz="1800" dirty="0"/>
-              <a:t>Utilisateur anonyme</a:t>
-            </a:r>
-          </a:p>
-          <a:p>
-            <a:pPr lvl="1"/>
-            <a:r>
-              <a:rPr lang="fr-FR" sz="1800" dirty="0"/>
-              <a:t>Utilisateur connecté</a:t>
-            </a:r>
-          </a:p>
-        </p:txBody>
-      </p:sp>
-      <p:sp>
-        <p:nvSpPr>
-          <p:cNvPr id="2" name="Espace réservé du numéro de diapositive 1">
-            <a:extLst>
-              <a:ext uri="{FF2B5EF4-FFF2-40B4-BE49-F238E27FC236}">
-                <a16:creationId xmlns:a16="http://schemas.microsoft.com/office/drawing/2014/main" id="{9209D3D6-7CBF-5742-AF92-A934CA62DFEC}"/>
-              </a:ext>
-            </a:extLst>
-          </p:cNvPr>
-          <p:cNvSpPr>
-            <a:spLocks noGrp="1"/>
-          </p:cNvSpPr>
-          <p:nvPr>
-            <p:ph type="sldNum" sz="quarter" idx="12"/>
-          </p:nvPr>
-        </p:nvSpPr>
-        <p:spPr/>
-        <p:txBody>
-          <a:bodyPr/>
-          <a:lstStyle/>
-          <a:p>
-            <a:fld id="{D57F1E4F-1CFF-5643-939E-217C01CDF565}" type="slidenum">
-              <a:rPr lang="en-US" smtClean="0"/>
-              <a:pPr/>
-              <a:t>5</a:t>
-            </a:fld>
-            <a:endParaRPr lang="en-US" dirty="0"/>
-          </a:p>
-        </p:txBody>
-      </p:sp>
-      <p:sp>
-        <p:nvSpPr>
-          <p:cNvPr id="6" name="Espace réservé du contenu 4">
-            <a:extLst>
-              <a:ext uri="{FF2B5EF4-FFF2-40B4-BE49-F238E27FC236}">
-                <a16:creationId xmlns:a16="http://schemas.microsoft.com/office/drawing/2014/main" id="{DD5924B5-75FB-45DC-8E65-6DC6C80C040D}"/>
+                <a16:creationId xmlns:a16="http://schemas.microsoft.com/office/drawing/2014/main" id="{5E8A0D3E-6AFD-C945-A1F2-2B05A9F4F9F5}"/>
               </a:ext>
             </a:extLst>
           </p:cNvPr>
@@ -8425,8 +7991,8 @@
         </p:nvSpPr>
         <p:spPr>
           <a:xfrm>
-            <a:off x="6023879" y="2223855"/>
-            <a:ext cx="4139787" cy="3636511"/>
+            <a:off x="4102623" y="2279375"/>
+            <a:ext cx="3986752" cy="3636511"/>
           </a:xfrm>
           <a:prstGeom prst="rect">
             <a:avLst/>
@@ -8636,6 +8202,667 @@
           </a:lstStyle>
           <a:p>
             <a:r>
+              <a:rPr lang="fr-FR" dirty="0"/>
+              <a:t>Exigences fonctionnelles</a:t>
+            </a:r>
+          </a:p>
+          <a:p>
+            <a:pPr lvl="1"/>
+            <a:r>
+              <a:rPr lang="fr-FR" dirty="0"/>
+              <a:t>Inscription</a:t>
+            </a:r>
+          </a:p>
+          <a:p>
+            <a:pPr lvl="1"/>
+            <a:r>
+              <a:rPr lang="fr-FR" dirty="0"/>
+              <a:t>Login</a:t>
+            </a:r>
+          </a:p>
+          <a:p>
+            <a:pPr lvl="1"/>
+            <a:r>
+              <a:rPr lang="fr-FR" dirty="0" err="1"/>
+              <a:t>Logout</a:t>
+            </a:r>
+            <a:endParaRPr lang="fr-FR" dirty="0"/>
+          </a:p>
+          <a:p>
+            <a:pPr lvl="1"/>
+            <a:r>
+              <a:rPr lang="fr-FR" dirty="0"/>
+              <a:t>Créer un quiz</a:t>
+            </a:r>
+          </a:p>
+          <a:p>
+            <a:pPr lvl="1"/>
+            <a:r>
+              <a:rPr lang="fr-FR" dirty="0"/>
+              <a:t>Participer à un Quiz</a:t>
+            </a:r>
+          </a:p>
+          <a:p>
+            <a:pPr lvl="1"/>
+            <a:r>
+              <a:rPr lang="fr-FR" dirty="0"/>
+              <a:t>Voir la liste des quiz</a:t>
+            </a:r>
+          </a:p>
+        </p:txBody>
+      </p:sp>
+      <p:sp>
+        <p:nvSpPr>
+          <p:cNvPr id="8" name="Espace réservé du contenu 4">
+            <a:extLst>
+              <a:ext uri="{FF2B5EF4-FFF2-40B4-BE49-F238E27FC236}">
+                <a16:creationId xmlns:a16="http://schemas.microsoft.com/office/drawing/2014/main" id="{399019F4-EB77-DD43-B142-3319F8409C90}"/>
+              </a:ext>
+            </a:extLst>
+          </p:cNvPr>
+          <p:cNvSpPr txBox="1">
+            <a:spLocks/>
+          </p:cNvSpPr>
+          <p:nvPr/>
+        </p:nvSpPr>
+        <p:spPr>
+          <a:xfrm>
+            <a:off x="7973504" y="2279375"/>
+            <a:ext cx="3986752" cy="3636511"/>
+          </a:xfrm>
+          <a:prstGeom prst="rect">
+            <a:avLst/>
+          </a:prstGeom>
+          <a:effectLst>
+            <a:outerShdw blurRad="50800" dir="14400000">
+              <a:srgbClr val="000000">
+                <a:alpha val="40000"/>
+              </a:srgbClr>
+            </a:outerShdw>
+          </a:effectLst>
+        </p:spPr>
+        <p:txBody>
+          <a:bodyPr vert="horz" lIns="91440" tIns="45720" rIns="91440" bIns="45720" rtlCol="0" anchor="ctr">
+            <a:normAutofit/>
+          </a:bodyPr>
+          <a:lstStyle>
+            <a:lvl1pPr marL="342900" indent="-342900" algn="l" defTabSz="457200" rtl="0" eaLnBrk="1" latinLnBrk="0" hangingPunct="1">
+              <a:spcBef>
+                <a:spcPct val="20000"/>
+              </a:spcBef>
+              <a:spcAft>
+                <a:spcPts val="600"/>
+              </a:spcAft>
+              <a:buClr>
+                <a:schemeClr val="accent1"/>
+              </a:buClr>
+              <a:buFont typeface="Wingdings 2" charset="2"/>
+              <a:buChar char=""/>
+              <a:defRPr sz="1800" kern="1200">
+                <a:solidFill>
+                  <a:schemeClr val="tx1"/>
+                </a:solidFill>
+                <a:latin typeface="+mn-lt"/>
+                <a:ea typeface="+mn-ea"/>
+                <a:cs typeface="+mn-cs"/>
+              </a:defRPr>
+            </a:lvl1pPr>
+            <a:lvl2pPr marL="742950" indent="-285750" algn="l" defTabSz="457200" rtl="0" eaLnBrk="1" latinLnBrk="0" hangingPunct="1">
+              <a:spcBef>
+                <a:spcPct val="20000"/>
+              </a:spcBef>
+              <a:spcAft>
+                <a:spcPts val="600"/>
+              </a:spcAft>
+              <a:buClr>
+                <a:schemeClr val="accent1"/>
+              </a:buClr>
+              <a:buFont typeface="Wingdings 2" charset="2"/>
+              <a:buChar char=""/>
+              <a:defRPr sz="1600" kern="1200">
+                <a:solidFill>
+                  <a:schemeClr val="tx1"/>
+                </a:solidFill>
+                <a:latin typeface="+mn-lt"/>
+                <a:ea typeface="+mn-ea"/>
+                <a:cs typeface="+mn-cs"/>
+              </a:defRPr>
+            </a:lvl2pPr>
+            <a:lvl3pPr marL="1143000" indent="-228600" algn="l" defTabSz="457200" rtl="0" eaLnBrk="1" latinLnBrk="0" hangingPunct="1">
+              <a:spcBef>
+                <a:spcPct val="20000"/>
+              </a:spcBef>
+              <a:spcAft>
+                <a:spcPts val="600"/>
+              </a:spcAft>
+              <a:buClr>
+                <a:schemeClr val="accent1"/>
+              </a:buClr>
+              <a:buFont typeface="Wingdings 2" charset="2"/>
+              <a:buChar char=""/>
+              <a:defRPr sz="1400" kern="1200">
+                <a:solidFill>
+                  <a:schemeClr val="tx1"/>
+                </a:solidFill>
+                <a:latin typeface="+mn-lt"/>
+                <a:ea typeface="+mn-ea"/>
+                <a:cs typeface="+mn-cs"/>
+              </a:defRPr>
+            </a:lvl3pPr>
+            <a:lvl4pPr marL="1600200" indent="-228600" algn="l" defTabSz="457200" rtl="0" eaLnBrk="1" latinLnBrk="0" hangingPunct="1">
+              <a:spcBef>
+                <a:spcPct val="20000"/>
+              </a:spcBef>
+              <a:spcAft>
+                <a:spcPts val="600"/>
+              </a:spcAft>
+              <a:buClr>
+                <a:schemeClr val="accent1"/>
+              </a:buClr>
+              <a:buFont typeface="Wingdings 2" charset="2"/>
+              <a:buChar char=""/>
+              <a:defRPr sz="1200" kern="1200">
+                <a:solidFill>
+                  <a:schemeClr val="tx1"/>
+                </a:solidFill>
+                <a:latin typeface="+mn-lt"/>
+                <a:ea typeface="+mn-ea"/>
+                <a:cs typeface="+mn-cs"/>
+              </a:defRPr>
+            </a:lvl4pPr>
+            <a:lvl5pPr marL="2057400" indent="-228600" algn="l" defTabSz="457200" rtl="0" eaLnBrk="1" latinLnBrk="0" hangingPunct="1">
+              <a:spcBef>
+                <a:spcPct val="20000"/>
+              </a:spcBef>
+              <a:spcAft>
+                <a:spcPts val="600"/>
+              </a:spcAft>
+              <a:buClr>
+                <a:schemeClr val="accent1"/>
+              </a:buClr>
+              <a:buFont typeface="Wingdings 2" charset="2"/>
+              <a:buChar char=""/>
+              <a:defRPr sz="1200" kern="1200">
+                <a:solidFill>
+                  <a:schemeClr val="tx1"/>
+                </a:solidFill>
+                <a:latin typeface="+mn-lt"/>
+                <a:ea typeface="+mn-ea"/>
+                <a:cs typeface="+mn-cs"/>
+              </a:defRPr>
+            </a:lvl5pPr>
+            <a:lvl6pPr marL="2400000" indent="-228600" algn="l" defTabSz="457200" rtl="0" eaLnBrk="1" latinLnBrk="0" hangingPunct="1">
+              <a:spcBef>
+                <a:spcPct val="20000"/>
+              </a:spcBef>
+              <a:spcAft>
+                <a:spcPts val="600"/>
+              </a:spcAft>
+              <a:buClr>
+                <a:schemeClr val="accent1"/>
+              </a:buClr>
+              <a:buFont typeface="Wingdings 2" charset="2"/>
+              <a:buChar char=""/>
+              <a:defRPr sz="1200" kern="1200">
+                <a:solidFill>
+                  <a:schemeClr val="tx1"/>
+                </a:solidFill>
+                <a:latin typeface="+mn-lt"/>
+                <a:ea typeface="+mn-ea"/>
+                <a:cs typeface="+mn-cs"/>
+              </a:defRPr>
+            </a:lvl6pPr>
+            <a:lvl7pPr marL="2800000" indent="-228600" algn="l" defTabSz="457200" rtl="0" eaLnBrk="1" latinLnBrk="0" hangingPunct="1">
+              <a:spcBef>
+                <a:spcPct val="20000"/>
+              </a:spcBef>
+              <a:spcAft>
+                <a:spcPts val="600"/>
+              </a:spcAft>
+              <a:buClr>
+                <a:schemeClr val="accent1"/>
+              </a:buClr>
+              <a:buFont typeface="Wingdings 2" charset="2"/>
+              <a:buChar char=""/>
+              <a:defRPr sz="1200" kern="1200">
+                <a:solidFill>
+                  <a:schemeClr val="tx1"/>
+                </a:solidFill>
+                <a:latin typeface="+mn-lt"/>
+                <a:ea typeface="+mn-ea"/>
+                <a:cs typeface="+mn-cs"/>
+              </a:defRPr>
+            </a:lvl7pPr>
+            <a:lvl8pPr marL="3200000" indent="-228600" algn="l" defTabSz="457200" rtl="0" eaLnBrk="1" latinLnBrk="0" hangingPunct="1">
+              <a:spcBef>
+                <a:spcPct val="20000"/>
+              </a:spcBef>
+              <a:spcAft>
+                <a:spcPts val="600"/>
+              </a:spcAft>
+              <a:buClr>
+                <a:schemeClr val="accent1"/>
+              </a:buClr>
+              <a:buFont typeface="Wingdings 2" charset="2"/>
+              <a:buChar char=""/>
+              <a:defRPr sz="1200" kern="1200">
+                <a:solidFill>
+                  <a:schemeClr val="tx1"/>
+                </a:solidFill>
+                <a:latin typeface="+mn-lt"/>
+                <a:ea typeface="+mn-ea"/>
+                <a:cs typeface="+mn-cs"/>
+              </a:defRPr>
+            </a:lvl8pPr>
+            <a:lvl9pPr marL="3600000" indent="-228600" algn="l" defTabSz="457200" rtl="0" eaLnBrk="1" latinLnBrk="0" hangingPunct="1">
+              <a:spcBef>
+                <a:spcPct val="20000"/>
+              </a:spcBef>
+              <a:spcAft>
+                <a:spcPts val="600"/>
+              </a:spcAft>
+              <a:buClr>
+                <a:schemeClr val="accent1"/>
+              </a:buClr>
+              <a:buFont typeface="Wingdings 2" charset="2"/>
+              <a:buChar char=""/>
+              <a:defRPr sz="1200" kern="1200">
+                <a:solidFill>
+                  <a:schemeClr val="tx1"/>
+                </a:solidFill>
+                <a:latin typeface="+mn-lt"/>
+                <a:ea typeface="+mn-ea"/>
+                <a:cs typeface="+mn-cs"/>
+              </a:defRPr>
+            </a:lvl9pPr>
+          </a:lstStyle>
+          <a:p>
+            <a:endParaRPr lang="fr-FR" dirty="0"/>
+          </a:p>
+          <a:p>
+            <a:r>
+              <a:rPr lang="fr-FR" dirty="0"/>
+              <a:t>Exigences non fonctionnelles</a:t>
+            </a:r>
+          </a:p>
+          <a:p>
+            <a:pPr lvl="1"/>
+            <a:r>
+              <a:rPr lang="fr-FR" dirty="0"/>
+              <a:t>Disponibilité</a:t>
+            </a:r>
+          </a:p>
+          <a:p>
+            <a:pPr lvl="1"/>
+            <a:r>
+              <a:rPr lang="fr-FR" dirty="0"/>
+              <a:t>Performance</a:t>
+            </a:r>
+          </a:p>
+        </p:txBody>
+      </p:sp>
+    </p:spTree>
+    <p:extLst>
+      <p:ext uri="{BB962C8B-B14F-4D97-AF65-F5344CB8AC3E}">
+        <p14:creationId xmlns:p14="http://schemas.microsoft.com/office/powerpoint/2010/main" val="86629840"/>
+      </p:ext>
+    </p:extLst>
+  </p:cSld>
+  <p:clrMapOvr>
+    <a:masterClrMapping/>
+  </p:clrMapOvr>
+</p:sld>
+</file>
+
+<file path=ppt/slides/slide4.xml><?xml version="1.0" encoding="utf-8"?>
+<p:sld xmlns:a="http://schemas.openxmlformats.org/drawingml/2006/main" xmlns:r="http://schemas.openxmlformats.org/officeDocument/2006/relationships" xmlns:p="http://schemas.openxmlformats.org/presentationml/2006/main">
+  <p:cSld>
+    <p:spTree>
+      <p:nvGrpSpPr>
+        <p:cNvPr id="1" name=""/>
+        <p:cNvGrpSpPr/>
+        <p:nvPr/>
+      </p:nvGrpSpPr>
+      <p:grpSpPr>
+        <a:xfrm>
+          <a:off x="0" y="0"/>
+          <a:ext cx="0" cy="0"/>
+          <a:chOff x="0" y="0"/>
+          <a:chExt cx="0" cy="0"/>
+        </a:xfrm>
+      </p:grpSpPr>
+      <p:sp>
+        <p:nvSpPr>
+          <p:cNvPr id="4" name="Titre 3">
+            <a:extLst>
+              <a:ext uri="{FF2B5EF4-FFF2-40B4-BE49-F238E27FC236}">
+                <a16:creationId xmlns:a16="http://schemas.microsoft.com/office/drawing/2014/main" id="{53A9869D-A741-9647-B825-1F8349DCD62C}"/>
+              </a:ext>
+            </a:extLst>
+          </p:cNvPr>
+          <p:cNvSpPr>
+            <a:spLocks noGrp="1"/>
+          </p:cNvSpPr>
+          <p:nvPr>
+            <p:ph type="title"/>
+          </p:nvPr>
+        </p:nvSpPr>
+        <p:spPr/>
+        <p:txBody>
+          <a:bodyPr/>
+          <a:lstStyle/>
+          <a:p>
+            <a:r>
+              <a:rPr lang="fr-FR" dirty="0"/>
+              <a:t>Analyse</a:t>
+            </a:r>
+          </a:p>
+        </p:txBody>
+      </p:sp>
+      <p:sp>
+        <p:nvSpPr>
+          <p:cNvPr id="5" name="Espace réservé du contenu 4">
+            <a:extLst>
+              <a:ext uri="{FF2B5EF4-FFF2-40B4-BE49-F238E27FC236}">
+                <a16:creationId xmlns:a16="http://schemas.microsoft.com/office/drawing/2014/main" id="{F34115A5-0928-9045-BC86-FE1B769DDA00}"/>
+              </a:ext>
+            </a:extLst>
+          </p:cNvPr>
+          <p:cNvSpPr>
+            <a:spLocks noGrp="1"/>
+          </p:cNvSpPr>
+          <p:nvPr>
+            <p:ph idx="1"/>
+          </p:nvPr>
+        </p:nvSpPr>
+        <p:spPr>
+          <a:xfrm>
+            <a:off x="894126" y="2790334"/>
+            <a:ext cx="4139787" cy="2135210"/>
+          </a:xfrm>
+        </p:spPr>
+        <p:txBody>
+          <a:bodyPr/>
+          <a:lstStyle/>
+          <a:p>
+            <a:r>
+              <a:rPr lang="fr-FR" sz="2400" dirty="0"/>
+              <a:t>Définition des rôles</a:t>
+            </a:r>
+          </a:p>
+          <a:p>
+            <a:pPr lvl="1"/>
+            <a:r>
+              <a:rPr lang="fr-FR" sz="1800" dirty="0"/>
+              <a:t>Utilisateur anonyme</a:t>
+            </a:r>
+          </a:p>
+          <a:p>
+            <a:pPr lvl="1"/>
+            <a:r>
+              <a:rPr lang="fr-FR" sz="1800" dirty="0"/>
+              <a:t>Utilisateur connecté</a:t>
+            </a:r>
+          </a:p>
+        </p:txBody>
+      </p:sp>
+      <p:sp>
+        <p:nvSpPr>
+          <p:cNvPr id="2" name="Espace réservé du numéro de diapositive 1">
+            <a:extLst>
+              <a:ext uri="{FF2B5EF4-FFF2-40B4-BE49-F238E27FC236}">
+                <a16:creationId xmlns:a16="http://schemas.microsoft.com/office/drawing/2014/main" id="{9209D3D6-7CBF-5742-AF92-A934CA62DFEC}"/>
+              </a:ext>
+            </a:extLst>
+          </p:cNvPr>
+          <p:cNvSpPr>
+            <a:spLocks noGrp="1"/>
+          </p:cNvSpPr>
+          <p:nvPr>
+            <p:ph type="sldNum" sz="quarter" idx="12"/>
+          </p:nvPr>
+        </p:nvSpPr>
+        <p:spPr/>
+        <p:txBody>
+          <a:bodyPr/>
+          <a:lstStyle/>
+          <a:p>
+            <a:fld id="{D57F1E4F-1CFF-5643-939E-217C01CDF565}" type="slidenum">
+              <a:rPr lang="en-US" smtClean="0"/>
+              <a:pPr/>
+              <a:t>4</a:t>
+            </a:fld>
+            <a:endParaRPr lang="en-US" dirty="0"/>
+          </a:p>
+        </p:txBody>
+      </p:sp>
+      <p:sp>
+        <p:nvSpPr>
+          <p:cNvPr id="6" name="Espace réservé du contenu 4">
+            <a:extLst>
+              <a:ext uri="{FF2B5EF4-FFF2-40B4-BE49-F238E27FC236}">
+                <a16:creationId xmlns:a16="http://schemas.microsoft.com/office/drawing/2014/main" id="{DD5924B5-75FB-45DC-8E65-6DC6C80C040D}"/>
+              </a:ext>
+            </a:extLst>
+          </p:cNvPr>
+          <p:cNvSpPr txBox="1">
+            <a:spLocks/>
+          </p:cNvSpPr>
+          <p:nvPr/>
+        </p:nvSpPr>
+        <p:spPr>
+          <a:xfrm>
+            <a:off x="6023879" y="2223855"/>
+            <a:ext cx="4139787" cy="3636511"/>
+          </a:xfrm>
+          <a:prstGeom prst="rect">
+            <a:avLst/>
+          </a:prstGeom>
+          <a:effectLst>
+            <a:outerShdw blurRad="50800" dir="14400000">
+              <a:srgbClr val="000000">
+                <a:alpha val="40000"/>
+              </a:srgbClr>
+            </a:outerShdw>
+          </a:effectLst>
+        </p:spPr>
+        <p:txBody>
+          <a:bodyPr vert="horz" lIns="91440" tIns="45720" rIns="91440" bIns="45720" rtlCol="0" anchor="ctr">
+            <a:normAutofit/>
+          </a:bodyPr>
+          <a:lstStyle>
+            <a:lvl1pPr marL="342900" indent="-342900" algn="l" defTabSz="457200" rtl="0" eaLnBrk="1" latinLnBrk="0" hangingPunct="1">
+              <a:spcBef>
+                <a:spcPct val="20000"/>
+              </a:spcBef>
+              <a:spcAft>
+                <a:spcPts val="600"/>
+              </a:spcAft>
+              <a:buClr>
+                <a:schemeClr val="accent1"/>
+              </a:buClr>
+              <a:buFont typeface="Wingdings 2" charset="2"/>
+              <a:buChar char=""/>
+              <a:defRPr sz="1800" kern="1200">
+                <a:solidFill>
+                  <a:schemeClr val="tx1"/>
+                </a:solidFill>
+                <a:latin typeface="+mn-lt"/>
+                <a:ea typeface="+mn-ea"/>
+                <a:cs typeface="+mn-cs"/>
+              </a:defRPr>
+            </a:lvl1pPr>
+            <a:lvl2pPr marL="742950" indent="-285750" algn="l" defTabSz="457200" rtl="0" eaLnBrk="1" latinLnBrk="0" hangingPunct="1">
+              <a:spcBef>
+                <a:spcPct val="20000"/>
+              </a:spcBef>
+              <a:spcAft>
+                <a:spcPts val="600"/>
+              </a:spcAft>
+              <a:buClr>
+                <a:schemeClr val="accent1"/>
+              </a:buClr>
+              <a:buFont typeface="Wingdings 2" charset="2"/>
+              <a:buChar char=""/>
+              <a:defRPr sz="1600" kern="1200">
+                <a:solidFill>
+                  <a:schemeClr val="tx1"/>
+                </a:solidFill>
+                <a:latin typeface="+mn-lt"/>
+                <a:ea typeface="+mn-ea"/>
+                <a:cs typeface="+mn-cs"/>
+              </a:defRPr>
+            </a:lvl2pPr>
+            <a:lvl3pPr marL="1143000" indent="-228600" algn="l" defTabSz="457200" rtl="0" eaLnBrk="1" latinLnBrk="0" hangingPunct="1">
+              <a:spcBef>
+                <a:spcPct val="20000"/>
+              </a:spcBef>
+              <a:spcAft>
+                <a:spcPts val="600"/>
+              </a:spcAft>
+              <a:buClr>
+                <a:schemeClr val="accent1"/>
+              </a:buClr>
+              <a:buFont typeface="Wingdings 2" charset="2"/>
+              <a:buChar char=""/>
+              <a:defRPr sz="1400" kern="1200">
+                <a:solidFill>
+                  <a:schemeClr val="tx1"/>
+                </a:solidFill>
+                <a:latin typeface="+mn-lt"/>
+                <a:ea typeface="+mn-ea"/>
+                <a:cs typeface="+mn-cs"/>
+              </a:defRPr>
+            </a:lvl3pPr>
+            <a:lvl4pPr marL="1600200" indent="-228600" algn="l" defTabSz="457200" rtl="0" eaLnBrk="1" latinLnBrk="0" hangingPunct="1">
+              <a:spcBef>
+                <a:spcPct val="20000"/>
+              </a:spcBef>
+              <a:spcAft>
+                <a:spcPts val="600"/>
+              </a:spcAft>
+              <a:buClr>
+                <a:schemeClr val="accent1"/>
+              </a:buClr>
+              <a:buFont typeface="Wingdings 2" charset="2"/>
+              <a:buChar char=""/>
+              <a:defRPr sz="1200" kern="1200">
+                <a:solidFill>
+                  <a:schemeClr val="tx1"/>
+                </a:solidFill>
+                <a:latin typeface="+mn-lt"/>
+                <a:ea typeface="+mn-ea"/>
+                <a:cs typeface="+mn-cs"/>
+              </a:defRPr>
+            </a:lvl4pPr>
+            <a:lvl5pPr marL="2057400" indent="-228600" algn="l" defTabSz="457200" rtl="0" eaLnBrk="1" latinLnBrk="0" hangingPunct="1">
+              <a:spcBef>
+                <a:spcPct val="20000"/>
+              </a:spcBef>
+              <a:spcAft>
+                <a:spcPts val="600"/>
+              </a:spcAft>
+              <a:buClr>
+                <a:schemeClr val="accent1"/>
+              </a:buClr>
+              <a:buFont typeface="Wingdings 2" charset="2"/>
+              <a:buChar char=""/>
+              <a:defRPr sz="1200" kern="1200">
+                <a:solidFill>
+                  <a:schemeClr val="tx1"/>
+                </a:solidFill>
+                <a:latin typeface="+mn-lt"/>
+                <a:ea typeface="+mn-ea"/>
+                <a:cs typeface="+mn-cs"/>
+              </a:defRPr>
+            </a:lvl5pPr>
+            <a:lvl6pPr marL="2400000" indent="-228600" algn="l" defTabSz="457200" rtl="0" eaLnBrk="1" latinLnBrk="0" hangingPunct="1">
+              <a:spcBef>
+                <a:spcPct val="20000"/>
+              </a:spcBef>
+              <a:spcAft>
+                <a:spcPts val="600"/>
+              </a:spcAft>
+              <a:buClr>
+                <a:schemeClr val="accent1"/>
+              </a:buClr>
+              <a:buFont typeface="Wingdings 2" charset="2"/>
+              <a:buChar char=""/>
+              <a:defRPr sz="1200" kern="1200">
+                <a:solidFill>
+                  <a:schemeClr val="tx1"/>
+                </a:solidFill>
+                <a:latin typeface="+mn-lt"/>
+                <a:ea typeface="+mn-ea"/>
+                <a:cs typeface="+mn-cs"/>
+              </a:defRPr>
+            </a:lvl6pPr>
+            <a:lvl7pPr marL="2800000" indent="-228600" algn="l" defTabSz="457200" rtl="0" eaLnBrk="1" latinLnBrk="0" hangingPunct="1">
+              <a:spcBef>
+                <a:spcPct val="20000"/>
+              </a:spcBef>
+              <a:spcAft>
+                <a:spcPts val="600"/>
+              </a:spcAft>
+              <a:buClr>
+                <a:schemeClr val="accent1"/>
+              </a:buClr>
+              <a:buFont typeface="Wingdings 2" charset="2"/>
+              <a:buChar char=""/>
+              <a:defRPr sz="1200" kern="1200">
+                <a:solidFill>
+                  <a:schemeClr val="tx1"/>
+                </a:solidFill>
+                <a:latin typeface="+mn-lt"/>
+                <a:ea typeface="+mn-ea"/>
+                <a:cs typeface="+mn-cs"/>
+              </a:defRPr>
+            </a:lvl7pPr>
+            <a:lvl8pPr marL="3200000" indent="-228600" algn="l" defTabSz="457200" rtl="0" eaLnBrk="1" latinLnBrk="0" hangingPunct="1">
+              <a:spcBef>
+                <a:spcPct val="20000"/>
+              </a:spcBef>
+              <a:spcAft>
+                <a:spcPts val="600"/>
+              </a:spcAft>
+              <a:buClr>
+                <a:schemeClr val="accent1"/>
+              </a:buClr>
+              <a:buFont typeface="Wingdings 2" charset="2"/>
+              <a:buChar char=""/>
+              <a:defRPr sz="1200" kern="1200">
+                <a:solidFill>
+                  <a:schemeClr val="tx1"/>
+                </a:solidFill>
+                <a:latin typeface="+mn-lt"/>
+                <a:ea typeface="+mn-ea"/>
+                <a:cs typeface="+mn-cs"/>
+              </a:defRPr>
+            </a:lvl8pPr>
+            <a:lvl9pPr marL="3600000" indent="-228600" algn="l" defTabSz="457200" rtl="0" eaLnBrk="1" latinLnBrk="0" hangingPunct="1">
+              <a:spcBef>
+                <a:spcPct val="20000"/>
+              </a:spcBef>
+              <a:spcAft>
+                <a:spcPts val="600"/>
+              </a:spcAft>
+              <a:buClr>
+                <a:schemeClr val="accent1"/>
+              </a:buClr>
+              <a:buFont typeface="Wingdings 2" charset="2"/>
+              <a:buChar char=""/>
+              <a:defRPr sz="1200" kern="1200">
+                <a:solidFill>
+                  <a:schemeClr val="tx1"/>
+                </a:solidFill>
+                <a:latin typeface="+mn-lt"/>
+                <a:ea typeface="+mn-ea"/>
+                <a:cs typeface="+mn-cs"/>
+              </a:defRPr>
+            </a:lvl9pPr>
+          </a:lstStyle>
+          <a:p>
+            <a:r>
               <a:rPr lang="fr-FR" sz="2400" dirty="0"/>
               <a:t>Définition des besoins</a:t>
             </a:r>
@@ -8667,6 +8894,119 @@
     <p:extLst>
       <p:ext uri="{BB962C8B-B14F-4D97-AF65-F5344CB8AC3E}">
         <p14:creationId xmlns:p14="http://schemas.microsoft.com/office/powerpoint/2010/main" val="3608015212"/>
+      </p:ext>
+    </p:extLst>
+  </p:cSld>
+  <p:clrMapOvr>
+    <a:masterClrMapping/>
+  </p:clrMapOvr>
+</p:sld>
+</file>
+
+<file path=ppt/slides/slide5.xml><?xml version="1.0" encoding="utf-8"?>
+<p:sld xmlns:a="http://schemas.openxmlformats.org/drawingml/2006/main" xmlns:r="http://schemas.openxmlformats.org/officeDocument/2006/relationships" xmlns:p="http://schemas.openxmlformats.org/presentationml/2006/main">
+  <p:cSld>
+    <p:spTree>
+      <p:nvGrpSpPr>
+        <p:cNvPr id="1" name=""/>
+        <p:cNvGrpSpPr/>
+        <p:nvPr/>
+      </p:nvGrpSpPr>
+      <p:grpSpPr>
+        <a:xfrm>
+          <a:off x="0" y="0"/>
+          <a:ext cx="0" cy="0"/>
+          <a:chOff x="0" y="0"/>
+          <a:chExt cx="0" cy="0"/>
+        </a:xfrm>
+      </p:grpSpPr>
+      <p:sp>
+        <p:nvSpPr>
+          <p:cNvPr id="4" name="Titre 3">
+            <a:extLst>
+              <a:ext uri="{FF2B5EF4-FFF2-40B4-BE49-F238E27FC236}">
+                <a16:creationId xmlns:a16="http://schemas.microsoft.com/office/drawing/2014/main" id="{53A9869D-A741-9647-B825-1F8349DCD62C}"/>
+              </a:ext>
+            </a:extLst>
+          </p:cNvPr>
+          <p:cNvSpPr>
+            <a:spLocks noGrp="1"/>
+          </p:cNvSpPr>
+          <p:nvPr>
+            <p:ph type="title"/>
+          </p:nvPr>
+        </p:nvSpPr>
+        <p:spPr/>
+        <p:txBody>
+          <a:bodyPr/>
+          <a:lstStyle/>
+          <a:p>
+            <a:r>
+              <a:rPr lang="fr-FR" dirty="0"/>
+              <a:t>Conception</a:t>
+            </a:r>
+          </a:p>
+        </p:txBody>
+      </p:sp>
+      <p:sp>
+        <p:nvSpPr>
+          <p:cNvPr id="5" name="Espace réservé du contenu 4">
+            <a:extLst>
+              <a:ext uri="{FF2B5EF4-FFF2-40B4-BE49-F238E27FC236}">
+                <a16:creationId xmlns:a16="http://schemas.microsoft.com/office/drawing/2014/main" id="{F34115A5-0928-9045-BC86-FE1B769DDA00}"/>
+              </a:ext>
+            </a:extLst>
+          </p:cNvPr>
+          <p:cNvSpPr>
+            <a:spLocks noGrp="1"/>
+          </p:cNvSpPr>
+          <p:nvPr>
+            <p:ph idx="1"/>
+          </p:nvPr>
+        </p:nvSpPr>
+        <p:spPr/>
+        <p:txBody>
+          <a:bodyPr/>
+          <a:lstStyle/>
+          <a:p>
+            <a:endParaRPr lang="fr-FR"/>
+          </a:p>
+        </p:txBody>
+      </p:sp>
+      <p:sp>
+        <p:nvSpPr>
+          <p:cNvPr id="2" name="Espace réservé du numéro de diapositive 1">
+            <a:extLst>
+              <a:ext uri="{FF2B5EF4-FFF2-40B4-BE49-F238E27FC236}">
+                <a16:creationId xmlns:a16="http://schemas.microsoft.com/office/drawing/2014/main" id="{4E2EF708-B9C9-704E-AD36-E18B92657376}"/>
+              </a:ext>
+            </a:extLst>
+          </p:cNvPr>
+          <p:cNvSpPr>
+            <a:spLocks noGrp="1"/>
+          </p:cNvSpPr>
+          <p:nvPr>
+            <p:ph type="sldNum" sz="quarter" idx="12"/>
+          </p:nvPr>
+        </p:nvSpPr>
+        <p:spPr/>
+        <p:txBody>
+          <a:bodyPr/>
+          <a:lstStyle/>
+          <a:p>
+            <a:fld id="{D57F1E4F-1CFF-5643-939E-217C01CDF565}" type="slidenum">
+              <a:rPr lang="en-US" smtClean="0"/>
+              <a:pPr/>
+              <a:t>5</a:t>
+            </a:fld>
+            <a:endParaRPr lang="en-US" dirty="0"/>
+          </a:p>
+        </p:txBody>
+      </p:sp>
+    </p:spTree>
+    <p:extLst>
+      <p:ext uri="{BB962C8B-B14F-4D97-AF65-F5344CB8AC3E}">
+        <p14:creationId xmlns:p14="http://schemas.microsoft.com/office/powerpoint/2010/main" val="2574719989"/>
       </p:ext>
     </p:extLst>
   </p:cSld>
@@ -8716,42 +9056,17 @@
           <a:p>
             <a:r>
               <a:rPr lang="fr-FR" dirty="0"/>
-              <a:t>Conception</a:t>
-            </a:r>
-          </a:p>
-        </p:txBody>
-      </p:sp>
-      <p:sp>
-        <p:nvSpPr>
-          <p:cNvPr id="5" name="Espace réservé du contenu 4">
+              <a:t>Technologies utilisées</a:t>
+            </a:r>
+          </a:p>
+        </p:txBody>
+      </p:sp>
+      <p:sp>
+        <p:nvSpPr>
+          <p:cNvPr id="6" name="Espace réservé du numéro de diapositive 5">
             <a:extLst>
               <a:ext uri="{FF2B5EF4-FFF2-40B4-BE49-F238E27FC236}">
-                <a16:creationId xmlns:a16="http://schemas.microsoft.com/office/drawing/2014/main" id="{F34115A5-0928-9045-BC86-FE1B769DDA00}"/>
-              </a:ext>
-            </a:extLst>
-          </p:cNvPr>
-          <p:cNvSpPr>
-            <a:spLocks noGrp="1"/>
-          </p:cNvSpPr>
-          <p:nvPr>
-            <p:ph idx="1"/>
-          </p:nvPr>
-        </p:nvSpPr>
-        <p:spPr/>
-        <p:txBody>
-          <a:bodyPr/>
-          <a:lstStyle/>
-          <a:p>
-            <a:endParaRPr lang="fr-FR"/>
-          </a:p>
-        </p:txBody>
-      </p:sp>
-      <p:sp>
-        <p:nvSpPr>
-          <p:cNvPr id="2" name="Espace réservé du numéro de diapositive 1">
-            <a:extLst>
-              <a:ext uri="{FF2B5EF4-FFF2-40B4-BE49-F238E27FC236}">
-                <a16:creationId xmlns:a16="http://schemas.microsoft.com/office/drawing/2014/main" id="{4E2EF708-B9C9-704E-AD36-E18B92657376}"/>
+                <a16:creationId xmlns:a16="http://schemas.microsoft.com/office/drawing/2014/main" id="{50E7947E-BFE0-C24B-B93A-D032EF220385}"/>
               </a:ext>
             </a:extLst>
           </p:cNvPr>
@@ -8776,10 +9091,260 @@
           </a:p>
         </p:txBody>
       </p:sp>
+      <p:pic>
+        <p:nvPicPr>
+          <p:cNvPr id="14" name="Image 13">
+            <a:extLst>
+              <a:ext uri="{FF2B5EF4-FFF2-40B4-BE49-F238E27FC236}">
+                <a16:creationId xmlns:a16="http://schemas.microsoft.com/office/drawing/2014/main" id="{784F2515-FFD4-40FD-9A01-1587A13B7BE2}"/>
+              </a:ext>
+            </a:extLst>
+          </p:cNvPr>
+          <p:cNvPicPr>
+            <a:picLocks noChangeAspect="1"/>
+          </p:cNvPicPr>
+          <p:nvPr/>
+        </p:nvPicPr>
+        <p:blipFill>
+          <a:blip r:embed="rId2"/>
+          <a:stretch>
+            <a:fillRect/>
+          </a:stretch>
+        </p:blipFill>
+        <p:spPr>
+          <a:xfrm>
+            <a:off x="6352450" y="5241390"/>
+            <a:ext cx="1581324" cy="1236308"/>
+          </a:xfrm>
+          <a:prstGeom prst="rect">
+            <a:avLst/>
+          </a:prstGeom>
+        </p:spPr>
+      </p:pic>
+      <p:pic>
+        <p:nvPicPr>
+          <p:cNvPr id="18" name="Image 17">
+            <a:extLst>
+              <a:ext uri="{FF2B5EF4-FFF2-40B4-BE49-F238E27FC236}">
+                <a16:creationId xmlns:a16="http://schemas.microsoft.com/office/drawing/2014/main" id="{4A0BC9C5-5CA2-4341-8306-CB65143D1DA4}"/>
+              </a:ext>
+            </a:extLst>
+          </p:cNvPr>
+          <p:cNvPicPr>
+            <a:picLocks noChangeAspect="1"/>
+          </p:cNvPicPr>
+          <p:nvPr/>
+        </p:nvPicPr>
+        <p:blipFill>
+          <a:blip r:embed="rId3"/>
+          <a:stretch>
+            <a:fillRect/>
+          </a:stretch>
+        </p:blipFill>
+        <p:spPr>
+          <a:xfrm>
+            <a:off x="3287923" y="5142511"/>
+            <a:ext cx="2335836" cy="540359"/>
+          </a:xfrm>
+          <a:prstGeom prst="rect">
+            <a:avLst/>
+          </a:prstGeom>
+        </p:spPr>
+      </p:pic>
+      <p:pic>
+        <p:nvPicPr>
+          <p:cNvPr id="10" name="Image 9">
+            <a:extLst>
+              <a:ext uri="{FF2B5EF4-FFF2-40B4-BE49-F238E27FC236}">
+                <a16:creationId xmlns:a16="http://schemas.microsoft.com/office/drawing/2014/main" id="{D4AEC788-02E0-4438-AAFA-F54DB17E60DB}"/>
+              </a:ext>
+            </a:extLst>
+          </p:cNvPr>
+          <p:cNvPicPr>
+            <a:picLocks noChangeAspect="1"/>
+          </p:cNvPicPr>
+          <p:nvPr/>
+        </p:nvPicPr>
+        <p:blipFill>
+          <a:blip r:embed="rId4"/>
+          <a:stretch>
+            <a:fillRect/>
+          </a:stretch>
+        </p:blipFill>
+        <p:spPr>
+          <a:xfrm>
+            <a:off x="1474904" y="2720112"/>
+            <a:ext cx="1399608" cy="1399608"/>
+          </a:xfrm>
+          <a:prstGeom prst="rect">
+            <a:avLst/>
+          </a:prstGeom>
+        </p:spPr>
+      </p:pic>
+      <p:pic>
+        <p:nvPicPr>
+          <p:cNvPr id="8" name="Image 7">
+            <a:extLst>
+              <a:ext uri="{FF2B5EF4-FFF2-40B4-BE49-F238E27FC236}">
+                <a16:creationId xmlns:a16="http://schemas.microsoft.com/office/drawing/2014/main" id="{267D05EB-BBAC-4141-87A1-DD18DB98559D}"/>
+              </a:ext>
+            </a:extLst>
+          </p:cNvPr>
+          <p:cNvPicPr>
+            <a:picLocks noChangeAspect="1"/>
+          </p:cNvPicPr>
+          <p:nvPr/>
+        </p:nvPicPr>
+        <p:blipFill>
+          <a:blip r:embed="rId5"/>
+          <a:stretch>
+            <a:fillRect/>
+          </a:stretch>
+        </p:blipFill>
+        <p:spPr>
+          <a:xfrm>
+            <a:off x="9366404" y="4528961"/>
+            <a:ext cx="1227099" cy="1227099"/>
+          </a:xfrm>
+          <a:prstGeom prst="rect">
+            <a:avLst/>
+          </a:prstGeom>
+        </p:spPr>
+      </p:pic>
+      <p:pic>
+        <p:nvPicPr>
+          <p:cNvPr id="3" name="Espace réservé du contenu 2">
+            <a:extLst>
+              <a:ext uri="{FF2B5EF4-FFF2-40B4-BE49-F238E27FC236}">
+                <a16:creationId xmlns:a16="http://schemas.microsoft.com/office/drawing/2014/main" id="{BC0B4467-BF0B-4182-878C-3A1DF9829655}"/>
+              </a:ext>
+            </a:extLst>
+          </p:cNvPr>
+          <p:cNvPicPr>
+            <a:picLocks noGrp="1" noChangeAspect="1"/>
+          </p:cNvPicPr>
+          <p:nvPr>
+            <p:ph idx="1"/>
+          </p:nvPr>
+        </p:nvPicPr>
+        <p:blipFill>
+          <a:blip r:embed="rId6"/>
+          <a:stretch>
+            <a:fillRect/>
+          </a:stretch>
+        </p:blipFill>
+        <p:spPr>
+          <a:xfrm>
+            <a:off x="924566" y="4850217"/>
+            <a:ext cx="1394185" cy="1394185"/>
+          </a:xfrm>
+        </p:spPr>
+      </p:pic>
+      <p:pic>
+        <p:nvPicPr>
+          <p:cNvPr id="16" name="Image 15">
+            <a:extLst>
+              <a:ext uri="{FF2B5EF4-FFF2-40B4-BE49-F238E27FC236}">
+                <a16:creationId xmlns:a16="http://schemas.microsoft.com/office/drawing/2014/main" id="{526FC563-B798-4AAE-A8C9-29E2B0E924CC}"/>
+              </a:ext>
+            </a:extLst>
+          </p:cNvPr>
+          <p:cNvPicPr>
+            <a:picLocks noChangeAspect="1"/>
+          </p:cNvPicPr>
+          <p:nvPr/>
+        </p:nvPicPr>
+        <p:blipFill>
+          <a:blip r:embed="rId7">
+            <a:extLst>
+              <a:ext uri="{BEBA8EAE-BF5A-486C-A8C5-ECC9F3942E4B}">
+                <a14:imgProps xmlns:a14="http://schemas.microsoft.com/office/drawing/2010/main">
+                  <a14:imgLayer r:embed="rId8">
+                    <a14:imgEffect>
+                      <a14:brightnessContrast contrast="40000"/>
+                    </a14:imgEffect>
+                  </a14:imgLayer>
+                </a14:imgProps>
+              </a:ext>
+            </a:extLst>
+          </a:blip>
+          <a:stretch>
+            <a:fillRect/>
+          </a:stretch>
+        </p:blipFill>
+        <p:spPr>
+          <a:xfrm>
+            <a:off x="6617157" y="3744601"/>
+            <a:ext cx="1833756" cy="1123046"/>
+          </a:xfrm>
+          <a:prstGeom prst="rect">
+            <a:avLst/>
+          </a:prstGeom>
+        </p:spPr>
+      </p:pic>
+      <p:pic>
+        <p:nvPicPr>
+          <p:cNvPr id="12" name="Image 11">
+            <a:extLst>
+              <a:ext uri="{FF2B5EF4-FFF2-40B4-BE49-F238E27FC236}">
+                <a16:creationId xmlns:a16="http://schemas.microsoft.com/office/drawing/2014/main" id="{7842924B-4D94-4CB3-8C6C-E9E25BEAE875}"/>
+              </a:ext>
+            </a:extLst>
+          </p:cNvPr>
+          <p:cNvPicPr>
+            <a:picLocks noChangeAspect="1"/>
+          </p:cNvPicPr>
+          <p:nvPr/>
+        </p:nvPicPr>
+        <p:blipFill>
+          <a:blip r:embed="rId9"/>
+          <a:stretch>
+            <a:fillRect/>
+          </a:stretch>
+        </p:blipFill>
+        <p:spPr>
+          <a:xfrm>
+            <a:off x="4466158" y="2283607"/>
+            <a:ext cx="1460994" cy="1460994"/>
+          </a:xfrm>
+          <a:prstGeom prst="rect">
+            <a:avLst/>
+          </a:prstGeom>
+        </p:spPr>
+      </p:pic>
+      <p:pic>
+        <p:nvPicPr>
+          <p:cNvPr id="20" name="Image 19">
+            <a:extLst>
+              <a:ext uri="{FF2B5EF4-FFF2-40B4-BE49-F238E27FC236}">
+                <a16:creationId xmlns:a16="http://schemas.microsoft.com/office/drawing/2014/main" id="{30BFE1FB-8EF1-4D9C-A861-3BF7C99593AF}"/>
+              </a:ext>
+            </a:extLst>
+          </p:cNvPr>
+          <p:cNvPicPr>
+            <a:picLocks noChangeAspect="1"/>
+          </p:cNvPicPr>
+          <p:nvPr/>
+        </p:nvPicPr>
+        <p:blipFill rotWithShape="1">
+          <a:blip r:embed="rId10"/>
+          <a:srcRect t="36012" b="33688"/>
+          <a:stretch/>
+        </p:blipFill>
+        <p:spPr>
+          <a:xfrm>
+            <a:off x="8419501" y="2577246"/>
+            <a:ext cx="1878792" cy="569270"/>
+          </a:xfrm>
+          <a:prstGeom prst="rect">
+            <a:avLst/>
+          </a:prstGeom>
+        </p:spPr>
+      </p:pic>
     </p:spTree>
     <p:extLst>
       <p:ext uri="{BB962C8B-B14F-4D97-AF65-F5344CB8AC3E}">
-        <p14:creationId xmlns:p14="http://schemas.microsoft.com/office/powerpoint/2010/main" val="2574719989"/>
+        <p14:creationId xmlns:p14="http://schemas.microsoft.com/office/powerpoint/2010/main" val="1655353834"/>
       </p:ext>
     </p:extLst>
   </p:cSld>
